--- a/ArchiMate_ArchiSurance_Modeling_2025.pptx
+++ b/ArchiMate_ArchiSurance_Modeling_2025.pptx
@@ -5,27 +5,14 @@
     <p:sldMasterId id="2147483648" r:id="rId4"/>
   </p:sldMasterIdLst>
   <p:notesMasterIdLst>
-    <p:notesMasterId r:id="rId20"/>
+    <p:notesMasterId r:id="rId7"/>
   </p:notesMasterIdLst>
   <p:handoutMasterIdLst>
-    <p:handoutMasterId r:id="rId21"/>
+    <p:handoutMasterId r:id="rId8"/>
   </p:handoutMasterIdLst>
   <p:sldIdLst>
     <p:sldId id="342" r:id="rId5"/>
     <p:sldId id="383" r:id="rId6"/>
-    <p:sldId id="382" r:id="rId7"/>
-    <p:sldId id="359" r:id="rId8"/>
-    <p:sldId id="373" r:id="rId9"/>
-    <p:sldId id="374" r:id="rId10"/>
-    <p:sldId id="375" r:id="rId11"/>
-    <p:sldId id="365" r:id="rId12"/>
-    <p:sldId id="376" r:id="rId13"/>
-    <p:sldId id="377" r:id="rId14"/>
-    <p:sldId id="378" r:id="rId15"/>
-    <p:sldId id="379" r:id="rId16"/>
-    <p:sldId id="380" r:id="rId17"/>
-    <p:sldId id="381" r:id="rId18"/>
-    <p:sldId id="372" r:id="rId19"/>
   </p:sldIdLst>
   <p:sldSz cx="12192000" cy="6858000"/>
   <p:notesSz cx="6858000" cy="9144000"/>
@@ -246,7 +233,7 @@
           <a:p>
             <a:fld id="{258BFD57-AB0A-470B-A7AF-56DFE7B5174A}" type="datetimeFigureOut">
               <a:rPr lang="en-US" smtClean="0"/>
-              <a:t>12/16/2024</a:t>
+              <a:t>12/23/2024</a:t>
             </a:fld>
             <a:endParaRPr lang="en-US" dirty="0"/>
           </a:p>
@@ -423,7 +410,7 @@
           <a:p>
             <a:fld id="{D4B3339F-6CEA-4641-BE08-40DAFD6FCF25}" type="datetimeFigureOut">
               <a:rPr lang="en-US" smtClean="0"/>
-              <a:t>12/16/2024</a:t>
+              <a:t>12/23/2024</a:t>
             </a:fld>
             <a:endParaRPr lang="en-US" dirty="0"/>
           </a:p>
@@ -774,510 +761,6 @@
 </p:notes>
 </file>
 
-<file path=ppt/notesSlides/notesSlide10.xml><?xml version="1.0" encoding="utf-8"?>
-<p:notes xmlns:a="http://schemas.openxmlformats.org/drawingml/2006/main" xmlns:r="http://schemas.openxmlformats.org/officeDocument/2006/relationships" xmlns:p="http://schemas.openxmlformats.org/presentationml/2006/main">
-  <p:cSld>
-    <p:spTree>
-      <p:nvGrpSpPr>
-        <p:cNvPr id="1" name=""/>
-        <p:cNvGrpSpPr/>
-        <p:nvPr/>
-      </p:nvGrpSpPr>
-      <p:grpSpPr>
-        <a:xfrm>
-          <a:off x="0" y="0"/>
-          <a:ext cx="0" cy="0"/>
-          <a:chOff x="0" y="0"/>
-          <a:chExt cx="0" cy="0"/>
-        </a:xfrm>
-      </p:grpSpPr>
-      <p:sp>
-        <p:nvSpPr>
-          <p:cNvPr id="2" name="Slide Image Placeholder 1"/>
-          <p:cNvSpPr>
-            <a:spLocks noGrp="1" noRot="1" noChangeAspect="1"/>
-          </p:cNvSpPr>
-          <p:nvPr>
-            <p:ph type="sldImg"/>
-          </p:nvPr>
-        </p:nvSpPr>
-        <p:spPr/>
-      </p:sp>
-      <p:sp>
-        <p:nvSpPr>
-          <p:cNvPr id="3" name="Notes Placeholder 2"/>
-          <p:cNvSpPr>
-            <a:spLocks noGrp="1"/>
-          </p:cNvSpPr>
-          <p:nvPr>
-            <p:ph type="body" idx="1"/>
-          </p:nvPr>
-        </p:nvSpPr>
-        <p:spPr/>
-        <p:txBody>
-          <a:bodyPr/>
-          <a:lstStyle/>
-          <a:p>
-            <a:endParaRPr lang="en-US" dirty="0"/>
-          </a:p>
-        </p:txBody>
-      </p:sp>
-      <p:sp>
-        <p:nvSpPr>
-          <p:cNvPr id="4" name="Slide Number Placeholder 3"/>
-          <p:cNvSpPr>
-            <a:spLocks noGrp="1"/>
-          </p:cNvSpPr>
-          <p:nvPr>
-            <p:ph type="sldNum" sz="quarter" idx="5"/>
-          </p:nvPr>
-        </p:nvSpPr>
-        <p:spPr/>
-        <p:txBody>
-          <a:bodyPr/>
-          <a:lstStyle/>
-          <a:p>
-            <a:fld id="{DEF75CB5-5666-5049-9AE0-38EFD385C21E}" type="slidenum">
-              <a:rPr lang="en-US" smtClean="0"/>
-              <a:t>10</a:t>
-            </a:fld>
-            <a:endParaRPr lang="en-US" dirty="0"/>
-          </a:p>
-        </p:txBody>
-      </p:sp>
-    </p:spTree>
-    <p:extLst>
-      <p:ext uri="{BB962C8B-B14F-4D97-AF65-F5344CB8AC3E}">
-        <p14:creationId xmlns:p14="http://schemas.microsoft.com/office/powerpoint/2010/main" val="712487217"/>
-      </p:ext>
-    </p:extLst>
-  </p:cSld>
-  <p:clrMapOvr>
-    <a:masterClrMapping/>
-  </p:clrMapOvr>
-</p:notes>
-</file>
-
-<file path=ppt/notesSlides/notesSlide11.xml><?xml version="1.0" encoding="utf-8"?>
-<p:notes xmlns:a="http://schemas.openxmlformats.org/drawingml/2006/main" xmlns:r="http://schemas.openxmlformats.org/officeDocument/2006/relationships" xmlns:p="http://schemas.openxmlformats.org/presentationml/2006/main">
-  <p:cSld>
-    <p:spTree>
-      <p:nvGrpSpPr>
-        <p:cNvPr id="1" name=""/>
-        <p:cNvGrpSpPr/>
-        <p:nvPr/>
-      </p:nvGrpSpPr>
-      <p:grpSpPr>
-        <a:xfrm>
-          <a:off x="0" y="0"/>
-          <a:ext cx="0" cy="0"/>
-          <a:chOff x="0" y="0"/>
-          <a:chExt cx="0" cy="0"/>
-        </a:xfrm>
-      </p:grpSpPr>
-      <p:sp>
-        <p:nvSpPr>
-          <p:cNvPr id="2" name="Slide Image Placeholder 1"/>
-          <p:cNvSpPr>
-            <a:spLocks noGrp="1" noRot="1" noChangeAspect="1"/>
-          </p:cNvSpPr>
-          <p:nvPr>
-            <p:ph type="sldImg"/>
-          </p:nvPr>
-        </p:nvSpPr>
-        <p:spPr/>
-      </p:sp>
-      <p:sp>
-        <p:nvSpPr>
-          <p:cNvPr id="3" name="Notes Placeholder 2"/>
-          <p:cNvSpPr>
-            <a:spLocks noGrp="1"/>
-          </p:cNvSpPr>
-          <p:nvPr>
-            <p:ph type="body" idx="1"/>
-          </p:nvPr>
-        </p:nvSpPr>
-        <p:spPr/>
-        <p:txBody>
-          <a:bodyPr/>
-          <a:lstStyle/>
-          <a:p>
-            <a:endParaRPr lang="en-US" dirty="0"/>
-          </a:p>
-        </p:txBody>
-      </p:sp>
-      <p:sp>
-        <p:nvSpPr>
-          <p:cNvPr id="4" name="Slide Number Placeholder 3"/>
-          <p:cNvSpPr>
-            <a:spLocks noGrp="1"/>
-          </p:cNvSpPr>
-          <p:nvPr>
-            <p:ph type="sldNum" sz="quarter" idx="5"/>
-          </p:nvPr>
-        </p:nvSpPr>
-        <p:spPr/>
-        <p:txBody>
-          <a:bodyPr/>
-          <a:lstStyle/>
-          <a:p>
-            <a:fld id="{DEF75CB5-5666-5049-9AE0-38EFD385C21E}" type="slidenum">
-              <a:rPr lang="en-US" smtClean="0"/>
-              <a:t>11</a:t>
-            </a:fld>
-            <a:endParaRPr lang="en-US" dirty="0"/>
-          </a:p>
-        </p:txBody>
-      </p:sp>
-    </p:spTree>
-    <p:extLst>
-      <p:ext uri="{BB962C8B-B14F-4D97-AF65-F5344CB8AC3E}">
-        <p14:creationId xmlns:p14="http://schemas.microsoft.com/office/powerpoint/2010/main" val="3765125580"/>
-      </p:ext>
-    </p:extLst>
-  </p:cSld>
-  <p:clrMapOvr>
-    <a:masterClrMapping/>
-  </p:clrMapOvr>
-</p:notes>
-</file>
-
-<file path=ppt/notesSlides/notesSlide12.xml><?xml version="1.0" encoding="utf-8"?>
-<p:notes xmlns:a="http://schemas.openxmlformats.org/drawingml/2006/main" xmlns:r="http://schemas.openxmlformats.org/officeDocument/2006/relationships" xmlns:p="http://schemas.openxmlformats.org/presentationml/2006/main">
-  <p:cSld>
-    <p:spTree>
-      <p:nvGrpSpPr>
-        <p:cNvPr id="1" name=""/>
-        <p:cNvGrpSpPr/>
-        <p:nvPr/>
-      </p:nvGrpSpPr>
-      <p:grpSpPr>
-        <a:xfrm>
-          <a:off x="0" y="0"/>
-          <a:ext cx="0" cy="0"/>
-          <a:chOff x="0" y="0"/>
-          <a:chExt cx="0" cy="0"/>
-        </a:xfrm>
-      </p:grpSpPr>
-      <p:sp>
-        <p:nvSpPr>
-          <p:cNvPr id="2" name="Slide Image Placeholder 1"/>
-          <p:cNvSpPr>
-            <a:spLocks noGrp="1" noRot="1" noChangeAspect="1"/>
-          </p:cNvSpPr>
-          <p:nvPr>
-            <p:ph type="sldImg"/>
-          </p:nvPr>
-        </p:nvSpPr>
-        <p:spPr/>
-      </p:sp>
-      <p:sp>
-        <p:nvSpPr>
-          <p:cNvPr id="3" name="Notes Placeholder 2"/>
-          <p:cNvSpPr>
-            <a:spLocks noGrp="1"/>
-          </p:cNvSpPr>
-          <p:nvPr>
-            <p:ph type="body" idx="1"/>
-          </p:nvPr>
-        </p:nvSpPr>
-        <p:spPr/>
-        <p:txBody>
-          <a:bodyPr/>
-          <a:lstStyle/>
-          <a:p>
-            <a:endParaRPr lang="en-US" dirty="0"/>
-          </a:p>
-        </p:txBody>
-      </p:sp>
-      <p:sp>
-        <p:nvSpPr>
-          <p:cNvPr id="4" name="Slide Number Placeholder 3"/>
-          <p:cNvSpPr>
-            <a:spLocks noGrp="1"/>
-          </p:cNvSpPr>
-          <p:nvPr>
-            <p:ph type="sldNum" sz="quarter" idx="5"/>
-          </p:nvPr>
-        </p:nvSpPr>
-        <p:spPr/>
-        <p:txBody>
-          <a:bodyPr/>
-          <a:lstStyle/>
-          <a:p>
-            <a:fld id="{DEF75CB5-5666-5049-9AE0-38EFD385C21E}" type="slidenum">
-              <a:rPr lang="en-US" smtClean="0"/>
-              <a:t>12</a:t>
-            </a:fld>
-            <a:endParaRPr lang="en-US" dirty="0"/>
-          </a:p>
-        </p:txBody>
-      </p:sp>
-    </p:spTree>
-    <p:extLst>
-      <p:ext uri="{BB962C8B-B14F-4D97-AF65-F5344CB8AC3E}">
-        <p14:creationId xmlns:p14="http://schemas.microsoft.com/office/powerpoint/2010/main" val="178419945"/>
-      </p:ext>
-    </p:extLst>
-  </p:cSld>
-  <p:clrMapOvr>
-    <a:masterClrMapping/>
-  </p:clrMapOvr>
-</p:notes>
-</file>
-
-<file path=ppt/notesSlides/notesSlide13.xml><?xml version="1.0" encoding="utf-8"?>
-<p:notes xmlns:a="http://schemas.openxmlformats.org/drawingml/2006/main" xmlns:r="http://schemas.openxmlformats.org/officeDocument/2006/relationships" xmlns:p="http://schemas.openxmlformats.org/presentationml/2006/main">
-  <p:cSld>
-    <p:spTree>
-      <p:nvGrpSpPr>
-        <p:cNvPr id="1" name=""/>
-        <p:cNvGrpSpPr/>
-        <p:nvPr/>
-      </p:nvGrpSpPr>
-      <p:grpSpPr>
-        <a:xfrm>
-          <a:off x="0" y="0"/>
-          <a:ext cx="0" cy="0"/>
-          <a:chOff x="0" y="0"/>
-          <a:chExt cx="0" cy="0"/>
-        </a:xfrm>
-      </p:grpSpPr>
-      <p:sp>
-        <p:nvSpPr>
-          <p:cNvPr id="2" name="Slide Image Placeholder 1"/>
-          <p:cNvSpPr>
-            <a:spLocks noGrp="1" noRot="1" noChangeAspect="1"/>
-          </p:cNvSpPr>
-          <p:nvPr>
-            <p:ph type="sldImg"/>
-          </p:nvPr>
-        </p:nvSpPr>
-        <p:spPr/>
-      </p:sp>
-      <p:sp>
-        <p:nvSpPr>
-          <p:cNvPr id="3" name="Notes Placeholder 2"/>
-          <p:cNvSpPr>
-            <a:spLocks noGrp="1"/>
-          </p:cNvSpPr>
-          <p:nvPr>
-            <p:ph type="body" idx="1"/>
-          </p:nvPr>
-        </p:nvSpPr>
-        <p:spPr/>
-        <p:txBody>
-          <a:bodyPr/>
-          <a:lstStyle/>
-          <a:p>
-            <a:endParaRPr lang="en-US" dirty="0"/>
-          </a:p>
-        </p:txBody>
-      </p:sp>
-      <p:sp>
-        <p:nvSpPr>
-          <p:cNvPr id="4" name="Slide Number Placeholder 3"/>
-          <p:cNvSpPr>
-            <a:spLocks noGrp="1"/>
-          </p:cNvSpPr>
-          <p:nvPr>
-            <p:ph type="sldNum" sz="quarter" idx="5"/>
-          </p:nvPr>
-        </p:nvSpPr>
-        <p:spPr/>
-        <p:txBody>
-          <a:bodyPr/>
-          <a:lstStyle/>
-          <a:p>
-            <a:fld id="{DEF75CB5-5666-5049-9AE0-38EFD385C21E}" type="slidenum">
-              <a:rPr lang="en-US" smtClean="0"/>
-              <a:t>13</a:t>
-            </a:fld>
-            <a:endParaRPr lang="en-US" dirty="0"/>
-          </a:p>
-        </p:txBody>
-      </p:sp>
-    </p:spTree>
-    <p:extLst>
-      <p:ext uri="{BB962C8B-B14F-4D97-AF65-F5344CB8AC3E}">
-        <p14:creationId xmlns:p14="http://schemas.microsoft.com/office/powerpoint/2010/main" val="839213642"/>
-      </p:ext>
-    </p:extLst>
-  </p:cSld>
-  <p:clrMapOvr>
-    <a:masterClrMapping/>
-  </p:clrMapOvr>
-</p:notes>
-</file>
-
-<file path=ppt/notesSlides/notesSlide14.xml><?xml version="1.0" encoding="utf-8"?>
-<p:notes xmlns:a="http://schemas.openxmlformats.org/drawingml/2006/main" xmlns:r="http://schemas.openxmlformats.org/officeDocument/2006/relationships" xmlns:p="http://schemas.openxmlformats.org/presentationml/2006/main">
-  <p:cSld>
-    <p:spTree>
-      <p:nvGrpSpPr>
-        <p:cNvPr id="1" name=""/>
-        <p:cNvGrpSpPr/>
-        <p:nvPr/>
-      </p:nvGrpSpPr>
-      <p:grpSpPr>
-        <a:xfrm>
-          <a:off x="0" y="0"/>
-          <a:ext cx="0" cy="0"/>
-          <a:chOff x="0" y="0"/>
-          <a:chExt cx="0" cy="0"/>
-        </a:xfrm>
-      </p:grpSpPr>
-      <p:sp>
-        <p:nvSpPr>
-          <p:cNvPr id="2" name="Slide Image Placeholder 1"/>
-          <p:cNvSpPr>
-            <a:spLocks noGrp="1" noRot="1" noChangeAspect="1"/>
-          </p:cNvSpPr>
-          <p:nvPr>
-            <p:ph type="sldImg"/>
-          </p:nvPr>
-        </p:nvSpPr>
-        <p:spPr/>
-      </p:sp>
-      <p:sp>
-        <p:nvSpPr>
-          <p:cNvPr id="3" name="Notes Placeholder 2"/>
-          <p:cNvSpPr>
-            <a:spLocks noGrp="1"/>
-          </p:cNvSpPr>
-          <p:nvPr>
-            <p:ph type="body" idx="1"/>
-          </p:nvPr>
-        </p:nvSpPr>
-        <p:spPr/>
-        <p:txBody>
-          <a:bodyPr/>
-          <a:lstStyle/>
-          <a:p>
-            <a:endParaRPr lang="en-US" dirty="0"/>
-          </a:p>
-        </p:txBody>
-      </p:sp>
-      <p:sp>
-        <p:nvSpPr>
-          <p:cNvPr id="4" name="Slide Number Placeholder 3"/>
-          <p:cNvSpPr>
-            <a:spLocks noGrp="1"/>
-          </p:cNvSpPr>
-          <p:nvPr>
-            <p:ph type="sldNum" sz="quarter" idx="5"/>
-          </p:nvPr>
-        </p:nvSpPr>
-        <p:spPr/>
-        <p:txBody>
-          <a:bodyPr/>
-          <a:lstStyle/>
-          <a:p>
-            <a:fld id="{DEF75CB5-5666-5049-9AE0-38EFD385C21E}" type="slidenum">
-              <a:rPr lang="en-US" smtClean="0"/>
-              <a:t>14</a:t>
-            </a:fld>
-            <a:endParaRPr lang="en-US" dirty="0"/>
-          </a:p>
-        </p:txBody>
-      </p:sp>
-    </p:spTree>
-    <p:extLst>
-      <p:ext uri="{BB962C8B-B14F-4D97-AF65-F5344CB8AC3E}">
-        <p14:creationId xmlns:p14="http://schemas.microsoft.com/office/powerpoint/2010/main" val="661510092"/>
-      </p:ext>
-    </p:extLst>
-  </p:cSld>
-  <p:clrMapOvr>
-    <a:masterClrMapping/>
-  </p:clrMapOvr>
-</p:notes>
-</file>
-
-<file path=ppt/notesSlides/notesSlide15.xml><?xml version="1.0" encoding="utf-8"?>
-<p:notes xmlns:a="http://schemas.openxmlformats.org/drawingml/2006/main" xmlns:r="http://schemas.openxmlformats.org/officeDocument/2006/relationships" xmlns:p="http://schemas.openxmlformats.org/presentationml/2006/main">
-  <p:cSld>
-    <p:spTree>
-      <p:nvGrpSpPr>
-        <p:cNvPr id="1" name=""/>
-        <p:cNvGrpSpPr/>
-        <p:nvPr/>
-      </p:nvGrpSpPr>
-      <p:grpSpPr>
-        <a:xfrm>
-          <a:off x="0" y="0"/>
-          <a:ext cx="0" cy="0"/>
-          <a:chOff x="0" y="0"/>
-          <a:chExt cx="0" cy="0"/>
-        </a:xfrm>
-      </p:grpSpPr>
-      <p:sp>
-        <p:nvSpPr>
-          <p:cNvPr id="2" name="Slide Image Placeholder 1"/>
-          <p:cNvSpPr>
-            <a:spLocks noGrp="1" noRot="1" noChangeAspect="1"/>
-          </p:cNvSpPr>
-          <p:nvPr>
-            <p:ph type="sldImg"/>
-          </p:nvPr>
-        </p:nvSpPr>
-        <p:spPr/>
-      </p:sp>
-      <p:sp>
-        <p:nvSpPr>
-          <p:cNvPr id="3" name="Notes Placeholder 2"/>
-          <p:cNvSpPr>
-            <a:spLocks noGrp="1"/>
-          </p:cNvSpPr>
-          <p:nvPr>
-            <p:ph type="body" idx="1"/>
-          </p:nvPr>
-        </p:nvSpPr>
-        <p:spPr/>
-        <p:txBody>
-          <a:bodyPr/>
-          <a:lstStyle/>
-          <a:p>
-            <a:endParaRPr lang="en-US" dirty="0"/>
-          </a:p>
-        </p:txBody>
-      </p:sp>
-      <p:sp>
-        <p:nvSpPr>
-          <p:cNvPr id="4" name="Slide Number Placeholder 3"/>
-          <p:cNvSpPr>
-            <a:spLocks noGrp="1"/>
-          </p:cNvSpPr>
-          <p:nvPr>
-            <p:ph type="sldNum" sz="quarter" idx="5"/>
-          </p:nvPr>
-        </p:nvSpPr>
-        <p:spPr/>
-        <p:txBody>
-          <a:bodyPr/>
-          <a:lstStyle/>
-          <a:p>
-            <a:fld id="{DEF75CB5-5666-5049-9AE0-38EFD385C21E}" type="slidenum">
-              <a:rPr lang="en-US" smtClean="0"/>
-              <a:t>15</a:t>
-            </a:fld>
-            <a:endParaRPr lang="en-US" dirty="0"/>
-          </a:p>
-        </p:txBody>
-      </p:sp>
-    </p:spTree>
-    <p:extLst>
-      <p:ext uri="{BB962C8B-B14F-4D97-AF65-F5344CB8AC3E}">
-        <p14:creationId xmlns:p14="http://schemas.microsoft.com/office/powerpoint/2010/main" val="4167890113"/>
-      </p:ext>
-    </p:extLst>
-  </p:cSld>
-  <p:clrMapOvr>
-    <a:masterClrMapping/>
-  </p:clrMapOvr>
-</p:notes>
-</file>
-
 <file path=ppt/notesSlides/notesSlide2.xml><?xml version="1.0" encoding="utf-8"?>
 <p:notes xmlns:a="http://schemas.openxmlformats.org/drawingml/2006/main" xmlns:r="http://schemas.openxmlformats.org/officeDocument/2006/relationships" xmlns:p="http://schemas.openxmlformats.org/presentationml/2006/main">
   <p:cSld>
@@ -1377,738 +860,6 @@
     <p:extLst>
       <p:ext uri="{BB962C8B-B14F-4D97-AF65-F5344CB8AC3E}">
         <p14:creationId xmlns:p14="http://schemas.microsoft.com/office/powerpoint/2010/main" val="2024517815"/>
-      </p:ext>
-    </p:extLst>
-  </p:cSld>
-  <p:clrMapOvr>
-    <a:masterClrMapping/>
-  </p:clrMapOvr>
-</p:notes>
-</file>
-
-<file path=ppt/notesSlides/notesSlide3.xml><?xml version="1.0" encoding="utf-8"?>
-<p:notes xmlns:a="http://schemas.openxmlformats.org/drawingml/2006/main" xmlns:r="http://schemas.openxmlformats.org/officeDocument/2006/relationships" xmlns:p="http://schemas.openxmlformats.org/presentationml/2006/main">
-  <p:cSld>
-    <p:spTree>
-      <p:nvGrpSpPr>
-        <p:cNvPr id="1" name="">
-          <a:extLst>
-            <a:ext uri="{FF2B5EF4-FFF2-40B4-BE49-F238E27FC236}">
-              <a16:creationId xmlns:a16="http://schemas.microsoft.com/office/drawing/2014/main" id="{A581E71B-C07C-437E-1E9A-9F959E26DC6E}"/>
-            </a:ext>
-          </a:extLst>
-        </p:cNvPr>
-        <p:cNvGrpSpPr/>
-        <p:nvPr/>
-      </p:nvGrpSpPr>
-      <p:grpSpPr>
-        <a:xfrm>
-          <a:off x="0" y="0"/>
-          <a:ext cx="0" cy="0"/>
-          <a:chOff x="0" y="0"/>
-          <a:chExt cx="0" cy="0"/>
-        </a:xfrm>
-      </p:grpSpPr>
-      <p:sp>
-        <p:nvSpPr>
-          <p:cNvPr id="2" name="Slide Image Placeholder 1">
-            <a:extLst>
-              <a:ext uri="{FF2B5EF4-FFF2-40B4-BE49-F238E27FC236}">
-                <a16:creationId xmlns:a16="http://schemas.microsoft.com/office/drawing/2014/main" id="{63E9946A-CCB9-BE5A-3BB9-59DC90E4A8D8}"/>
-              </a:ext>
-            </a:extLst>
-          </p:cNvPr>
-          <p:cNvSpPr>
-            <a:spLocks noGrp="1" noRot="1" noChangeAspect="1"/>
-          </p:cNvSpPr>
-          <p:nvPr>
-            <p:ph type="sldImg"/>
-          </p:nvPr>
-        </p:nvSpPr>
-        <p:spPr/>
-      </p:sp>
-      <p:sp>
-        <p:nvSpPr>
-          <p:cNvPr id="3" name="Notes Placeholder 2">
-            <a:extLst>
-              <a:ext uri="{FF2B5EF4-FFF2-40B4-BE49-F238E27FC236}">
-                <a16:creationId xmlns:a16="http://schemas.microsoft.com/office/drawing/2014/main" id="{2CA8A696-897B-05A3-A11C-F49A468A127D}"/>
-              </a:ext>
-            </a:extLst>
-          </p:cNvPr>
-          <p:cNvSpPr>
-            <a:spLocks noGrp="1"/>
-          </p:cNvSpPr>
-          <p:nvPr>
-            <p:ph type="body" idx="1"/>
-          </p:nvPr>
-        </p:nvSpPr>
-        <p:spPr/>
-        <p:txBody>
-          <a:bodyPr/>
-          <a:lstStyle/>
-          <a:p>
-            <a:endParaRPr lang="en-US" dirty="0"/>
-          </a:p>
-        </p:txBody>
-      </p:sp>
-      <p:sp>
-        <p:nvSpPr>
-          <p:cNvPr id="4" name="Slide Number Placeholder 3">
-            <a:extLst>
-              <a:ext uri="{FF2B5EF4-FFF2-40B4-BE49-F238E27FC236}">
-                <a16:creationId xmlns:a16="http://schemas.microsoft.com/office/drawing/2014/main" id="{D6B6413A-D66D-65B2-85D8-7846943E96BB}"/>
-              </a:ext>
-            </a:extLst>
-          </p:cNvPr>
-          <p:cNvSpPr>
-            <a:spLocks noGrp="1"/>
-          </p:cNvSpPr>
-          <p:nvPr>
-            <p:ph type="sldNum" sz="quarter" idx="5"/>
-          </p:nvPr>
-        </p:nvSpPr>
-        <p:spPr/>
-        <p:txBody>
-          <a:bodyPr/>
-          <a:lstStyle/>
-          <a:p>
-            <a:fld id="{DEF75CB5-5666-5049-9AE0-38EFD385C21E}" type="slidenum">
-              <a:rPr lang="en-US" smtClean="0"/>
-              <a:t>3</a:t>
-            </a:fld>
-            <a:endParaRPr lang="en-US" dirty="0"/>
-          </a:p>
-        </p:txBody>
-      </p:sp>
-    </p:spTree>
-    <p:extLst>
-      <p:ext uri="{BB962C8B-B14F-4D97-AF65-F5344CB8AC3E}">
-        <p14:creationId xmlns:p14="http://schemas.microsoft.com/office/powerpoint/2010/main" val="1654619526"/>
-      </p:ext>
-    </p:extLst>
-  </p:cSld>
-  <p:clrMapOvr>
-    <a:masterClrMapping/>
-  </p:clrMapOvr>
-</p:notes>
-</file>
-
-<file path=ppt/notesSlides/notesSlide4.xml><?xml version="1.0" encoding="utf-8"?>
-<p:notes xmlns:a="http://schemas.openxmlformats.org/drawingml/2006/main" xmlns:r="http://schemas.openxmlformats.org/officeDocument/2006/relationships" xmlns:p="http://schemas.openxmlformats.org/presentationml/2006/main">
-  <p:cSld>
-    <p:spTree>
-      <p:nvGrpSpPr>
-        <p:cNvPr id="1" name=""/>
-        <p:cNvGrpSpPr/>
-        <p:nvPr/>
-      </p:nvGrpSpPr>
-      <p:grpSpPr>
-        <a:xfrm>
-          <a:off x="0" y="0"/>
-          <a:ext cx="0" cy="0"/>
-          <a:chOff x="0" y="0"/>
-          <a:chExt cx="0" cy="0"/>
-        </a:xfrm>
-      </p:grpSpPr>
-      <p:sp>
-        <p:nvSpPr>
-          <p:cNvPr id="2" name="Slide Image Placeholder 1"/>
-          <p:cNvSpPr>
-            <a:spLocks noGrp="1" noRot="1" noChangeAspect="1"/>
-          </p:cNvSpPr>
-          <p:nvPr>
-            <p:ph type="sldImg"/>
-          </p:nvPr>
-        </p:nvSpPr>
-        <p:spPr/>
-      </p:sp>
-      <p:sp>
-        <p:nvSpPr>
-          <p:cNvPr id="3" name="Notes Placeholder 2"/>
-          <p:cNvSpPr>
-            <a:spLocks noGrp="1"/>
-          </p:cNvSpPr>
-          <p:nvPr>
-            <p:ph type="body" idx="1"/>
-          </p:nvPr>
-        </p:nvSpPr>
-        <p:spPr/>
-        <p:txBody>
-          <a:bodyPr/>
-          <a:lstStyle/>
-          <a:p>
-            <a:endParaRPr lang="en-US" dirty="0"/>
-          </a:p>
-        </p:txBody>
-      </p:sp>
-      <p:sp>
-        <p:nvSpPr>
-          <p:cNvPr id="4" name="Slide Number Placeholder 3"/>
-          <p:cNvSpPr>
-            <a:spLocks noGrp="1"/>
-          </p:cNvSpPr>
-          <p:nvPr>
-            <p:ph type="sldNum" sz="quarter" idx="5"/>
-          </p:nvPr>
-        </p:nvSpPr>
-        <p:spPr/>
-        <p:txBody>
-          <a:bodyPr/>
-          <a:lstStyle/>
-          <a:p>
-            <a:pPr marL="0" marR="0" lvl="0" indent="0" algn="r" defTabSz="914400" rtl="0" eaLnBrk="1" fontAlgn="auto" latinLnBrk="0" hangingPunct="1">
-              <a:lnSpc>
-                <a:spcPct val="100000"/>
-              </a:lnSpc>
-              <a:spcBef>
-                <a:spcPts val="0"/>
-              </a:spcBef>
-              <a:spcAft>
-                <a:spcPts val="0"/>
-              </a:spcAft>
-              <a:buClrTx/>
-              <a:buSzTx/>
-              <a:buFontTx/>
-              <a:buNone/>
-              <a:tabLst/>
-              <a:defRPr/>
-            </a:pPr>
-            <a:fld id="{DEF75CB5-5666-5049-9AE0-38EFD385C21E}" type="slidenum">
-              <a:rPr kumimoji="0" lang="en-US" sz="1200" b="0" i="0" u="none" strike="noStrike" kern="1200" cap="none" spc="0" normalizeH="0" baseline="0" noProof="0" smtClean="0">
-                <a:ln>
-                  <a:noFill/>
-                </a:ln>
-                <a:solidFill>
-                  <a:prstClr val="black"/>
-                </a:solidFill>
-                <a:effectLst/>
-                <a:uLnTx/>
-                <a:uFillTx/>
-                <a:latin typeface="Calibri" panose="020F0502020204030204"/>
-                <a:ea typeface="+mn-ea"/>
-                <a:cs typeface="+mn-cs"/>
-              </a:rPr>
-              <a:pPr marL="0" marR="0" lvl="0" indent="0" algn="r" defTabSz="914400" rtl="0" eaLnBrk="1" fontAlgn="auto" latinLnBrk="0" hangingPunct="1">
-                <a:lnSpc>
-                  <a:spcPct val="100000"/>
-                </a:lnSpc>
-                <a:spcBef>
-                  <a:spcPts val="0"/>
-                </a:spcBef>
-                <a:spcAft>
-                  <a:spcPts val="0"/>
-                </a:spcAft>
-                <a:buClrTx/>
-                <a:buSzTx/>
-                <a:buFontTx/>
-                <a:buNone/>
-                <a:tabLst/>
-                <a:defRPr/>
-              </a:pPr>
-              <a:t>4</a:t>
-            </a:fld>
-            <a:endParaRPr kumimoji="0" lang="en-US" sz="1200" b="0" i="0" u="none" strike="noStrike" kern="1200" cap="none" spc="0" normalizeH="0" baseline="0" noProof="0" dirty="0">
-              <a:ln>
-                <a:noFill/>
-              </a:ln>
-              <a:solidFill>
-                <a:prstClr val="black"/>
-              </a:solidFill>
-              <a:effectLst/>
-              <a:uLnTx/>
-              <a:uFillTx/>
-              <a:latin typeface="Calibri" panose="020F0502020204030204"/>
-              <a:ea typeface="+mn-ea"/>
-              <a:cs typeface="+mn-cs"/>
-            </a:endParaRPr>
-          </a:p>
-        </p:txBody>
-      </p:sp>
-    </p:spTree>
-    <p:extLst>
-      <p:ext uri="{BB962C8B-B14F-4D97-AF65-F5344CB8AC3E}">
-        <p14:creationId xmlns:p14="http://schemas.microsoft.com/office/powerpoint/2010/main" val="2702673861"/>
-      </p:ext>
-    </p:extLst>
-  </p:cSld>
-  <p:clrMapOvr>
-    <a:masterClrMapping/>
-  </p:clrMapOvr>
-</p:notes>
-</file>
-
-<file path=ppt/notesSlides/notesSlide5.xml><?xml version="1.0" encoding="utf-8"?>
-<p:notes xmlns:a="http://schemas.openxmlformats.org/drawingml/2006/main" xmlns:r="http://schemas.openxmlformats.org/officeDocument/2006/relationships" xmlns:p="http://schemas.openxmlformats.org/presentationml/2006/main">
-  <p:cSld>
-    <p:spTree>
-      <p:nvGrpSpPr>
-        <p:cNvPr id="1" name=""/>
-        <p:cNvGrpSpPr/>
-        <p:nvPr/>
-      </p:nvGrpSpPr>
-      <p:grpSpPr>
-        <a:xfrm>
-          <a:off x="0" y="0"/>
-          <a:ext cx="0" cy="0"/>
-          <a:chOff x="0" y="0"/>
-          <a:chExt cx="0" cy="0"/>
-        </a:xfrm>
-      </p:grpSpPr>
-      <p:sp>
-        <p:nvSpPr>
-          <p:cNvPr id="2" name="Slide Image Placeholder 1"/>
-          <p:cNvSpPr>
-            <a:spLocks noGrp="1" noRot="1" noChangeAspect="1"/>
-          </p:cNvSpPr>
-          <p:nvPr>
-            <p:ph type="sldImg"/>
-          </p:nvPr>
-        </p:nvSpPr>
-        <p:spPr/>
-      </p:sp>
-      <p:sp>
-        <p:nvSpPr>
-          <p:cNvPr id="3" name="Notes Placeholder 2"/>
-          <p:cNvSpPr>
-            <a:spLocks noGrp="1"/>
-          </p:cNvSpPr>
-          <p:nvPr>
-            <p:ph type="body" idx="1"/>
-          </p:nvPr>
-        </p:nvSpPr>
-        <p:spPr/>
-        <p:txBody>
-          <a:bodyPr/>
-          <a:lstStyle/>
-          <a:p>
-            <a:endParaRPr lang="en-US" dirty="0"/>
-          </a:p>
-        </p:txBody>
-      </p:sp>
-      <p:sp>
-        <p:nvSpPr>
-          <p:cNvPr id="4" name="Slide Number Placeholder 3"/>
-          <p:cNvSpPr>
-            <a:spLocks noGrp="1"/>
-          </p:cNvSpPr>
-          <p:nvPr>
-            <p:ph type="sldNum" sz="quarter" idx="5"/>
-          </p:nvPr>
-        </p:nvSpPr>
-        <p:spPr/>
-        <p:txBody>
-          <a:bodyPr/>
-          <a:lstStyle/>
-          <a:p>
-            <a:fld id="{DEF75CB5-5666-5049-9AE0-38EFD385C21E}" type="slidenum">
-              <a:rPr lang="en-US" smtClean="0"/>
-              <a:t>5</a:t>
-            </a:fld>
-            <a:endParaRPr lang="en-US" dirty="0"/>
-          </a:p>
-        </p:txBody>
-      </p:sp>
-    </p:spTree>
-    <p:extLst>
-      <p:ext uri="{BB962C8B-B14F-4D97-AF65-F5344CB8AC3E}">
-        <p14:creationId xmlns:p14="http://schemas.microsoft.com/office/powerpoint/2010/main" val="1860164103"/>
-      </p:ext>
-    </p:extLst>
-  </p:cSld>
-  <p:clrMapOvr>
-    <a:masterClrMapping/>
-  </p:clrMapOvr>
-</p:notes>
-</file>
-
-<file path=ppt/notesSlides/notesSlide6.xml><?xml version="1.0" encoding="utf-8"?>
-<p:notes xmlns:a="http://schemas.openxmlformats.org/drawingml/2006/main" xmlns:r="http://schemas.openxmlformats.org/officeDocument/2006/relationships" xmlns:p="http://schemas.openxmlformats.org/presentationml/2006/main">
-  <p:cSld>
-    <p:spTree>
-      <p:nvGrpSpPr>
-        <p:cNvPr id="1" name=""/>
-        <p:cNvGrpSpPr/>
-        <p:nvPr/>
-      </p:nvGrpSpPr>
-      <p:grpSpPr>
-        <a:xfrm>
-          <a:off x="0" y="0"/>
-          <a:ext cx="0" cy="0"/>
-          <a:chOff x="0" y="0"/>
-          <a:chExt cx="0" cy="0"/>
-        </a:xfrm>
-      </p:grpSpPr>
-      <p:sp>
-        <p:nvSpPr>
-          <p:cNvPr id="2" name="Slide Image Placeholder 1"/>
-          <p:cNvSpPr>
-            <a:spLocks noGrp="1" noRot="1" noChangeAspect="1"/>
-          </p:cNvSpPr>
-          <p:nvPr>
-            <p:ph type="sldImg"/>
-          </p:nvPr>
-        </p:nvSpPr>
-        <p:spPr/>
-      </p:sp>
-      <p:sp>
-        <p:nvSpPr>
-          <p:cNvPr id="3" name="Notes Placeholder 2"/>
-          <p:cNvSpPr>
-            <a:spLocks noGrp="1"/>
-          </p:cNvSpPr>
-          <p:nvPr>
-            <p:ph type="body" idx="1"/>
-          </p:nvPr>
-        </p:nvSpPr>
-        <p:spPr/>
-        <p:txBody>
-          <a:bodyPr/>
-          <a:lstStyle/>
-          <a:p>
-            <a:endParaRPr lang="en-US" dirty="0"/>
-          </a:p>
-        </p:txBody>
-      </p:sp>
-      <p:sp>
-        <p:nvSpPr>
-          <p:cNvPr id="4" name="Slide Number Placeholder 3"/>
-          <p:cNvSpPr>
-            <a:spLocks noGrp="1"/>
-          </p:cNvSpPr>
-          <p:nvPr>
-            <p:ph type="sldNum" sz="quarter" idx="5"/>
-          </p:nvPr>
-        </p:nvSpPr>
-        <p:spPr/>
-        <p:txBody>
-          <a:bodyPr/>
-          <a:lstStyle/>
-          <a:p>
-            <a:fld id="{DEF75CB5-5666-5049-9AE0-38EFD385C21E}" type="slidenum">
-              <a:rPr lang="en-US" smtClean="0"/>
-              <a:t>6</a:t>
-            </a:fld>
-            <a:endParaRPr lang="en-US" dirty="0"/>
-          </a:p>
-        </p:txBody>
-      </p:sp>
-    </p:spTree>
-    <p:extLst>
-      <p:ext uri="{BB962C8B-B14F-4D97-AF65-F5344CB8AC3E}">
-        <p14:creationId xmlns:p14="http://schemas.microsoft.com/office/powerpoint/2010/main" val="935072998"/>
-      </p:ext>
-    </p:extLst>
-  </p:cSld>
-  <p:clrMapOvr>
-    <a:masterClrMapping/>
-  </p:clrMapOvr>
-</p:notes>
-</file>
-
-<file path=ppt/notesSlides/notesSlide7.xml><?xml version="1.0" encoding="utf-8"?>
-<p:notes xmlns:a="http://schemas.openxmlformats.org/drawingml/2006/main" xmlns:r="http://schemas.openxmlformats.org/officeDocument/2006/relationships" xmlns:p="http://schemas.openxmlformats.org/presentationml/2006/main">
-  <p:cSld>
-    <p:spTree>
-      <p:nvGrpSpPr>
-        <p:cNvPr id="1" name=""/>
-        <p:cNvGrpSpPr/>
-        <p:nvPr/>
-      </p:nvGrpSpPr>
-      <p:grpSpPr>
-        <a:xfrm>
-          <a:off x="0" y="0"/>
-          <a:ext cx="0" cy="0"/>
-          <a:chOff x="0" y="0"/>
-          <a:chExt cx="0" cy="0"/>
-        </a:xfrm>
-      </p:grpSpPr>
-      <p:sp>
-        <p:nvSpPr>
-          <p:cNvPr id="2" name="Slide Image Placeholder 1"/>
-          <p:cNvSpPr>
-            <a:spLocks noGrp="1" noRot="1" noChangeAspect="1"/>
-          </p:cNvSpPr>
-          <p:nvPr>
-            <p:ph type="sldImg"/>
-          </p:nvPr>
-        </p:nvSpPr>
-        <p:spPr/>
-      </p:sp>
-      <p:sp>
-        <p:nvSpPr>
-          <p:cNvPr id="3" name="Notes Placeholder 2"/>
-          <p:cNvSpPr>
-            <a:spLocks noGrp="1"/>
-          </p:cNvSpPr>
-          <p:nvPr>
-            <p:ph type="body" idx="1"/>
-          </p:nvPr>
-        </p:nvSpPr>
-        <p:spPr/>
-        <p:txBody>
-          <a:bodyPr/>
-          <a:lstStyle/>
-          <a:p>
-            <a:endParaRPr lang="en-US" dirty="0"/>
-          </a:p>
-        </p:txBody>
-      </p:sp>
-      <p:sp>
-        <p:nvSpPr>
-          <p:cNvPr id="4" name="Slide Number Placeholder 3"/>
-          <p:cNvSpPr>
-            <a:spLocks noGrp="1"/>
-          </p:cNvSpPr>
-          <p:nvPr>
-            <p:ph type="sldNum" sz="quarter" idx="5"/>
-          </p:nvPr>
-        </p:nvSpPr>
-        <p:spPr/>
-        <p:txBody>
-          <a:bodyPr/>
-          <a:lstStyle/>
-          <a:p>
-            <a:fld id="{DEF75CB5-5666-5049-9AE0-38EFD385C21E}" type="slidenum">
-              <a:rPr lang="en-US" smtClean="0"/>
-              <a:t>7</a:t>
-            </a:fld>
-            <a:endParaRPr lang="en-US" dirty="0"/>
-          </a:p>
-        </p:txBody>
-      </p:sp>
-    </p:spTree>
-    <p:extLst>
-      <p:ext uri="{BB962C8B-B14F-4D97-AF65-F5344CB8AC3E}">
-        <p14:creationId xmlns:p14="http://schemas.microsoft.com/office/powerpoint/2010/main" val="2982522483"/>
-      </p:ext>
-    </p:extLst>
-  </p:cSld>
-  <p:clrMapOvr>
-    <a:masterClrMapping/>
-  </p:clrMapOvr>
-</p:notes>
-</file>
-
-<file path=ppt/notesSlides/notesSlide8.xml><?xml version="1.0" encoding="utf-8"?>
-<p:notes xmlns:a="http://schemas.openxmlformats.org/drawingml/2006/main" xmlns:r="http://schemas.openxmlformats.org/officeDocument/2006/relationships" xmlns:p="http://schemas.openxmlformats.org/presentationml/2006/main">
-  <p:cSld>
-    <p:spTree>
-      <p:nvGrpSpPr>
-        <p:cNvPr id="1" name=""/>
-        <p:cNvGrpSpPr/>
-        <p:nvPr/>
-      </p:nvGrpSpPr>
-      <p:grpSpPr>
-        <a:xfrm>
-          <a:off x="0" y="0"/>
-          <a:ext cx="0" cy="0"/>
-          <a:chOff x="0" y="0"/>
-          <a:chExt cx="0" cy="0"/>
-        </a:xfrm>
-      </p:grpSpPr>
-      <p:sp>
-        <p:nvSpPr>
-          <p:cNvPr id="2" name="Slide Image Placeholder 1"/>
-          <p:cNvSpPr>
-            <a:spLocks noGrp="1" noRot="1" noChangeAspect="1"/>
-          </p:cNvSpPr>
-          <p:nvPr>
-            <p:ph type="sldImg"/>
-          </p:nvPr>
-        </p:nvSpPr>
-        <p:spPr/>
-      </p:sp>
-      <p:sp>
-        <p:nvSpPr>
-          <p:cNvPr id="3" name="Notes Placeholder 2"/>
-          <p:cNvSpPr>
-            <a:spLocks noGrp="1"/>
-          </p:cNvSpPr>
-          <p:nvPr>
-            <p:ph type="body" idx="1"/>
-          </p:nvPr>
-        </p:nvSpPr>
-        <p:spPr/>
-        <p:txBody>
-          <a:bodyPr/>
-          <a:lstStyle/>
-          <a:p>
-            <a:endParaRPr lang="en-US" dirty="0"/>
-          </a:p>
-        </p:txBody>
-      </p:sp>
-      <p:sp>
-        <p:nvSpPr>
-          <p:cNvPr id="4" name="Slide Number Placeholder 3"/>
-          <p:cNvSpPr>
-            <a:spLocks noGrp="1"/>
-          </p:cNvSpPr>
-          <p:nvPr>
-            <p:ph type="sldNum" sz="quarter" idx="5"/>
-          </p:nvPr>
-        </p:nvSpPr>
-        <p:spPr/>
-        <p:txBody>
-          <a:bodyPr/>
-          <a:lstStyle/>
-          <a:p>
-            <a:pPr marL="0" marR="0" lvl="0" indent="0" algn="r" defTabSz="914400" rtl="0" eaLnBrk="1" fontAlgn="auto" latinLnBrk="0" hangingPunct="1">
-              <a:lnSpc>
-                <a:spcPct val="100000"/>
-              </a:lnSpc>
-              <a:spcBef>
-                <a:spcPts val="0"/>
-              </a:spcBef>
-              <a:spcAft>
-                <a:spcPts val="0"/>
-              </a:spcAft>
-              <a:buClrTx/>
-              <a:buSzTx/>
-              <a:buFontTx/>
-              <a:buNone/>
-              <a:tabLst/>
-              <a:defRPr/>
-            </a:pPr>
-            <a:fld id="{DEF75CB5-5666-5049-9AE0-38EFD385C21E}" type="slidenum">
-              <a:rPr kumimoji="0" lang="en-US" sz="1200" b="0" i="0" u="none" strike="noStrike" kern="1200" cap="none" spc="0" normalizeH="0" baseline="0" noProof="0" smtClean="0">
-                <a:ln>
-                  <a:noFill/>
-                </a:ln>
-                <a:solidFill>
-                  <a:prstClr val="black"/>
-                </a:solidFill>
-                <a:effectLst/>
-                <a:uLnTx/>
-                <a:uFillTx/>
-                <a:latin typeface="Calibri" panose="020F0502020204030204"/>
-                <a:ea typeface="+mn-ea"/>
-                <a:cs typeface="+mn-cs"/>
-              </a:rPr>
-              <a:pPr marL="0" marR="0" lvl="0" indent="0" algn="r" defTabSz="914400" rtl="0" eaLnBrk="1" fontAlgn="auto" latinLnBrk="0" hangingPunct="1">
-                <a:lnSpc>
-                  <a:spcPct val="100000"/>
-                </a:lnSpc>
-                <a:spcBef>
-                  <a:spcPts val="0"/>
-                </a:spcBef>
-                <a:spcAft>
-                  <a:spcPts val="0"/>
-                </a:spcAft>
-                <a:buClrTx/>
-                <a:buSzTx/>
-                <a:buFontTx/>
-                <a:buNone/>
-                <a:tabLst/>
-                <a:defRPr/>
-              </a:pPr>
-              <a:t>8</a:t>
-            </a:fld>
-            <a:endParaRPr kumimoji="0" lang="en-US" sz="1200" b="0" i="0" u="none" strike="noStrike" kern="1200" cap="none" spc="0" normalizeH="0" baseline="0" noProof="0" dirty="0">
-              <a:ln>
-                <a:noFill/>
-              </a:ln>
-              <a:solidFill>
-                <a:prstClr val="black"/>
-              </a:solidFill>
-              <a:effectLst/>
-              <a:uLnTx/>
-              <a:uFillTx/>
-              <a:latin typeface="Calibri" panose="020F0502020204030204"/>
-              <a:ea typeface="+mn-ea"/>
-              <a:cs typeface="+mn-cs"/>
-            </a:endParaRPr>
-          </a:p>
-        </p:txBody>
-      </p:sp>
-    </p:spTree>
-    <p:extLst>
-      <p:ext uri="{BB962C8B-B14F-4D97-AF65-F5344CB8AC3E}">
-        <p14:creationId xmlns:p14="http://schemas.microsoft.com/office/powerpoint/2010/main" val="2745012378"/>
-      </p:ext>
-    </p:extLst>
-  </p:cSld>
-  <p:clrMapOvr>
-    <a:masterClrMapping/>
-  </p:clrMapOvr>
-</p:notes>
-</file>
-
-<file path=ppt/notesSlides/notesSlide9.xml><?xml version="1.0" encoding="utf-8"?>
-<p:notes xmlns:a="http://schemas.openxmlformats.org/drawingml/2006/main" xmlns:r="http://schemas.openxmlformats.org/officeDocument/2006/relationships" xmlns:p="http://schemas.openxmlformats.org/presentationml/2006/main">
-  <p:cSld>
-    <p:spTree>
-      <p:nvGrpSpPr>
-        <p:cNvPr id="1" name=""/>
-        <p:cNvGrpSpPr/>
-        <p:nvPr/>
-      </p:nvGrpSpPr>
-      <p:grpSpPr>
-        <a:xfrm>
-          <a:off x="0" y="0"/>
-          <a:ext cx="0" cy="0"/>
-          <a:chOff x="0" y="0"/>
-          <a:chExt cx="0" cy="0"/>
-        </a:xfrm>
-      </p:grpSpPr>
-      <p:sp>
-        <p:nvSpPr>
-          <p:cNvPr id="2" name="Slide Image Placeholder 1"/>
-          <p:cNvSpPr>
-            <a:spLocks noGrp="1" noRot="1" noChangeAspect="1"/>
-          </p:cNvSpPr>
-          <p:nvPr>
-            <p:ph type="sldImg"/>
-          </p:nvPr>
-        </p:nvSpPr>
-        <p:spPr/>
-      </p:sp>
-      <p:sp>
-        <p:nvSpPr>
-          <p:cNvPr id="3" name="Notes Placeholder 2"/>
-          <p:cNvSpPr>
-            <a:spLocks noGrp="1"/>
-          </p:cNvSpPr>
-          <p:nvPr>
-            <p:ph type="body" idx="1"/>
-          </p:nvPr>
-        </p:nvSpPr>
-        <p:spPr/>
-        <p:txBody>
-          <a:bodyPr/>
-          <a:lstStyle/>
-          <a:p>
-            <a:endParaRPr lang="en-US" dirty="0"/>
-          </a:p>
-        </p:txBody>
-      </p:sp>
-      <p:sp>
-        <p:nvSpPr>
-          <p:cNvPr id="4" name="Slide Number Placeholder 3"/>
-          <p:cNvSpPr>
-            <a:spLocks noGrp="1"/>
-          </p:cNvSpPr>
-          <p:nvPr>
-            <p:ph type="sldNum" sz="quarter" idx="5"/>
-          </p:nvPr>
-        </p:nvSpPr>
-        <p:spPr/>
-        <p:txBody>
-          <a:bodyPr/>
-          <a:lstStyle/>
-          <a:p>
-            <a:fld id="{DEF75CB5-5666-5049-9AE0-38EFD385C21E}" type="slidenum">
-              <a:rPr lang="en-US" smtClean="0"/>
-              <a:t>9</a:t>
-            </a:fld>
-            <a:endParaRPr lang="en-US" dirty="0"/>
-          </a:p>
-        </p:txBody>
-      </p:sp>
-    </p:spTree>
-    <p:extLst>
-      <p:ext uri="{BB962C8B-B14F-4D97-AF65-F5344CB8AC3E}">
-        <p14:creationId xmlns:p14="http://schemas.microsoft.com/office/powerpoint/2010/main" val="2493029087"/>
       </p:ext>
     </p:extLst>
   </p:cSld>
@@ -10947,3664 +9698,6 @@
 </p:sld>
 </file>
 
-<file path=ppt/slides/slide10.xml><?xml version="1.0" encoding="utf-8"?>
-<p:sld xmlns:a="http://schemas.openxmlformats.org/drawingml/2006/main" xmlns:r="http://schemas.openxmlformats.org/officeDocument/2006/relationships" xmlns:p="http://schemas.openxmlformats.org/presentationml/2006/main">
-  <p:cSld>
-    <p:spTree>
-      <p:nvGrpSpPr>
-        <p:cNvPr id="1" name=""/>
-        <p:cNvGrpSpPr/>
-        <p:nvPr/>
-      </p:nvGrpSpPr>
-      <p:grpSpPr>
-        <a:xfrm>
-          <a:off x="0" y="0"/>
-          <a:ext cx="0" cy="0"/>
-          <a:chOff x="0" y="0"/>
-          <a:chExt cx="0" cy="0"/>
-        </a:xfrm>
-      </p:grpSpPr>
-      <p:sp>
-        <p:nvSpPr>
-          <p:cNvPr id="2" name="Title 1">
-            <a:extLst>
-              <a:ext uri="{FF2B5EF4-FFF2-40B4-BE49-F238E27FC236}">
-                <a16:creationId xmlns:a16="http://schemas.microsoft.com/office/drawing/2014/main" id="{11883E06-8BEA-1DD3-D0D6-391C08880EBF}"/>
-              </a:ext>
-            </a:extLst>
-          </p:cNvPr>
-          <p:cNvSpPr>
-            <a:spLocks noGrp="1"/>
-          </p:cNvSpPr>
-          <p:nvPr>
-            <p:ph type="title"/>
-          </p:nvPr>
-        </p:nvSpPr>
-        <p:spPr>
-          <a:xfrm>
-            <a:off x="741680" y="430482"/>
-            <a:ext cx="10500989" cy="1327464"/>
-          </a:xfrm>
-        </p:spPr>
-        <p:txBody>
-          <a:bodyPr/>
-          <a:lstStyle/>
-          <a:p>
-            <a:r>
-              <a:rPr lang="en-US" dirty="0"/>
-              <a:t>NAVIGATING Q&amp;A SESSIONS</a:t>
-            </a:r>
-          </a:p>
-        </p:txBody>
-      </p:sp>
-      <p:sp>
-        <p:nvSpPr>
-          <p:cNvPr id="3" name="Content Placeholder 2">
-            <a:extLst>
-              <a:ext uri="{FF2B5EF4-FFF2-40B4-BE49-F238E27FC236}">
-                <a16:creationId xmlns:a16="http://schemas.microsoft.com/office/drawing/2014/main" id="{1CF175D3-F3DC-695F-474B-346EDCA5D60F}"/>
-              </a:ext>
-            </a:extLst>
-          </p:cNvPr>
-          <p:cNvSpPr>
-            <a:spLocks noGrp="1"/>
-          </p:cNvSpPr>
-          <p:nvPr>
-            <p:ph sz="quarter" idx="35"/>
-          </p:nvPr>
-        </p:nvSpPr>
-        <p:spPr>
-          <a:xfrm>
-            <a:off x="807038" y="2465539"/>
-            <a:ext cx="3774587" cy="3723753"/>
-          </a:xfrm>
-        </p:spPr>
-        <p:txBody>
-          <a:bodyPr/>
-          <a:lstStyle/>
-          <a:p>
-            <a:r>
-              <a:rPr lang="en-US" dirty="0"/>
-              <a:t>Know your material in advance</a:t>
-            </a:r>
-          </a:p>
-          <a:p>
-            <a:r>
-              <a:rPr lang="en-US" dirty="0"/>
-              <a:t>Anticipate common questions</a:t>
-            </a:r>
-          </a:p>
-          <a:p>
-            <a:r>
-              <a:rPr lang="en-US" dirty="0"/>
-              <a:t>Rehearse your responses</a:t>
-            </a:r>
-          </a:p>
-        </p:txBody>
-      </p:sp>
-      <p:sp>
-        <p:nvSpPr>
-          <p:cNvPr id="4" name="Content Placeholder 3">
-            <a:extLst>
-              <a:ext uri="{FF2B5EF4-FFF2-40B4-BE49-F238E27FC236}">
-                <a16:creationId xmlns:a16="http://schemas.microsoft.com/office/drawing/2014/main" id="{3770D91C-D5C0-248C-26D3-DE7C7C72E632}"/>
-              </a:ext>
-            </a:extLst>
-          </p:cNvPr>
-          <p:cNvSpPr>
-            <a:spLocks noGrp="1"/>
-          </p:cNvSpPr>
-          <p:nvPr>
-            <p:ph sz="quarter" idx="36"/>
-          </p:nvPr>
-        </p:nvSpPr>
-        <p:spPr>
-          <a:xfrm>
-            <a:off x="4927600" y="2465539"/>
-            <a:ext cx="6315069" cy="3723753"/>
-          </a:xfrm>
-        </p:spPr>
-        <p:txBody>
-          <a:bodyPr/>
-          <a:lstStyle/>
-          <a:p>
-            <a:r>
-              <a:rPr lang="en-US" dirty="0"/>
-              <a:t>Maintaining composure during the Q&amp;A session is essential for projecting confidence and authority. Consider the following tips for staying composed:</a:t>
-            </a:r>
-          </a:p>
-          <a:p>
-            <a:pPr lvl="1"/>
-            <a:r>
-              <a:rPr lang="en-US" dirty="0"/>
-              <a:t>Stay calm</a:t>
-            </a:r>
-          </a:p>
-          <a:p>
-            <a:pPr lvl="1"/>
-            <a:r>
-              <a:rPr lang="en-US" dirty="0"/>
-              <a:t>Actively listen</a:t>
-            </a:r>
-          </a:p>
-          <a:p>
-            <a:pPr lvl="1"/>
-            <a:r>
-              <a:rPr lang="en-US" dirty="0"/>
-              <a:t>Pause and reflect</a:t>
-            </a:r>
-          </a:p>
-          <a:p>
-            <a:pPr lvl="1"/>
-            <a:r>
-              <a:rPr lang="en-US" dirty="0"/>
-              <a:t>Maintain eye contact</a:t>
-            </a:r>
-          </a:p>
-        </p:txBody>
-      </p:sp>
-      <p:sp>
-        <p:nvSpPr>
-          <p:cNvPr id="5" name="Slide Number Placeholder 4">
-            <a:extLst>
-              <a:ext uri="{FF2B5EF4-FFF2-40B4-BE49-F238E27FC236}">
-                <a16:creationId xmlns:a16="http://schemas.microsoft.com/office/drawing/2014/main" id="{E87B8B6A-2B28-5C38-80E7-0EBE705FFBBF}"/>
-              </a:ext>
-            </a:extLst>
-          </p:cNvPr>
-          <p:cNvSpPr>
-            <a:spLocks noGrp="1"/>
-          </p:cNvSpPr>
-          <p:nvPr>
-            <p:ph type="sldNum" sz="quarter" idx="12"/>
-          </p:nvPr>
-        </p:nvSpPr>
-        <p:spPr>
-          <a:xfrm>
-            <a:off x="9140971" y="6226198"/>
-            <a:ext cx="2743200" cy="365125"/>
-          </a:xfrm>
-        </p:spPr>
-        <p:txBody>
-          <a:bodyPr/>
-          <a:lstStyle/>
-          <a:p>
-            <a:fld id="{FE024F78-56A6-7740-B68D-8D4D026EDF3F}" type="slidenum">
-              <a:rPr lang="en-US" smtClean="0"/>
-              <a:pPr/>
-              <a:t>10</a:t>
-            </a:fld>
-            <a:endParaRPr lang="en-US" dirty="0"/>
-          </a:p>
-        </p:txBody>
-      </p:sp>
-    </p:spTree>
-    <p:extLst>
-      <p:ext uri="{BB962C8B-B14F-4D97-AF65-F5344CB8AC3E}">
-        <p14:creationId xmlns:p14="http://schemas.microsoft.com/office/powerpoint/2010/main" val="2728059627"/>
-      </p:ext>
-    </p:extLst>
-  </p:cSld>
-  <p:clrMapOvr>
-    <a:masterClrMapping/>
-  </p:clrMapOvr>
-</p:sld>
-</file>
-
-<file path=ppt/slides/slide11.xml><?xml version="1.0" encoding="utf-8"?>
-<p:sld xmlns:a="http://schemas.openxmlformats.org/drawingml/2006/main" xmlns:r="http://schemas.openxmlformats.org/officeDocument/2006/relationships" xmlns:p="http://schemas.openxmlformats.org/presentationml/2006/main">
-  <p:cSld>
-    <p:spTree>
-      <p:nvGrpSpPr>
-        <p:cNvPr id="1" name=""/>
-        <p:cNvGrpSpPr/>
-        <p:nvPr/>
-      </p:nvGrpSpPr>
-      <p:grpSpPr>
-        <a:xfrm>
-          <a:off x="0" y="0"/>
-          <a:ext cx="0" cy="0"/>
-          <a:chOff x="0" y="0"/>
-          <a:chExt cx="0" cy="0"/>
-        </a:xfrm>
-      </p:grpSpPr>
-      <p:sp>
-        <p:nvSpPr>
-          <p:cNvPr id="2" name="Title 1">
-            <a:extLst>
-              <a:ext uri="{FF2B5EF4-FFF2-40B4-BE49-F238E27FC236}">
-                <a16:creationId xmlns:a16="http://schemas.microsoft.com/office/drawing/2014/main" id="{D543EB8B-0AB9-7554-AEEA-E8D744959E9A}"/>
-              </a:ext>
-            </a:extLst>
-          </p:cNvPr>
-          <p:cNvSpPr>
-            <a:spLocks noGrp="1"/>
-          </p:cNvSpPr>
-          <p:nvPr>
-            <p:ph type="title"/>
-          </p:nvPr>
-        </p:nvSpPr>
-        <p:spPr>
-          <a:xfrm>
-            <a:off x="6889627" y="173736"/>
-            <a:ext cx="4352662" cy="2203704"/>
-          </a:xfrm>
-        </p:spPr>
-        <p:txBody>
-          <a:bodyPr/>
-          <a:lstStyle/>
-          <a:p>
-            <a:pPr lvl="0"/>
-            <a:r>
-              <a:rPr lang="en-US" noProof="0" dirty="0"/>
-              <a:t>SPEAKING IMPACT</a:t>
-            </a:r>
-          </a:p>
-        </p:txBody>
-      </p:sp>
-      <p:pic>
-        <p:nvPicPr>
-          <p:cNvPr id="6" name="Picture Placeholder 5" descr="A blue and purple spiral">
-            <a:extLst>
-              <a:ext uri="{FF2B5EF4-FFF2-40B4-BE49-F238E27FC236}">
-                <a16:creationId xmlns:a16="http://schemas.microsoft.com/office/drawing/2014/main" id="{05B64636-376E-96D4-B550-D764B2C6A6A7}"/>
-              </a:ext>
-            </a:extLst>
-          </p:cNvPr>
-          <p:cNvPicPr>
-            <a:picLocks noGrp="1" noChangeAspect="1"/>
-          </p:cNvPicPr>
-          <p:nvPr>
-            <p:ph type="pic" sz="quarter" idx="37"/>
-          </p:nvPr>
-        </p:nvPicPr>
-        <p:blipFill rotWithShape="1">
-          <a:blip r:embed="rId3" cstate="screen">
-            <a:extLst>
-              <a:ext uri="{28A0092B-C50C-407E-A947-70E740481C1C}">
-                <a14:useLocalDpi xmlns:a14="http://schemas.microsoft.com/office/drawing/2010/main"/>
-              </a:ext>
-            </a:extLst>
-          </a:blip>
-          <a:srcRect t="202" b="202"/>
-          <a:stretch/>
-        </p:blipFill>
-        <p:spPr>
-          <a:xfrm>
-            <a:off x="336550" y="336550"/>
-            <a:ext cx="5303640" cy="6184900"/>
-          </a:xfrm>
-        </p:spPr>
-      </p:pic>
-      <p:sp>
-        <p:nvSpPr>
-          <p:cNvPr id="3" name="Content Placeholder 2">
-            <a:extLst>
-              <a:ext uri="{FF2B5EF4-FFF2-40B4-BE49-F238E27FC236}">
-                <a16:creationId xmlns:a16="http://schemas.microsoft.com/office/drawing/2014/main" id="{FB2F5F9A-B16D-CA49-7F40-A0142E41DC56}"/>
-              </a:ext>
-            </a:extLst>
-          </p:cNvPr>
-          <p:cNvSpPr>
-            <a:spLocks noGrp="1"/>
-          </p:cNvSpPr>
-          <p:nvPr>
-            <p:ph sz="quarter" idx="36"/>
-          </p:nvPr>
-        </p:nvSpPr>
-        <p:spPr>
-          <a:xfrm>
-            <a:off x="6889627" y="3104277"/>
-            <a:ext cx="4371560" cy="3022201"/>
-          </a:xfrm>
-        </p:spPr>
-        <p:txBody>
-          <a:bodyPr/>
-          <a:lstStyle/>
-          <a:p>
-            <a:r>
-              <a:rPr lang="en-US" dirty="0"/>
-              <a:t>Your ability to communicate effectively will leave a lasting impact on your audience</a:t>
-            </a:r>
-          </a:p>
-          <a:p>
-            <a:r>
-              <a:rPr lang="en-US" dirty="0"/>
-              <a:t>Effectively communicating involves not only delivering a message but also resonating with the experiences, values, and emotions of those listening </a:t>
-            </a:r>
-          </a:p>
-        </p:txBody>
-      </p:sp>
-      <p:sp>
-        <p:nvSpPr>
-          <p:cNvPr id="4" name="Slide Number Placeholder 3">
-            <a:extLst>
-              <a:ext uri="{FF2B5EF4-FFF2-40B4-BE49-F238E27FC236}">
-                <a16:creationId xmlns:a16="http://schemas.microsoft.com/office/drawing/2014/main" id="{921DB868-BEE2-49F7-9AC5-A3B143880250}"/>
-              </a:ext>
-            </a:extLst>
-          </p:cNvPr>
-          <p:cNvSpPr>
-            <a:spLocks noGrp="1"/>
-          </p:cNvSpPr>
-          <p:nvPr>
-            <p:ph type="sldNum" sz="quarter" idx="12"/>
-          </p:nvPr>
-        </p:nvSpPr>
-        <p:spPr>
-          <a:xfrm>
-            <a:off x="9140971" y="6226198"/>
-            <a:ext cx="2743200" cy="365125"/>
-          </a:xfrm>
-        </p:spPr>
-        <p:txBody>
-          <a:bodyPr/>
-          <a:lstStyle/>
-          <a:p>
-            <a:fld id="{FE024F78-56A6-7740-B68D-8D4D026EDF3F}" type="slidenum">
-              <a:rPr lang="en-US" smtClean="0"/>
-              <a:pPr/>
-              <a:t>11</a:t>
-            </a:fld>
-            <a:endParaRPr lang="en-US" dirty="0"/>
-          </a:p>
-        </p:txBody>
-      </p:sp>
-    </p:spTree>
-    <p:extLst>
-      <p:ext uri="{BB962C8B-B14F-4D97-AF65-F5344CB8AC3E}">
-        <p14:creationId xmlns:p14="http://schemas.microsoft.com/office/powerpoint/2010/main" val="910315636"/>
-      </p:ext>
-    </p:extLst>
-  </p:cSld>
-  <p:clrMapOvr>
-    <a:masterClrMapping/>
-  </p:clrMapOvr>
-</p:sld>
-</file>
-
-<file path=ppt/slides/slide12.xml><?xml version="1.0" encoding="utf-8"?>
-<p:sld xmlns:a="http://schemas.openxmlformats.org/drawingml/2006/main" xmlns:r="http://schemas.openxmlformats.org/officeDocument/2006/relationships" xmlns:p="http://schemas.openxmlformats.org/presentationml/2006/main">
-  <p:cSld>
-    <p:spTree>
-      <p:nvGrpSpPr>
-        <p:cNvPr id="1" name=""/>
-        <p:cNvGrpSpPr/>
-        <p:nvPr/>
-      </p:nvGrpSpPr>
-      <p:grpSpPr>
-        <a:xfrm>
-          <a:off x="0" y="0"/>
-          <a:ext cx="0" cy="0"/>
-          <a:chOff x="0" y="0"/>
-          <a:chExt cx="0" cy="0"/>
-        </a:xfrm>
-      </p:grpSpPr>
-      <p:sp>
-        <p:nvSpPr>
-          <p:cNvPr id="3" name="Title 2">
-            <a:extLst>
-              <a:ext uri="{FF2B5EF4-FFF2-40B4-BE49-F238E27FC236}">
-                <a16:creationId xmlns:a16="http://schemas.microsoft.com/office/drawing/2014/main" id="{06DE3104-398C-EF95-D86E-630F512487F9}"/>
-              </a:ext>
-            </a:extLst>
-          </p:cNvPr>
-          <p:cNvSpPr>
-            <a:spLocks noGrp="1"/>
-          </p:cNvSpPr>
-          <p:nvPr>
-            <p:ph type="title"/>
-          </p:nvPr>
-        </p:nvSpPr>
-        <p:spPr>
-          <a:xfrm>
-            <a:off x="835370" y="171396"/>
-            <a:ext cx="3736630" cy="2202350"/>
-          </a:xfrm>
-        </p:spPr>
-        <p:txBody>
-          <a:bodyPr/>
-          <a:lstStyle/>
-          <a:p>
-            <a:pPr lvl="0"/>
-            <a:r>
-              <a:rPr lang="en-US" noProof="0" dirty="0"/>
-              <a:t>DYNAMIC DELIVERY</a:t>
-            </a:r>
-          </a:p>
-        </p:txBody>
-      </p:sp>
-      <p:sp>
-        <p:nvSpPr>
-          <p:cNvPr id="4" name="Content Placeholder 3">
-            <a:extLst>
-              <a:ext uri="{FF2B5EF4-FFF2-40B4-BE49-F238E27FC236}">
-                <a16:creationId xmlns:a16="http://schemas.microsoft.com/office/drawing/2014/main" id="{67328E6B-D306-C2F9-54E9-FD35599AC24B}"/>
-              </a:ext>
-            </a:extLst>
-          </p:cNvPr>
-          <p:cNvSpPr>
-            <a:spLocks noGrp="1"/>
-          </p:cNvSpPr>
-          <p:nvPr>
-            <p:ph sz="quarter" idx="36"/>
-          </p:nvPr>
-        </p:nvSpPr>
-        <p:spPr>
-          <a:xfrm>
-            <a:off x="841716" y="3078480"/>
-            <a:ext cx="3108193" cy="3047997"/>
-          </a:xfrm>
-        </p:spPr>
-        <p:txBody>
-          <a:bodyPr/>
-          <a:lstStyle/>
-          <a:p>
-            <a:r>
-              <a:rPr lang="en-US" dirty="0"/>
-              <a:t>Learn to infuse energy into your delivery to leave a lasting impression</a:t>
-            </a:r>
-          </a:p>
-          <a:p>
-            <a:r>
-              <a:rPr lang="en-US" dirty="0"/>
-              <a:t>One of the goals of effective communication is to motivate your audience</a:t>
-            </a:r>
-          </a:p>
-        </p:txBody>
-      </p:sp>
-      <p:graphicFrame>
-        <p:nvGraphicFramePr>
-          <p:cNvPr id="5" name="Table Placeholder 2">
-            <a:extLst>
-              <a:ext uri="{FF2B5EF4-FFF2-40B4-BE49-F238E27FC236}">
-                <a16:creationId xmlns:a16="http://schemas.microsoft.com/office/drawing/2014/main" id="{67588EB3-ED1D-6AD3-5960-55BD64293774}"/>
-              </a:ext>
-            </a:extLst>
-          </p:cNvPr>
-          <p:cNvGraphicFramePr>
-            <a:graphicFrameLocks noGrp="1"/>
-          </p:cNvGraphicFramePr>
-          <p:nvPr>
-            <p:ph type="tbl" sz="quarter" idx="37"/>
-            <p:extLst>
-              <p:ext uri="{D42A27DB-BD31-4B8C-83A1-F6EECF244321}">
-                <p14:modId xmlns:p14="http://schemas.microsoft.com/office/powerpoint/2010/main" val="1366282485"/>
-              </p:ext>
-            </p:extLst>
-          </p:nvPr>
-        </p:nvGraphicFramePr>
-        <p:xfrm>
-          <a:off x="5067300" y="404813"/>
-          <a:ext cx="6705602" cy="6049480"/>
-        </p:xfrm>
-        <a:graphic>
-          <a:graphicData uri="http://schemas.openxmlformats.org/drawingml/2006/table">
-            <a:tbl>
-              <a:tblPr firstRow="1" bandRow="1">
-                <a:tableStyleId>{10A1B5D5-9B99-4C35-A422-299274C87663}</a:tableStyleId>
-              </a:tblPr>
-              <a:tblGrid>
-                <a:gridCol w="1676400">
-                  <a:extLst>
-                    <a:ext uri="{9D8B030D-6E8A-4147-A177-3AD203B41FA5}">
-                      <a16:colId xmlns:a16="http://schemas.microsoft.com/office/drawing/2014/main" val="127040821"/>
-                    </a:ext>
-                  </a:extLst>
-                </a:gridCol>
-                <a:gridCol w="1932147">
-                  <a:extLst>
-                    <a:ext uri="{9D8B030D-6E8A-4147-A177-3AD203B41FA5}">
-                      <a16:colId xmlns:a16="http://schemas.microsoft.com/office/drawing/2014/main" val="149845700"/>
-                    </a:ext>
-                  </a:extLst>
-                </a:gridCol>
-                <a:gridCol w="1420655">
-                  <a:extLst>
-                    <a:ext uri="{9D8B030D-6E8A-4147-A177-3AD203B41FA5}">
-                      <a16:colId xmlns:a16="http://schemas.microsoft.com/office/drawing/2014/main" val="3119692462"/>
-                    </a:ext>
-                  </a:extLst>
-                </a:gridCol>
-                <a:gridCol w="1676400">
-                  <a:extLst>
-                    <a:ext uri="{9D8B030D-6E8A-4147-A177-3AD203B41FA5}">
-                      <a16:colId xmlns:a16="http://schemas.microsoft.com/office/drawing/2014/main" val="3472639139"/>
-                    </a:ext>
-                  </a:extLst>
-                </a:gridCol>
-              </a:tblGrid>
-              <a:tr h="924240">
-                <a:tc>
-                  <a:txBody>
-                    <a:bodyPr/>
-                    <a:lstStyle>
-                      <a:lvl1pPr marL="0" algn="l" defTabSz="914400" rtl="0" eaLnBrk="1" latinLnBrk="0" hangingPunct="1">
-                        <a:defRPr sz="1800" b="1" kern="1200">
-                          <a:solidFill>
-                            <a:schemeClr val="lt1"/>
-                          </a:solidFill>
-                          <a:latin typeface="Tenorite "/>
-                        </a:defRPr>
-                      </a:lvl1pPr>
-                      <a:lvl2pPr marL="457200" algn="l" defTabSz="914400" rtl="0" eaLnBrk="1" latinLnBrk="0" hangingPunct="1">
-                        <a:defRPr sz="1800" b="1" kern="1200">
-                          <a:solidFill>
-                            <a:schemeClr val="lt1"/>
-                          </a:solidFill>
-                          <a:latin typeface="Tenorite "/>
-                        </a:defRPr>
-                      </a:lvl2pPr>
-                      <a:lvl3pPr marL="914400" algn="l" defTabSz="914400" rtl="0" eaLnBrk="1" latinLnBrk="0" hangingPunct="1">
-                        <a:defRPr sz="1800" b="1" kern="1200">
-                          <a:solidFill>
-                            <a:schemeClr val="lt1"/>
-                          </a:solidFill>
-                          <a:latin typeface="Tenorite "/>
-                        </a:defRPr>
-                      </a:lvl3pPr>
-                      <a:lvl4pPr marL="1371600" algn="l" defTabSz="914400" rtl="0" eaLnBrk="1" latinLnBrk="0" hangingPunct="1">
-                        <a:defRPr sz="1800" b="1" kern="1200">
-                          <a:solidFill>
-                            <a:schemeClr val="lt1"/>
-                          </a:solidFill>
-                          <a:latin typeface="Tenorite "/>
-                        </a:defRPr>
-                      </a:lvl4pPr>
-                      <a:lvl5pPr marL="1828800" algn="l" defTabSz="914400" rtl="0" eaLnBrk="1" latinLnBrk="0" hangingPunct="1">
-                        <a:defRPr sz="1800" b="1" kern="1200">
-                          <a:solidFill>
-                            <a:schemeClr val="lt1"/>
-                          </a:solidFill>
-                          <a:latin typeface="Tenorite "/>
-                        </a:defRPr>
-                      </a:lvl5pPr>
-                      <a:lvl6pPr marL="2286000" algn="l" defTabSz="914400" rtl="0" eaLnBrk="1" latinLnBrk="0" hangingPunct="1">
-                        <a:defRPr sz="1800" b="1" kern="1200">
-                          <a:solidFill>
-                            <a:schemeClr val="lt1"/>
-                          </a:solidFill>
-                          <a:latin typeface="Tenorite "/>
-                        </a:defRPr>
-                      </a:lvl6pPr>
-                      <a:lvl7pPr marL="2743200" algn="l" defTabSz="914400" rtl="0" eaLnBrk="1" latinLnBrk="0" hangingPunct="1">
-                        <a:defRPr sz="1800" b="1" kern="1200">
-                          <a:solidFill>
-                            <a:schemeClr val="lt1"/>
-                          </a:solidFill>
-                          <a:latin typeface="Tenorite "/>
-                        </a:defRPr>
-                      </a:lvl7pPr>
-                      <a:lvl8pPr marL="3200400" algn="l" defTabSz="914400" rtl="0" eaLnBrk="1" latinLnBrk="0" hangingPunct="1">
-                        <a:defRPr sz="1800" b="1" kern="1200">
-                          <a:solidFill>
-                            <a:schemeClr val="lt1"/>
-                          </a:solidFill>
-                          <a:latin typeface="Tenorite "/>
-                        </a:defRPr>
-                      </a:lvl8pPr>
-                      <a:lvl9pPr marL="3657600" algn="l" defTabSz="914400" rtl="0" eaLnBrk="1" latinLnBrk="0" hangingPunct="1">
-                        <a:defRPr sz="1800" b="1" kern="1200">
-                          <a:solidFill>
-                            <a:schemeClr val="lt1"/>
-                          </a:solidFill>
-                          <a:latin typeface="Tenorite "/>
-                        </a:defRPr>
-                      </a:lvl9pPr>
-                    </a:lstStyle>
-                    <a:p>
-                      <a:pPr algn="ctr"/>
-                      <a:r>
-                        <a:rPr lang="en-US" dirty="0">
-                          <a:latin typeface="+mn-lt"/>
-                        </a:rPr>
-                        <a:t>METRIC</a:t>
-                      </a:r>
-                      <a:endParaRPr lang="en-US" b="0" dirty="0">
-                        <a:latin typeface="+mn-lt"/>
-                      </a:endParaRPr>
-                    </a:p>
-                  </a:txBody>
-                  <a:tcPr anchor="ctr"/>
-                </a:tc>
-                <a:tc>
-                  <a:txBody>
-                    <a:bodyPr/>
-                    <a:lstStyle>
-                      <a:lvl1pPr marL="0" algn="l" defTabSz="914400" rtl="0" eaLnBrk="1" latinLnBrk="0" hangingPunct="1">
-                        <a:defRPr sz="1800" b="1" kern="1200">
-                          <a:solidFill>
-                            <a:schemeClr val="lt1"/>
-                          </a:solidFill>
-                          <a:latin typeface="Tenorite "/>
-                        </a:defRPr>
-                      </a:lvl1pPr>
-                      <a:lvl2pPr marL="457200" algn="l" defTabSz="914400" rtl="0" eaLnBrk="1" latinLnBrk="0" hangingPunct="1">
-                        <a:defRPr sz="1800" b="1" kern="1200">
-                          <a:solidFill>
-                            <a:schemeClr val="lt1"/>
-                          </a:solidFill>
-                          <a:latin typeface="Tenorite "/>
-                        </a:defRPr>
-                      </a:lvl2pPr>
-                      <a:lvl3pPr marL="914400" algn="l" defTabSz="914400" rtl="0" eaLnBrk="1" latinLnBrk="0" hangingPunct="1">
-                        <a:defRPr sz="1800" b="1" kern="1200">
-                          <a:solidFill>
-                            <a:schemeClr val="lt1"/>
-                          </a:solidFill>
-                          <a:latin typeface="Tenorite "/>
-                        </a:defRPr>
-                      </a:lvl3pPr>
-                      <a:lvl4pPr marL="1371600" algn="l" defTabSz="914400" rtl="0" eaLnBrk="1" latinLnBrk="0" hangingPunct="1">
-                        <a:defRPr sz="1800" b="1" kern="1200">
-                          <a:solidFill>
-                            <a:schemeClr val="lt1"/>
-                          </a:solidFill>
-                          <a:latin typeface="Tenorite "/>
-                        </a:defRPr>
-                      </a:lvl4pPr>
-                      <a:lvl5pPr marL="1828800" algn="l" defTabSz="914400" rtl="0" eaLnBrk="1" latinLnBrk="0" hangingPunct="1">
-                        <a:defRPr sz="1800" b="1" kern="1200">
-                          <a:solidFill>
-                            <a:schemeClr val="lt1"/>
-                          </a:solidFill>
-                          <a:latin typeface="Tenorite "/>
-                        </a:defRPr>
-                      </a:lvl5pPr>
-                      <a:lvl6pPr marL="2286000" algn="l" defTabSz="914400" rtl="0" eaLnBrk="1" latinLnBrk="0" hangingPunct="1">
-                        <a:defRPr sz="1800" b="1" kern="1200">
-                          <a:solidFill>
-                            <a:schemeClr val="lt1"/>
-                          </a:solidFill>
-                          <a:latin typeface="Tenorite "/>
-                        </a:defRPr>
-                      </a:lvl6pPr>
-                      <a:lvl7pPr marL="2743200" algn="l" defTabSz="914400" rtl="0" eaLnBrk="1" latinLnBrk="0" hangingPunct="1">
-                        <a:defRPr sz="1800" b="1" kern="1200">
-                          <a:solidFill>
-                            <a:schemeClr val="lt1"/>
-                          </a:solidFill>
-                          <a:latin typeface="Tenorite "/>
-                        </a:defRPr>
-                      </a:lvl7pPr>
-                      <a:lvl8pPr marL="3200400" algn="l" defTabSz="914400" rtl="0" eaLnBrk="1" latinLnBrk="0" hangingPunct="1">
-                        <a:defRPr sz="1800" b="1" kern="1200">
-                          <a:solidFill>
-                            <a:schemeClr val="lt1"/>
-                          </a:solidFill>
-                          <a:latin typeface="Tenorite "/>
-                        </a:defRPr>
-                      </a:lvl8pPr>
-                      <a:lvl9pPr marL="3657600" algn="l" defTabSz="914400" rtl="0" eaLnBrk="1" latinLnBrk="0" hangingPunct="1">
-                        <a:defRPr sz="1800" b="1" kern="1200">
-                          <a:solidFill>
-                            <a:schemeClr val="lt1"/>
-                          </a:solidFill>
-                          <a:latin typeface="Tenorite "/>
-                        </a:defRPr>
-                      </a:lvl9pPr>
-                    </a:lstStyle>
-                    <a:p>
-                      <a:pPr algn="ctr"/>
-                      <a:r>
-                        <a:rPr lang="en-US" dirty="0">
-                          <a:latin typeface="+mn-lt"/>
-                        </a:rPr>
-                        <a:t>MEASUREMENT</a:t>
-                      </a:r>
-                      <a:endParaRPr lang="en-US" b="0" dirty="0">
-                        <a:latin typeface="+mn-lt"/>
-                      </a:endParaRPr>
-                    </a:p>
-                  </a:txBody>
-                  <a:tcPr anchor="ctr"/>
-                </a:tc>
-                <a:tc>
-                  <a:txBody>
-                    <a:bodyPr/>
-                    <a:lstStyle>
-                      <a:lvl1pPr marL="0" algn="l" defTabSz="914400" rtl="0" eaLnBrk="1" latinLnBrk="0" hangingPunct="1">
-                        <a:defRPr sz="1800" b="1" kern="1200">
-                          <a:solidFill>
-                            <a:schemeClr val="lt1"/>
-                          </a:solidFill>
-                          <a:latin typeface="Tenorite "/>
-                        </a:defRPr>
-                      </a:lvl1pPr>
-                      <a:lvl2pPr marL="457200" algn="l" defTabSz="914400" rtl="0" eaLnBrk="1" latinLnBrk="0" hangingPunct="1">
-                        <a:defRPr sz="1800" b="1" kern="1200">
-                          <a:solidFill>
-                            <a:schemeClr val="lt1"/>
-                          </a:solidFill>
-                          <a:latin typeface="Tenorite "/>
-                        </a:defRPr>
-                      </a:lvl2pPr>
-                      <a:lvl3pPr marL="914400" algn="l" defTabSz="914400" rtl="0" eaLnBrk="1" latinLnBrk="0" hangingPunct="1">
-                        <a:defRPr sz="1800" b="1" kern="1200">
-                          <a:solidFill>
-                            <a:schemeClr val="lt1"/>
-                          </a:solidFill>
-                          <a:latin typeface="Tenorite "/>
-                        </a:defRPr>
-                      </a:lvl3pPr>
-                      <a:lvl4pPr marL="1371600" algn="l" defTabSz="914400" rtl="0" eaLnBrk="1" latinLnBrk="0" hangingPunct="1">
-                        <a:defRPr sz="1800" b="1" kern="1200">
-                          <a:solidFill>
-                            <a:schemeClr val="lt1"/>
-                          </a:solidFill>
-                          <a:latin typeface="Tenorite "/>
-                        </a:defRPr>
-                      </a:lvl4pPr>
-                      <a:lvl5pPr marL="1828800" algn="l" defTabSz="914400" rtl="0" eaLnBrk="1" latinLnBrk="0" hangingPunct="1">
-                        <a:defRPr sz="1800" b="1" kern="1200">
-                          <a:solidFill>
-                            <a:schemeClr val="lt1"/>
-                          </a:solidFill>
-                          <a:latin typeface="Tenorite "/>
-                        </a:defRPr>
-                      </a:lvl5pPr>
-                      <a:lvl6pPr marL="2286000" algn="l" defTabSz="914400" rtl="0" eaLnBrk="1" latinLnBrk="0" hangingPunct="1">
-                        <a:defRPr sz="1800" b="1" kern="1200">
-                          <a:solidFill>
-                            <a:schemeClr val="lt1"/>
-                          </a:solidFill>
-                          <a:latin typeface="Tenorite "/>
-                        </a:defRPr>
-                      </a:lvl6pPr>
-                      <a:lvl7pPr marL="2743200" algn="l" defTabSz="914400" rtl="0" eaLnBrk="1" latinLnBrk="0" hangingPunct="1">
-                        <a:defRPr sz="1800" b="1" kern="1200">
-                          <a:solidFill>
-                            <a:schemeClr val="lt1"/>
-                          </a:solidFill>
-                          <a:latin typeface="Tenorite "/>
-                        </a:defRPr>
-                      </a:lvl7pPr>
-                      <a:lvl8pPr marL="3200400" algn="l" defTabSz="914400" rtl="0" eaLnBrk="1" latinLnBrk="0" hangingPunct="1">
-                        <a:defRPr sz="1800" b="1" kern="1200">
-                          <a:solidFill>
-                            <a:schemeClr val="lt1"/>
-                          </a:solidFill>
-                          <a:latin typeface="Tenorite "/>
-                        </a:defRPr>
-                      </a:lvl8pPr>
-                      <a:lvl9pPr marL="3657600" algn="l" defTabSz="914400" rtl="0" eaLnBrk="1" latinLnBrk="0" hangingPunct="1">
-                        <a:defRPr sz="1800" b="1" kern="1200">
-                          <a:solidFill>
-                            <a:schemeClr val="lt1"/>
-                          </a:solidFill>
-                          <a:latin typeface="Tenorite "/>
-                        </a:defRPr>
-                      </a:lvl9pPr>
-                    </a:lstStyle>
-                    <a:p>
-                      <a:pPr algn="ctr"/>
-                      <a:r>
-                        <a:rPr lang="en-US" dirty="0">
-                          <a:latin typeface="+mn-lt"/>
-                        </a:rPr>
-                        <a:t>TARGET</a:t>
-                      </a:r>
-                      <a:endParaRPr lang="en-US" b="0" dirty="0">
-                        <a:latin typeface="+mn-lt"/>
-                      </a:endParaRPr>
-                    </a:p>
-                  </a:txBody>
-                  <a:tcPr anchor="ctr"/>
-                </a:tc>
-                <a:tc>
-                  <a:txBody>
-                    <a:bodyPr/>
-                    <a:lstStyle>
-                      <a:lvl1pPr marL="0" algn="l" defTabSz="914400" rtl="0" eaLnBrk="1" latinLnBrk="0" hangingPunct="1">
-                        <a:defRPr sz="1800" b="1" kern="1200">
-                          <a:solidFill>
-                            <a:schemeClr val="lt1"/>
-                          </a:solidFill>
-                          <a:latin typeface="Tenorite "/>
-                        </a:defRPr>
-                      </a:lvl1pPr>
-                      <a:lvl2pPr marL="457200" algn="l" defTabSz="914400" rtl="0" eaLnBrk="1" latinLnBrk="0" hangingPunct="1">
-                        <a:defRPr sz="1800" b="1" kern="1200">
-                          <a:solidFill>
-                            <a:schemeClr val="lt1"/>
-                          </a:solidFill>
-                          <a:latin typeface="Tenorite "/>
-                        </a:defRPr>
-                      </a:lvl2pPr>
-                      <a:lvl3pPr marL="914400" algn="l" defTabSz="914400" rtl="0" eaLnBrk="1" latinLnBrk="0" hangingPunct="1">
-                        <a:defRPr sz="1800" b="1" kern="1200">
-                          <a:solidFill>
-                            <a:schemeClr val="lt1"/>
-                          </a:solidFill>
-                          <a:latin typeface="Tenorite "/>
-                        </a:defRPr>
-                      </a:lvl3pPr>
-                      <a:lvl4pPr marL="1371600" algn="l" defTabSz="914400" rtl="0" eaLnBrk="1" latinLnBrk="0" hangingPunct="1">
-                        <a:defRPr sz="1800" b="1" kern="1200">
-                          <a:solidFill>
-                            <a:schemeClr val="lt1"/>
-                          </a:solidFill>
-                          <a:latin typeface="Tenorite "/>
-                        </a:defRPr>
-                      </a:lvl4pPr>
-                      <a:lvl5pPr marL="1828800" algn="l" defTabSz="914400" rtl="0" eaLnBrk="1" latinLnBrk="0" hangingPunct="1">
-                        <a:defRPr sz="1800" b="1" kern="1200">
-                          <a:solidFill>
-                            <a:schemeClr val="lt1"/>
-                          </a:solidFill>
-                          <a:latin typeface="Tenorite "/>
-                        </a:defRPr>
-                      </a:lvl5pPr>
-                      <a:lvl6pPr marL="2286000" algn="l" defTabSz="914400" rtl="0" eaLnBrk="1" latinLnBrk="0" hangingPunct="1">
-                        <a:defRPr sz="1800" b="1" kern="1200">
-                          <a:solidFill>
-                            <a:schemeClr val="lt1"/>
-                          </a:solidFill>
-                          <a:latin typeface="Tenorite "/>
-                        </a:defRPr>
-                      </a:lvl6pPr>
-                      <a:lvl7pPr marL="2743200" algn="l" defTabSz="914400" rtl="0" eaLnBrk="1" latinLnBrk="0" hangingPunct="1">
-                        <a:defRPr sz="1800" b="1" kern="1200">
-                          <a:solidFill>
-                            <a:schemeClr val="lt1"/>
-                          </a:solidFill>
-                          <a:latin typeface="Tenorite "/>
-                        </a:defRPr>
-                      </a:lvl7pPr>
-                      <a:lvl8pPr marL="3200400" algn="l" defTabSz="914400" rtl="0" eaLnBrk="1" latinLnBrk="0" hangingPunct="1">
-                        <a:defRPr sz="1800" b="1" kern="1200">
-                          <a:solidFill>
-                            <a:schemeClr val="lt1"/>
-                          </a:solidFill>
-                          <a:latin typeface="Tenorite "/>
-                        </a:defRPr>
-                      </a:lvl8pPr>
-                      <a:lvl9pPr marL="3657600" algn="l" defTabSz="914400" rtl="0" eaLnBrk="1" latinLnBrk="0" hangingPunct="1">
-                        <a:defRPr sz="1800" b="1" kern="1200">
-                          <a:solidFill>
-                            <a:schemeClr val="lt1"/>
-                          </a:solidFill>
-                          <a:latin typeface="Tenorite "/>
-                        </a:defRPr>
-                      </a:lvl9pPr>
-                    </a:lstStyle>
-                    <a:p>
-                      <a:pPr algn="ctr"/>
-                      <a:r>
-                        <a:rPr lang="en-US" dirty="0">
-                          <a:latin typeface="+mn-lt"/>
-                        </a:rPr>
-                        <a:t>ACTUAL</a:t>
-                      </a:r>
-                      <a:endParaRPr lang="en-US" b="0" dirty="0">
-                        <a:latin typeface="+mn-lt"/>
-                      </a:endParaRPr>
-                    </a:p>
-                  </a:txBody>
-                  <a:tcPr anchor="ctr"/>
-                </a:tc>
-                <a:extLst>
-                  <a:ext uri="{0D108BD9-81ED-4DB2-BD59-A6C34878D82A}">
-                    <a16:rowId xmlns:a16="http://schemas.microsoft.com/office/drawing/2014/main" val="3298013591"/>
-                  </a:ext>
-                </a:extLst>
-              </a:tr>
-              <a:tr h="1015099">
-                <a:tc>
-                  <a:txBody>
-                    <a:bodyPr/>
-                    <a:lstStyle>
-                      <a:lvl1pPr marL="0" algn="l" defTabSz="914400" rtl="0" eaLnBrk="1" latinLnBrk="0" hangingPunct="1">
-                        <a:defRPr sz="1800" kern="1200">
-                          <a:solidFill>
-                            <a:schemeClr val="dk1"/>
-                          </a:solidFill>
-                          <a:latin typeface="Tenorite "/>
-                        </a:defRPr>
-                      </a:lvl1pPr>
-                      <a:lvl2pPr marL="457200" algn="l" defTabSz="914400" rtl="0" eaLnBrk="1" latinLnBrk="0" hangingPunct="1">
-                        <a:defRPr sz="1800" kern="1200">
-                          <a:solidFill>
-                            <a:schemeClr val="dk1"/>
-                          </a:solidFill>
-                          <a:latin typeface="Tenorite "/>
-                        </a:defRPr>
-                      </a:lvl2pPr>
-                      <a:lvl3pPr marL="914400" algn="l" defTabSz="914400" rtl="0" eaLnBrk="1" latinLnBrk="0" hangingPunct="1">
-                        <a:defRPr sz="1800" kern="1200">
-                          <a:solidFill>
-                            <a:schemeClr val="dk1"/>
-                          </a:solidFill>
-                          <a:latin typeface="Tenorite "/>
-                        </a:defRPr>
-                      </a:lvl3pPr>
-                      <a:lvl4pPr marL="1371600" algn="l" defTabSz="914400" rtl="0" eaLnBrk="1" latinLnBrk="0" hangingPunct="1">
-                        <a:defRPr sz="1800" kern="1200">
-                          <a:solidFill>
-                            <a:schemeClr val="dk1"/>
-                          </a:solidFill>
-                          <a:latin typeface="Tenorite "/>
-                        </a:defRPr>
-                      </a:lvl4pPr>
-                      <a:lvl5pPr marL="1828800" algn="l" defTabSz="914400" rtl="0" eaLnBrk="1" latinLnBrk="0" hangingPunct="1">
-                        <a:defRPr sz="1800" kern="1200">
-                          <a:solidFill>
-                            <a:schemeClr val="dk1"/>
-                          </a:solidFill>
-                          <a:latin typeface="Tenorite "/>
-                        </a:defRPr>
-                      </a:lvl5pPr>
-                      <a:lvl6pPr marL="2286000" algn="l" defTabSz="914400" rtl="0" eaLnBrk="1" latinLnBrk="0" hangingPunct="1">
-                        <a:defRPr sz="1800" kern="1200">
-                          <a:solidFill>
-                            <a:schemeClr val="dk1"/>
-                          </a:solidFill>
-                          <a:latin typeface="Tenorite "/>
-                        </a:defRPr>
-                      </a:lvl6pPr>
-                      <a:lvl7pPr marL="2743200" algn="l" defTabSz="914400" rtl="0" eaLnBrk="1" latinLnBrk="0" hangingPunct="1">
-                        <a:defRPr sz="1800" kern="1200">
-                          <a:solidFill>
-                            <a:schemeClr val="dk1"/>
-                          </a:solidFill>
-                          <a:latin typeface="Tenorite "/>
-                        </a:defRPr>
-                      </a:lvl7pPr>
-                      <a:lvl8pPr marL="3200400" algn="l" defTabSz="914400" rtl="0" eaLnBrk="1" latinLnBrk="0" hangingPunct="1">
-                        <a:defRPr sz="1800" kern="1200">
-                          <a:solidFill>
-                            <a:schemeClr val="dk1"/>
-                          </a:solidFill>
-                          <a:latin typeface="Tenorite "/>
-                        </a:defRPr>
-                      </a:lvl8pPr>
-                      <a:lvl9pPr marL="3657600" algn="l" defTabSz="914400" rtl="0" eaLnBrk="1" latinLnBrk="0" hangingPunct="1">
-                        <a:defRPr sz="1800" kern="1200">
-                          <a:solidFill>
-                            <a:schemeClr val="dk1"/>
-                          </a:solidFill>
-                          <a:latin typeface="Tenorite "/>
-                        </a:defRPr>
-                      </a:lvl9pPr>
-                    </a:lstStyle>
-                    <a:p>
-                      <a:pPr algn="ctr"/>
-                      <a:r>
-                        <a:rPr lang="en-US" dirty="0">
-                          <a:latin typeface="+mn-lt"/>
-                        </a:rPr>
-                        <a:t>Audience attendance</a:t>
-                      </a:r>
-                    </a:p>
-                  </a:txBody>
-                  <a:tcPr anchor="ctr"/>
-                </a:tc>
-                <a:tc>
-                  <a:txBody>
-                    <a:bodyPr/>
-                    <a:lstStyle>
-                      <a:lvl1pPr marL="0" algn="l" defTabSz="914400" rtl="0" eaLnBrk="1" latinLnBrk="0" hangingPunct="1">
-                        <a:defRPr sz="1800" kern="1200">
-                          <a:solidFill>
-                            <a:schemeClr val="dk1"/>
-                          </a:solidFill>
-                          <a:latin typeface="Tenorite "/>
-                        </a:defRPr>
-                      </a:lvl1pPr>
-                      <a:lvl2pPr marL="457200" algn="l" defTabSz="914400" rtl="0" eaLnBrk="1" latinLnBrk="0" hangingPunct="1">
-                        <a:defRPr sz="1800" kern="1200">
-                          <a:solidFill>
-                            <a:schemeClr val="dk1"/>
-                          </a:solidFill>
-                          <a:latin typeface="Tenorite "/>
-                        </a:defRPr>
-                      </a:lvl2pPr>
-                      <a:lvl3pPr marL="914400" algn="l" defTabSz="914400" rtl="0" eaLnBrk="1" latinLnBrk="0" hangingPunct="1">
-                        <a:defRPr sz="1800" kern="1200">
-                          <a:solidFill>
-                            <a:schemeClr val="dk1"/>
-                          </a:solidFill>
-                          <a:latin typeface="Tenorite "/>
-                        </a:defRPr>
-                      </a:lvl3pPr>
-                      <a:lvl4pPr marL="1371600" algn="l" defTabSz="914400" rtl="0" eaLnBrk="1" latinLnBrk="0" hangingPunct="1">
-                        <a:defRPr sz="1800" kern="1200">
-                          <a:solidFill>
-                            <a:schemeClr val="dk1"/>
-                          </a:solidFill>
-                          <a:latin typeface="Tenorite "/>
-                        </a:defRPr>
-                      </a:lvl4pPr>
-                      <a:lvl5pPr marL="1828800" algn="l" defTabSz="914400" rtl="0" eaLnBrk="1" latinLnBrk="0" hangingPunct="1">
-                        <a:defRPr sz="1800" kern="1200">
-                          <a:solidFill>
-                            <a:schemeClr val="dk1"/>
-                          </a:solidFill>
-                          <a:latin typeface="Tenorite "/>
-                        </a:defRPr>
-                      </a:lvl5pPr>
-                      <a:lvl6pPr marL="2286000" algn="l" defTabSz="914400" rtl="0" eaLnBrk="1" latinLnBrk="0" hangingPunct="1">
-                        <a:defRPr sz="1800" kern="1200">
-                          <a:solidFill>
-                            <a:schemeClr val="dk1"/>
-                          </a:solidFill>
-                          <a:latin typeface="Tenorite "/>
-                        </a:defRPr>
-                      </a:lvl6pPr>
-                      <a:lvl7pPr marL="2743200" algn="l" defTabSz="914400" rtl="0" eaLnBrk="1" latinLnBrk="0" hangingPunct="1">
-                        <a:defRPr sz="1800" kern="1200">
-                          <a:solidFill>
-                            <a:schemeClr val="dk1"/>
-                          </a:solidFill>
-                          <a:latin typeface="Tenorite "/>
-                        </a:defRPr>
-                      </a:lvl7pPr>
-                      <a:lvl8pPr marL="3200400" algn="l" defTabSz="914400" rtl="0" eaLnBrk="1" latinLnBrk="0" hangingPunct="1">
-                        <a:defRPr sz="1800" kern="1200">
-                          <a:solidFill>
-                            <a:schemeClr val="dk1"/>
-                          </a:solidFill>
-                          <a:latin typeface="Tenorite "/>
-                        </a:defRPr>
-                      </a:lvl8pPr>
-                      <a:lvl9pPr marL="3657600" algn="l" defTabSz="914400" rtl="0" eaLnBrk="1" latinLnBrk="0" hangingPunct="1">
-                        <a:defRPr sz="1800" kern="1200">
-                          <a:solidFill>
-                            <a:schemeClr val="dk1"/>
-                          </a:solidFill>
-                          <a:latin typeface="Tenorite "/>
-                        </a:defRPr>
-                      </a:lvl9pPr>
-                    </a:lstStyle>
-                    <a:p>
-                      <a:pPr algn="ctr"/>
-                      <a:r>
-                        <a:rPr lang="en-US" dirty="0">
-                          <a:latin typeface="+mn-lt"/>
-                        </a:rPr>
-                        <a:t># of attendees</a:t>
-                      </a:r>
-                    </a:p>
-                  </a:txBody>
-                  <a:tcPr anchor="ctr"/>
-                </a:tc>
-                <a:tc>
-                  <a:txBody>
-                    <a:bodyPr/>
-                    <a:lstStyle>
-                      <a:lvl1pPr marL="0" algn="l" defTabSz="914400" rtl="0" eaLnBrk="1" latinLnBrk="0" hangingPunct="1">
-                        <a:defRPr sz="1800" kern="1200">
-                          <a:solidFill>
-                            <a:schemeClr val="dk1"/>
-                          </a:solidFill>
-                          <a:latin typeface="Tenorite "/>
-                        </a:defRPr>
-                      </a:lvl1pPr>
-                      <a:lvl2pPr marL="457200" algn="l" defTabSz="914400" rtl="0" eaLnBrk="1" latinLnBrk="0" hangingPunct="1">
-                        <a:defRPr sz="1800" kern="1200">
-                          <a:solidFill>
-                            <a:schemeClr val="dk1"/>
-                          </a:solidFill>
-                          <a:latin typeface="Tenorite "/>
-                        </a:defRPr>
-                      </a:lvl2pPr>
-                      <a:lvl3pPr marL="914400" algn="l" defTabSz="914400" rtl="0" eaLnBrk="1" latinLnBrk="0" hangingPunct="1">
-                        <a:defRPr sz="1800" kern="1200">
-                          <a:solidFill>
-                            <a:schemeClr val="dk1"/>
-                          </a:solidFill>
-                          <a:latin typeface="Tenorite "/>
-                        </a:defRPr>
-                      </a:lvl3pPr>
-                      <a:lvl4pPr marL="1371600" algn="l" defTabSz="914400" rtl="0" eaLnBrk="1" latinLnBrk="0" hangingPunct="1">
-                        <a:defRPr sz="1800" kern="1200">
-                          <a:solidFill>
-                            <a:schemeClr val="dk1"/>
-                          </a:solidFill>
-                          <a:latin typeface="Tenorite "/>
-                        </a:defRPr>
-                      </a:lvl4pPr>
-                      <a:lvl5pPr marL="1828800" algn="l" defTabSz="914400" rtl="0" eaLnBrk="1" latinLnBrk="0" hangingPunct="1">
-                        <a:defRPr sz="1800" kern="1200">
-                          <a:solidFill>
-                            <a:schemeClr val="dk1"/>
-                          </a:solidFill>
-                          <a:latin typeface="Tenorite "/>
-                        </a:defRPr>
-                      </a:lvl5pPr>
-                      <a:lvl6pPr marL="2286000" algn="l" defTabSz="914400" rtl="0" eaLnBrk="1" latinLnBrk="0" hangingPunct="1">
-                        <a:defRPr sz="1800" kern="1200">
-                          <a:solidFill>
-                            <a:schemeClr val="dk1"/>
-                          </a:solidFill>
-                          <a:latin typeface="Tenorite "/>
-                        </a:defRPr>
-                      </a:lvl6pPr>
-                      <a:lvl7pPr marL="2743200" algn="l" defTabSz="914400" rtl="0" eaLnBrk="1" latinLnBrk="0" hangingPunct="1">
-                        <a:defRPr sz="1800" kern="1200">
-                          <a:solidFill>
-                            <a:schemeClr val="dk1"/>
-                          </a:solidFill>
-                          <a:latin typeface="Tenorite "/>
-                        </a:defRPr>
-                      </a:lvl7pPr>
-                      <a:lvl8pPr marL="3200400" algn="l" defTabSz="914400" rtl="0" eaLnBrk="1" latinLnBrk="0" hangingPunct="1">
-                        <a:defRPr sz="1800" kern="1200">
-                          <a:solidFill>
-                            <a:schemeClr val="dk1"/>
-                          </a:solidFill>
-                          <a:latin typeface="Tenorite "/>
-                        </a:defRPr>
-                      </a:lvl8pPr>
-                      <a:lvl9pPr marL="3657600" algn="l" defTabSz="914400" rtl="0" eaLnBrk="1" latinLnBrk="0" hangingPunct="1">
-                        <a:defRPr sz="1800" kern="1200">
-                          <a:solidFill>
-                            <a:schemeClr val="dk1"/>
-                          </a:solidFill>
-                          <a:latin typeface="Tenorite "/>
-                        </a:defRPr>
-                      </a:lvl9pPr>
-                    </a:lstStyle>
-                    <a:p>
-                      <a:pPr algn="ctr"/>
-                      <a:r>
-                        <a:rPr lang="en-US" dirty="0">
-                          <a:latin typeface="+mn-lt"/>
-                        </a:rPr>
-                        <a:t>150</a:t>
-                      </a:r>
-                    </a:p>
-                  </a:txBody>
-                  <a:tcPr anchor="ctr"/>
-                </a:tc>
-                <a:tc>
-                  <a:txBody>
-                    <a:bodyPr/>
-                    <a:lstStyle>
-                      <a:lvl1pPr marL="0" algn="l" defTabSz="914400" rtl="0" eaLnBrk="1" latinLnBrk="0" hangingPunct="1">
-                        <a:defRPr sz="1800" kern="1200">
-                          <a:solidFill>
-                            <a:schemeClr val="dk1"/>
-                          </a:solidFill>
-                          <a:latin typeface="Tenorite "/>
-                        </a:defRPr>
-                      </a:lvl1pPr>
-                      <a:lvl2pPr marL="457200" algn="l" defTabSz="914400" rtl="0" eaLnBrk="1" latinLnBrk="0" hangingPunct="1">
-                        <a:defRPr sz="1800" kern="1200">
-                          <a:solidFill>
-                            <a:schemeClr val="dk1"/>
-                          </a:solidFill>
-                          <a:latin typeface="Tenorite "/>
-                        </a:defRPr>
-                      </a:lvl2pPr>
-                      <a:lvl3pPr marL="914400" algn="l" defTabSz="914400" rtl="0" eaLnBrk="1" latinLnBrk="0" hangingPunct="1">
-                        <a:defRPr sz="1800" kern="1200">
-                          <a:solidFill>
-                            <a:schemeClr val="dk1"/>
-                          </a:solidFill>
-                          <a:latin typeface="Tenorite "/>
-                        </a:defRPr>
-                      </a:lvl3pPr>
-                      <a:lvl4pPr marL="1371600" algn="l" defTabSz="914400" rtl="0" eaLnBrk="1" latinLnBrk="0" hangingPunct="1">
-                        <a:defRPr sz="1800" kern="1200">
-                          <a:solidFill>
-                            <a:schemeClr val="dk1"/>
-                          </a:solidFill>
-                          <a:latin typeface="Tenorite "/>
-                        </a:defRPr>
-                      </a:lvl4pPr>
-                      <a:lvl5pPr marL="1828800" algn="l" defTabSz="914400" rtl="0" eaLnBrk="1" latinLnBrk="0" hangingPunct="1">
-                        <a:defRPr sz="1800" kern="1200">
-                          <a:solidFill>
-                            <a:schemeClr val="dk1"/>
-                          </a:solidFill>
-                          <a:latin typeface="Tenorite "/>
-                        </a:defRPr>
-                      </a:lvl5pPr>
-                      <a:lvl6pPr marL="2286000" algn="l" defTabSz="914400" rtl="0" eaLnBrk="1" latinLnBrk="0" hangingPunct="1">
-                        <a:defRPr sz="1800" kern="1200">
-                          <a:solidFill>
-                            <a:schemeClr val="dk1"/>
-                          </a:solidFill>
-                          <a:latin typeface="Tenorite "/>
-                        </a:defRPr>
-                      </a:lvl6pPr>
-                      <a:lvl7pPr marL="2743200" algn="l" defTabSz="914400" rtl="0" eaLnBrk="1" latinLnBrk="0" hangingPunct="1">
-                        <a:defRPr sz="1800" kern="1200">
-                          <a:solidFill>
-                            <a:schemeClr val="dk1"/>
-                          </a:solidFill>
-                          <a:latin typeface="Tenorite "/>
-                        </a:defRPr>
-                      </a:lvl7pPr>
-                      <a:lvl8pPr marL="3200400" algn="l" defTabSz="914400" rtl="0" eaLnBrk="1" latinLnBrk="0" hangingPunct="1">
-                        <a:defRPr sz="1800" kern="1200">
-                          <a:solidFill>
-                            <a:schemeClr val="dk1"/>
-                          </a:solidFill>
-                          <a:latin typeface="Tenorite "/>
-                        </a:defRPr>
-                      </a:lvl8pPr>
-                      <a:lvl9pPr marL="3657600" algn="l" defTabSz="914400" rtl="0" eaLnBrk="1" latinLnBrk="0" hangingPunct="1">
-                        <a:defRPr sz="1800" kern="1200">
-                          <a:solidFill>
-                            <a:schemeClr val="dk1"/>
-                          </a:solidFill>
-                          <a:latin typeface="Tenorite "/>
-                        </a:defRPr>
-                      </a:lvl9pPr>
-                    </a:lstStyle>
-                    <a:p>
-                      <a:pPr algn="ctr"/>
-                      <a:r>
-                        <a:rPr lang="en-US" dirty="0">
-                          <a:latin typeface="+mn-lt"/>
-                        </a:rPr>
-                        <a:t>120</a:t>
-                      </a:r>
-                    </a:p>
-                  </a:txBody>
-                  <a:tcPr anchor="ctr"/>
-                </a:tc>
-                <a:extLst>
-                  <a:ext uri="{0D108BD9-81ED-4DB2-BD59-A6C34878D82A}">
-                    <a16:rowId xmlns:a16="http://schemas.microsoft.com/office/drawing/2014/main" val="3873867931"/>
-                  </a:ext>
-                </a:extLst>
-              </a:tr>
-              <a:tr h="1015099">
-                <a:tc>
-                  <a:txBody>
-                    <a:bodyPr/>
-                    <a:lstStyle>
-                      <a:lvl1pPr marL="0" algn="l" defTabSz="914400" rtl="0" eaLnBrk="1" latinLnBrk="0" hangingPunct="1">
-                        <a:defRPr sz="1800" kern="1200">
-                          <a:solidFill>
-                            <a:schemeClr val="dk1"/>
-                          </a:solidFill>
-                          <a:latin typeface="Tenorite "/>
-                        </a:defRPr>
-                      </a:lvl1pPr>
-                      <a:lvl2pPr marL="457200" algn="l" defTabSz="914400" rtl="0" eaLnBrk="1" latinLnBrk="0" hangingPunct="1">
-                        <a:defRPr sz="1800" kern="1200">
-                          <a:solidFill>
-                            <a:schemeClr val="dk1"/>
-                          </a:solidFill>
-                          <a:latin typeface="Tenorite "/>
-                        </a:defRPr>
-                      </a:lvl2pPr>
-                      <a:lvl3pPr marL="914400" algn="l" defTabSz="914400" rtl="0" eaLnBrk="1" latinLnBrk="0" hangingPunct="1">
-                        <a:defRPr sz="1800" kern="1200">
-                          <a:solidFill>
-                            <a:schemeClr val="dk1"/>
-                          </a:solidFill>
-                          <a:latin typeface="Tenorite "/>
-                        </a:defRPr>
-                      </a:lvl3pPr>
-                      <a:lvl4pPr marL="1371600" algn="l" defTabSz="914400" rtl="0" eaLnBrk="1" latinLnBrk="0" hangingPunct="1">
-                        <a:defRPr sz="1800" kern="1200">
-                          <a:solidFill>
-                            <a:schemeClr val="dk1"/>
-                          </a:solidFill>
-                          <a:latin typeface="Tenorite "/>
-                        </a:defRPr>
-                      </a:lvl4pPr>
-                      <a:lvl5pPr marL="1828800" algn="l" defTabSz="914400" rtl="0" eaLnBrk="1" latinLnBrk="0" hangingPunct="1">
-                        <a:defRPr sz="1800" kern="1200">
-                          <a:solidFill>
-                            <a:schemeClr val="dk1"/>
-                          </a:solidFill>
-                          <a:latin typeface="Tenorite "/>
-                        </a:defRPr>
-                      </a:lvl5pPr>
-                      <a:lvl6pPr marL="2286000" algn="l" defTabSz="914400" rtl="0" eaLnBrk="1" latinLnBrk="0" hangingPunct="1">
-                        <a:defRPr sz="1800" kern="1200">
-                          <a:solidFill>
-                            <a:schemeClr val="dk1"/>
-                          </a:solidFill>
-                          <a:latin typeface="Tenorite "/>
-                        </a:defRPr>
-                      </a:lvl6pPr>
-                      <a:lvl7pPr marL="2743200" algn="l" defTabSz="914400" rtl="0" eaLnBrk="1" latinLnBrk="0" hangingPunct="1">
-                        <a:defRPr sz="1800" kern="1200">
-                          <a:solidFill>
-                            <a:schemeClr val="dk1"/>
-                          </a:solidFill>
-                          <a:latin typeface="Tenorite "/>
-                        </a:defRPr>
-                      </a:lvl7pPr>
-                      <a:lvl8pPr marL="3200400" algn="l" defTabSz="914400" rtl="0" eaLnBrk="1" latinLnBrk="0" hangingPunct="1">
-                        <a:defRPr sz="1800" kern="1200">
-                          <a:solidFill>
-                            <a:schemeClr val="dk1"/>
-                          </a:solidFill>
-                          <a:latin typeface="Tenorite "/>
-                        </a:defRPr>
-                      </a:lvl8pPr>
-                      <a:lvl9pPr marL="3657600" algn="l" defTabSz="914400" rtl="0" eaLnBrk="1" latinLnBrk="0" hangingPunct="1">
-                        <a:defRPr sz="1800" kern="1200">
-                          <a:solidFill>
-                            <a:schemeClr val="dk1"/>
-                          </a:solidFill>
-                          <a:latin typeface="Tenorite "/>
-                        </a:defRPr>
-                      </a:lvl9pPr>
-                    </a:lstStyle>
-                    <a:p>
-                      <a:pPr algn="ctr"/>
-                      <a:r>
-                        <a:rPr lang="en-US" dirty="0">
-                          <a:latin typeface="+mn-lt"/>
-                        </a:rPr>
-                        <a:t>Engagement duration</a:t>
-                      </a:r>
-                    </a:p>
-                  </a:txBody>
-                  <a:tcPr anchor="ctr"/>
-                </a:tc>
-                <a:tc>
-                  <a:txBody>
-                    <a:bodyPr/>
-                    <a:lstStyle>
-                      <a:lvl1pPr marL="0" algn="l" defTabSz="914400" rtl="0" eaLnBrk="1" latinLnBrk="0" hangingPunct="1">
-                        <a:defRPr sz="1800" kern="1200">
-                          <a:solidFill>
-                            <a:schemeClr val="dk1"/>
-                          </a:solidFill>
-                          <a:latin typeface="Tenorite "/>
-                        </a:defRPr>
-                      </a:lvl1pPr>
-                      <a:lvl2pPr marL="457200" algn="l" defTabSz="914400" rtl="0" eaLnBrk="1" latinLnBrk="0" hangingPunct="1">
-                        <a:defRPr sz="1800" kern="1200">
-                          <a:solidFill>
-                            <a:schemeClr val="dk1"/>
-                          </a:solidFill>
-                          <a:latin typeface="Tenorite "/>
-                        </a:defRPr>
-                      </a:lvl2pPr>
-                      <a:lvl3pPr marL="914400" algn="l" defTabSz="914400" rtl="0" eaLnBrk="1" latinLnBrk="0" hangingPunct="1">
-                        <a:defRPr sz="1800" kern="1200">
-                          <a:solidFill>
-                            <a:schemeClr val="dk1"/>
-                          </a:solidFill>
-                          <a:latin typeface="Tenorite "/>
-                        </a:defRPr>
-                      </a:lvl3pPr>
-                      <a:lvl4pPr marL="1371600" algn="l" defTabSz="914400" rtl="0" eaLnBrk="1" latinLnBrk="0" hangingPunct="1">
-                        <a:defRPr sz="1800" kern="1200">
-                          <a:solidFill>
-                            <a:schemeClr val="dk1"/>
-                          </a:solidFill>
-                          <a:latin typeface="Tenorite "/>
-                        </a:defRPr>
-                      </a:lvl4pPr>
-                      <a:lvl5pPr marL="1828800" algn="l" defTabSz="914400" rtl="0" eaLnBrk="1" latinLnBrk="0" hangingPunct="1">
-                        <a:defRPr sz="1800" kern="1200">
-                          <a:solidFill>
-                            <a:schemeClr val="dk1"/>
-                          </a:solidFill>
-                          <a:latin typeface="Tenorite "/>
-                        </a:defRPr>
-                      </a:lvl5pPr>
-                      <a:lvl6pPr marL="2286000" algn="l" defTabSz="914400" rtl="0" eaLnBrk="1" latinLnBrk="0" hangingPunct="1">
-                        <a:defRPr sz="1800" kern="1200">
-                          <a:solidFill>
-                            <a:schemeClr val="dk1"/>
-                          </a:solidFill>
-                          <a:latin typeface="Tenorite "/>
-                        </a:defRPr>
-                      </a:lvl6pPr>
-                      <a:lvl7pPr marL="2743200" algn="l" defTabSz="914400" rtl="0" eaLnBrk="1" latinLnBrk="0" hangingPunct="1">
-                        <a:defRPr sz="1800" kern="1200">
-                          <a:solidFill>
-                            <a:schemeClr val="dk1"/>
-                          </a:solidFill>
-                          <a:latin typeface="Tenorite "/>
-                        </a:defRPr>
-                      </a:lvl7pPr>
-                      <a:lvl8pPr marL="3200400" algn="l" defTabSz="914400" rtl="0" eaLnBrk="1" latinLnBrk="0" hangingPunct="1">
-                        <a:defRPr sz="1800" kern="1200">
-                          <a:solidFill>
-                            <a:schemeClr val="dk1"/>
-                          </a:solidFill>
-                          <a:latin typeface="Tenorite "/>
-                        </a:defRPr>
-                      </a:lvl8pPr>
-                      <a:lvl9pPr marL="3657600" algn="l" defTabSz="914400" rtl="0" eaLnBrk="1" latinLnBrk="0" hangingPunct="1">
-                        <a:defRPr sz="1800" kern="1200">
-                          <a:solidFill>
-                            <a:schemeClr val="dk1"/>
-                          </a:solidFill>
-                          <a:latin typeface="Tenorite "/>
-                        </a:defRPr>
-                      </a:lvl9pPr>
-                    </a:lstStyle>
-                    <a:p>
-                      <a:pPr algn="ctr"/>
-                      <a:r>
-                        <a:rPr lang="en-US" dirty="0">
-                          <a:latin typeface="+mn-lt"/>
-                        </a:rPr>
-                        <a:t>Minutes</a:t>
-                      </a:r>
-                    </a:p>
-                  </a:txBody>
-                  <a:tcPr anchor="ctr"/>
-                </a:tc>
-                <a:tc>
-                  <a:txBody>
-                    <a:bodyPr/>
-                    <a:lstStyle>
-                      <a:lvl1pPr marL="0" algn="l" defTabSz="914400" rtl="0" eaLnBrk="1" latinLnBrk="0" hangingPunct="1">
-                        <a:defRPr sz="1800" kern="1200">
-                          <a:solidFill>
-                            <a:schemeClr val="dk1"/>
-                          </a:solidFill>
-                          <a:latin typeface="Tenorite "/>
-                        </a:defRPr>
-                      </a:lvl1pPr>
-                      <a:lvl2pPr marL="457200" algn="l" defTabSz="914400" rtl="0" eaLnBrk="1" latinLnBrk="0" hangingPunct="1">
-                        <a:defRPr sz="1800" kern="1200">
-                          <a:solidFill>
-                            <a:schemeClr val="dk1"/>
-                          </a:solidFill>
-                          <a:latin typeface="Tenorite "/>
-                        </a:defRPr>
-                      </a:lvl2pPr>
-                      <a:lvl3pPr marL="914400" algn="l" defTabSz="914400" rtl="0" eaLnBrk="1" latinLnBrk="0" hangingPunct="1">
-                        <a:defRPr sz="1800" kern="1200">
-                          <a:solidFill>
-                            <a:schemeClr val="dk1"/>
-                          </a:solidFill>
-                          <a:latin typeface="Tenorite "/>
-                        </a:defRPr>
-                      </a:lvl3pPr>
-                      <a:lvl4pPr marL="1371600" algn="l" defTabSz="914400" rtl="0" eaLnBrk="1" latinLnBrk="0" hangingPunct="1">
-                        <a:defRPr sz="1800" kern="1200">
-                          <a:solidFill>
-                            <a:schemeClr val="dk1"/>
-                          </a:solidFill>
-                          <a:latin typeface="Tenorite "/>
-                        </a:defRPr>
-                      </a:lvl4pPr>
-                      <a:lvl5pPr marL="1828800" algn="l" defTabSz="914400" rtl="0" eaLnBrk="1" latinLnBrk="0" hangingPunct="1">
-                        <a:defRPr sz="1800" kern="1200">
-                          <a:solidFill>
-                            <a:schemeClr val="dk1"/>
-                          </a:solidFill>
-                          <a:latin typeface="Tenorite "/>
-                        </a:defRPr>
-                      </a:lvl5pPr>
-                      <a:lvl6pPr marL="2286000" algn="l" defTabSz="914400" rtl="0" eaLnBrk="1" latinLnBrk="0" hangingPunct="1">
-                        <a:defRPr sz="1800" kern="1200">
-                          <a:solidFill>
-                            <a:schemeClr val="dk1"/>
-                          </a:solidFill>
-                          <a:latin typeface="Tenorite "/>
-                        </a:defRPr>
-                      </a:lvl6pPr>
-                      <a:lvl7pPr marL="2743200" algn="l" defTabSz="914400" rtl="0" eaLnBrk="1" latinLnBrk="0" hangingPunct="1">
-                        <a:defRPr sz="1800" kern="1200">
-                          <a:solidFill>
-                            <a:schemeClr val="dk1"/>
-                          </a:solidFill>
-                          <a:latin typeface="Tenorite "/>
-                        </a:defRPr>
-                      </a:lvl7pPr>
-                      <a:lvl8pPr marL="3200400" algn="l" defTabSz="914400" rtl="0" eaLnBrk="1" latinLnBrk="0" hangingPunct="1">
-                        <a:defRPr sz="1800" kern="1200">
-                          <a:solidFill>
-                            <a:schemeClr val="dk1"/>
-                          </a:solidFill>
-                          <a:latin typeface="Tenorite "/>
-                        </a:defRPr>
-                      </a:lvl8pPr>
-                      <a:lvl9pPr marL="3657600" algn="l" defTabSz="914400" rtl="0" eaLnBrk="1" latinLnBrk="0" hangingPunct="1">
-                        <a:defRPr sz="1800" kern="1200">
-                          <a:solidFill>
-                            <a:schemeClr val="dk1"/>
-                          </a:solidFill>
-                          <a:latin typeface="Tenorite "/>
-                        </a:defRPr>
-                      </a:lvl9pPr>
-                    </a:lstStyle>
-                    <a:p>
-                      <a:pPr algn="ctr"/>
-                      <a:r>
-                        <a:rPr lang="en-US" dirty="0">
-                          <a:latin typeface="+mn-lt"/>
-                        </a:rPr>
-                        <a:t>60</a:t>
-                      </a:r>
-                    </a:p>
-                  </a:txBody>
-                  <a:tcPr anchor="ctr"/>
-                </a:tc>
-                <a:tc>
-                  <a:txBody>
-                    <a:bodyPr/>
-                    <a:lstStyle>
-                      <a:lvl1pPr marL="0" algn="l" defTabSz="914400" rtl="0" eaLnBrk="1" latinLnBrk="0" hangingPunct="1">
-                        <a:defRPr sz="1800" kern="1200">
-                          <a:solidFill>
-                            <a:schemeClr val="dk1"/>
-                          </a:solidFill>
-                          <a:latin typeface="Tenorite "/>
-                        </a:defRPr>
-                      </a:lvl1pPr>
-                      <a:lvl2pPr marL="457200" algn="l" defTabSz="914400" rtl="0" eaLnBrk="1" latinLnBrk="0" hangingPunct="1">
-                        <a:defRPr sz="1800" kern="1200">
-                          <a:solidFill>
-                            <a:schemeClr val="dk1"/>
-                          </a:solidFill>
-                          <a:latin typeface="Tenorite "/>
-                        </a:defRPr>
-                      </a:lvl2pPr>
-                      <a:lvl3pPr marL="914400" algn="l" defTabSz="914400" rtl="0" eaLnBrk="1" latinLnBrk="0" hangingPunct="1">
-                        <a:defRPr sz="1800" kern="1200">
-                          <a:solidFill>
-                            <a:schemeClr val="dk1"/>
-                          </a:solidFill>
-                          <a:latin typeface="Tenorite "/>
-                        </a:defRPr>
-                      </a:lvl3pPr>
-                      <a:lvl4pPr marL="1371600" algn="l" defTabSz="914400" rtl="0" eaLnBrk="1" latinLnBrk="0" hangingPunct="1">
-                        <a:defRPr sz="1800" kern="1200">
-                          <a:solidFill>
-                            <a:schemeClr val="dk1"/>
-                          </a:solidFill>
-                          <a:latin typeface="Tenorite "/>
-                        </a:defRPr>
-                      </a:lvl4pPr>
-                      <a:lvl5pPr marL="1828800" algn="l" defTabSz="914400" rtl="0" eaLnBrk="1" latinLnBrk="0" hangingPunct="1">
-                        <a:defRPr sz="1800" kern="1200">
-                          <a:solidFill>
-                            <a:schemeClr val="dk1"/>
-                          </a:solidFill>
-                          <a:latin typeface="Tenorite "/>
-                        </a:defRPr>
-                      </a:lvl5pPr>
-                      <a:lvl6pPr marL="2286000" algn="l" defTabSz="914400" rtl="0" eaLnBrk="1" latinLnBrk="0" hangingPunct="1">
-                        <a:defRPr sz="1800" kern="1200">
-                          <a:solidFill>
-                            <a:schemeClr val="dk1"/>
-                          </a:solidFill>
-                          <a:latin typeface="Tenorite "/>
-                        </a:defRPr>
-                      </a:lvl6pPr>
-                      <a:lvl7pPr marL="2743200" algn="l" defTabSz="914400" rtl="0" eaLnBrk="1" latinLnBrk="0" hangingPunct="1">
-                        <a:defRPr sz="1800" kern="1200">
-                          <a:solidFill>
-                            <a:schemeClr val="dk1"/>
-                          </a:solidFill>
-                          <a:latin typeface="Tenorite "/>
-                        </a:defRPr>
-                      </a:lvl7pPr>
-                      <a:lvl8pPr marL="3200400" algn="l" defTabSz="914400" rtl="0" eaLnBrk="1" latinLnBrk="0" hangingPunct="1">
-                        <a:defRPr sz="1800" kern="1200">
-                          <a:solidFill>
-                            <a:schemeClr val="dk1"/>
-                          </a:solidFill>
-                          <a:latin typeface="Tenorite "/>
-                        </a:defRPr>
-                      </a:lvl8pPr>
-                      <a:lvl9pPr marL="3657600" algn="l" defTabSz="914400" rtl="0" eaLnBrk="1" latinLnBrk="0" hangingPunct="1">
-                        <a:defRPr sz="1800" kern="1200">
-                          <a:solidFill>
-                            <a:schemeClr val="dk1"/>
-                          </a:solidFill>
-                          <a:latin typeface="Tenorite "/>
-                        </a:defRPr>
-                      </a:lvl9pPr>
-                    </a:lstStyle>
-                    <a:p>
-                      <a:pPr algn="ctr"/>
-                      <a:r>
-                        <a:rPr lang="en-US" dirty="0">
-                          <a:latin typeface="+mn-lt"/>
-                        </a:rPr>
-                        <a:t>75</a:t>
-                      </a:r>
-                    </a:p>
-                  </a:txBody>
-                  <a:tcPr anchor="ctr"/>
-                </a:tc>
-                <a:extLst>
-                  <a:ext uri="{0D108BD9-81ED-4DB2-BD59-A6C34878D82A}">
-                    <a16:rowId xmlns:a16="http://schemas.microsoft.com/office/drawing/2014/main" val="85209771"/>
-                  </a:ext>
-                </a:extLst>
-              </a:tr>
-              <a:tr h="1015099">
-                <a:tc>
-                  <a:txBody>
-                    <a:bodyPr/>
-                    <a:lstStyle>
-                      <a:lvl1pPr marL="0" algn="l" defTabSz="914400" rtl="0" eaLnBrk="1" latinLnBrk="0" hangingPunct="1">
-                        <a:defRPr sz="1800" kern="1200">
-                          <a:solidFill>
-                            <a:schemeClr val="dk1"/>
-                          </a:solidFill>
-                          <a:latin typeface="Tenorite "/>
-                        </a:defRPr>
-                      </a:lvl1pPr>
-                      <a:lvl2pPr marL="457200" algn="l" defTabSz="914400" rtl="0" eaLnBrk="1" latinLnBrk="0" hangingPunct="1">
-                        <a:defRPr sz="1800" kern="1200">
-                          <a:solidFill>
-                            <a:schemeClr val="dk1"/>
-                          </a:solidFill>
-                          <a:latin typeface="Tenorite "/>
-                        </a:defRPr>
-                      </a:lvl2pPr>
-                      <a:lvl3pPr marL="914400" algn="l" defTabSz="914400" rtl="0" eaLnBrk="1" latinLnBrk="0" hangingPunct="1">
-                        <a:defRPr sz="1800" kern="1200">
-                          <a:solidFill>
-                            <a:schemeClr val="dk1"/>
-                          </a:solidFill>
-                          <a:latin typeface="Tenorite "/>
-                        </a:defRPr>
-                      </a:lvl3pPr>
-                      <a:lvl4pPr marL="1371600" algn="l" defTabSz="914400" rtl="0" eaLnBrk="1" latinLnBrk="0" hangingPunct="1">
-                        <a:defRPr sz="1800" kern="1200">
-                          <a:solidFill>
-                            <a:schemeClr val="dk1"/>
-                          </a:solidFill>
-                          <a:latin typeface="Tenorite "/>
-                        </a:defRPr>
-                      </a:lvl4pPr>
-                      <a:lvl5pPr marL="1828800" algn="l" defTabSz="914400" rtl="0" eaLnBrk="1" latinLnBrk="0" hangingPunct="1">
-                        <a:defRPr sz="1800" kern="1200">
-                          <a:solidFill>
-                            <a:schemeClr val="dk1"/>
-                          </a:solidFill>
-                          <a:latin typeface="Tenorite "/>
-                        </a:defRPr>
-                      </a:lvl5pPr>
-                      <a:lvl6pPr marL="2286000" algn="l" defTabSz="914400" rtl="0" eaLnBrk="1" latinLnBrk="0" hangingPunct="1">
-                        <a:defRPr sz="1800" kern="1200">
-                          <a:solidFill>
-                            <a:schemeClr val="dk1"/>
-                          </a:solidFill>
-                          <a:latin typeface="Tenorite "/>
-                        </a:defRPr>
-                      </a:lvl6pPr>
-                      <a:lvl7pPr marL="2743200" algn="l" defTabSz="914400" rtl="0" eaLnBrk="1" latinLnBrk="0" hangingPunct="1">
-                        <a:defRPr sz="1800" kern="1200">
-                          <a:solidFill>
-                            <a:schemeClr val="dk1"/>
-                          </a:solidFill>
-                          <a:latin typeface="Tenorite "/>
-                        </a:defRPr>
-                      </a:lvl7pPr>
-                      <a:lvl8pPr marL="3200400" algn="l" defTabSz="914400" rtl="0" eaLnBrk="1" latinLnBrk="0" hangingPunct="1">
-                        <a:defRPr sz="1800" kern="1200">
-                          <a:solidFill>
-                            <a:schemeClr val="dk1"/>
-                          </a:solidFill>
-                          <a:latin typeface="Tenorite "/>
-                        </a:defRPr>
-                      </a:lvl8pPr>
-                      <a:lvl9pPr marL="3657600" algn="l" defTabSz="914400" rtl="0" eaLnBrk="1" latinLnBrk="0" hangingPunct="1">
-                        <a:defRPr sz="1800" kern="1200">
-                          <a:solidFill>
-                            <a:schemeClr val="dk1"/>
-                          </a:solidFill>
-                          <a:latin typeface="Tenorite "/>
-                        </a:defRPr>
-                      </a:lvl9pPr>
-                    </a:lstStyle>
-                    <a:p>
-                      <a:pPr algn="ctr"/>
-                      <a:r>
-                        <a:rPr lang="en-US" dirty="0">
-                          <a:latin typeface="+mn-lt"/>
-                        </a:rPr>
-                        <a:t>Q&amp;A interaction</a:t>
-                      </a:r>
-                    </a:p>
-                  </a:txBody>
-                  <a:tcPr anchor="ctr"/>
-                </a:tc>
-                <a:tc>
-                  <a:txBody>
-                    <a:bodyPr/>
-                    <a:lstStyle>
-                      <a:lvl1pPr marL="0" algn="l" defTabSz="914400" rtl="0" eaLnBrk="1" latinLnBrk="0" hangingPunct="1">
-                        <a:defRPr sz="1800" kern="1200">
-                          <a:solidFill>
-                            <a:schemeClr val="dk1"/>
-                          </a:solidFill>
-                          <a:latin typeface="Tenorite "/>
-                        </a:defRPr>
-                      </a:lvl1pPr>
-                      <a:lvl2pPr marL="457200" algn="l" defTabSz="914400" rtl="0" eaLnBrk="1" latinLnBrk="0" hangingPunct="1">
-                        <a:defRPr sz="1800" kern="1200">
-                          <a:solidFill>
-                            <a:schemeClr val="dk1"/>
-                          </a:solidFill>
-                          <a:latin typeface="Tenorite "/>
-                        </a:defRPr>
-                      </a:lvl2pPr>
-                      <a:lvl3pPr marL="914400" algn="l" defTabSz="914400" rtl="0" eaLnBrk="1" latinLnBrk="0" hangingPunct="1">
-                        <a:defRPr sz="1800" kern="1200">
-                          <a:solidFill>
-                            <a:schemeClr val="dk1"/>
-                          </a:solidFill>
-                          <a:latin typeface="Tenorite "/>
-                        </a:defRPr>
-                      </a:lvl3pPr>
-                      <a:lvl4pPr marL="1371600" algn="l" defTabSz="914400" rtl="0" eaLnBrk="1" latinLnBrk="0" hangingPunct="1">
-                        <a:defRPr sz="1800" kern="1200">
-                          <a:solidFill>
-                            <a:schemeClr val="dk1"/>
-                          </a:solidFill>
-                          <a:latin typeface="Tenorite "/>
-                        </a:defRPr>
-                      </a:lvl4pPr>
-                      <a:lvl5pPr marL="1828800" algn="l" defTabSz="914400" rtl="0" eaLnBrk="1" latinLnBrk="0" hangingPunct="1">
-                        <a:defRPr sz="1800" kern="1200">
-                          <a:solidFill>
-                            <a:schemeClr val="dk1"/>
-                          </a:solidFill>
-                          <a:latin typeface="Tenorite "/>
-                        </a:defRPr>
-                      </a:lvl5pPr>
-                      <a:lvl6pPr marL="2286000" algn="l" defTabSz="914400" rtl="0" eaLnBrk="1" latinLnBrk="0" hangingPunct="1">
-                        <a:defRPr sz="1800" kern="1200">
-                          <a:solidFill>
-                            <a:schemeClr val="dk1"/>
-                          </a:solidFill>
-                          <a:latin typeface="Tenorite "/>
-                        </a:defRPr>
-                      </a:lvl6pPr>
-                      <a:lvl7pPr marL="2743200" algn="l" defTabSz="914400" rtl="0" eaLnBrk="1" latinLnBrk="0" hangingPunct="1">
-                        <a:defRPr sz="1800" kern="1200">
-                          <a:solidFill>
-                            <a:schemeClr val="dk1"/>
-                          </a:solidFill>
-                          <a:latin typeface="Tenorite "/>
-                        </a:defRPr>
-                      </a:lvl7pPr>
-                      <a:lvl8pPr marL="3200400" algn="l" defTabSz="914400" rtl="0" eaLnBrk="1" latinLnBrk="0" hangingPunct="1">
-                        <a:defRPr sz="1800" kern="1200">
-                          <a:solidFill>
-                            <a:schemeClr val="dk1"/>
-                          </a:solidFill>
-                          <a:latin typeface="Tenorite "/>
-                        </a:defRPr>
-                      </a:lvl8pPr>
-                      <a:lvl9pPr marL="3657600" algn="l" defTabSz="914400" rtl="0" eaLnBrk="1" latinLnBrk="0" hangingPunct="1">
-                        <a:defRPr sz="1800" kern="1200">
-                          <a:solidFill>
-                            <a:schemeClr val="dk1"/>
-                          </a:solidFill>
-                          <a:latin typeface="Tenorite "/>
-                        </a:defRPr>
-                      </a:lvl9pPr>
-                    </a:lstStyle>
-                    <a:p>
-                      <a:pPr algn="ctr"/>
-                      <a:r>
-                        <a:rPr lang="en-US" dirty="0">
-                          <a:latin typeface="+mn-lt"/>
-                        </a:rPr>
-                        <a:t># of questions</a:t>
-                      </a:r>
-                    </a:p>
-                  </a:txBody>
-                  <a:tcPr anchor="ctr"/>
-                </a:tc>
-                <a:tc>
-                  <a:txBody>
-                    <a:bodyPr/>
-                    <a:lstStyle>
-                      <a:lvl1pPr marL="0" algn="l" defTabSz="914400" rtl="0" eaLnBrk="1" latinLnBrk="0" hangingPunct="1">
-                        <a:defRPr sz="1800" kern="1200">
-                          <a:solidFill>
-                            <a:schemeClr val="dk1"/>
-                          </a:solidFill>
-                          <a:latin typeface="Tenorite "/>
-                        </a:defRPr>
-                      </a:lvl1pPr>
-                      <a:lvl2pPr marL="457200" algn="l" defTabSz="914400" rtl="0" eaLnBrk="1" latinLnBrk="0" hangingPunct="1">
-                        <a:defRPr sz="1800" kern="1200">
-                          <a:solidFill>
-                            <a:schemeClr val="dk1"/>
-                          </a:solidFill>
-                          <a:latin typeface="Tenorite "/>
-                        </a:defRPr>
-                      </a:lvl2pPr>
-                      <a:lvl3pPr marL="914400" algn="l" defTabSz="914400" rtl="0" eaLnBrk="1" latinLnBrk="0" hangingPunct="1">
-                        <a:defRPr sz="1800" kern="1200">
-                          <a:solidFill>
-                            <a:schemeClr val="dk1"/>
-                          </a:solidFill>
-                          <a:latin typeface="Tenorite "/>
-                        </a:defRPr>
-                      </a:lvl3pPr>
-                      <a:lvl4pPr marL="1371600" algn="l" defTabSz="914400" rtl="0" eaLnBrk="1" latinLnBrk="0" hangingPunct="1">
-                        <a:defRPr sz="1800" kern="1200">
-                          <a:solidFill>
-                            <a:schemeClr val="dk1"/>
-                          </a:solidFill>
-                          <a:latin typeface="Tenorite "/>
-                        </a:defRPr>
-                      </a:lvl4pPr>
-                      <a:lvl5pPr marL="1828800" algn="l" defTabSz="914400" rtl="0" eaLnBrk="1" latinLnBrk="0" hangingPunct="1">
-                        <a:defRPr sz="1800" kern="1200">
-                          <a:solidFill>
-                            <a:schemeClr val="dk1"/>
-                          </a:solidFill>
-                          <a:latin typeface="Tenorite "/>
-                        </a:defRPr>
-                      </a:lvl5pPr>
-                      <a:lvl6pPr marL="2286000" algn="l" defTabSz="914400" rtl="0" eaLnBrk="1" latinLnBrk="0" hangingPunct="1">
-                        <a:defRPr sz="1800" kern="1200">
-                          <a:solidFill>
-                            <a:schemeClr val="dk1"/>
-                          </a:solidFill>
-                          <a:latin typeface="Tenorite "/>
-                        </a:defRPr>
-                      </a:lvl6pPr>
-                      <a:lvl7pPr marL="2743200" algn="l" defTabSz="914400" rtl="0" eaLnBrk="1" latinLnBrk="0" hangingPunct="1">
-                        <a:defRPr sz="1800" kern="1200">
-                          <a:solidFill>
-                            <a:schemeClr val="dk1"/>
-                          </a:solidFill>
-                          <a:latin typeface="Tenorite "/>
-                        </a:defRPr>
-                      </a:lvl7pPr>
-                      <a:lvl8pPr marL="3200400" algn="l" defTabSz="914400" rtl="0" eaLnBrk="1" latinLnBrk="0" hangingPunct="1">
-                        <a:defRPr sz="1800" kern="1200">
-                          <a:solidFill>
-                            <a:schemeClr val="dk1"/>
-                          </a:solidFill>
-                          <a:latin typeface="Tenorite "/>
-                        </a:defRPr>
-                      </a:lvl8pPr>
-                      <a:lvl9pPr marL="3657600" algn="l" defTabSz="914400" rtl="0" eaLnBrk="1" latinLnBrk="0" hangingPunct="1">
-                        <a:defRPr sz="1800" kern="1200">
-                          <a:solidFill>
-                            <a:schemeClr val="dk1"/>
-                          </a:solidFill>
-                          <a:latin typeface="Tenorite "/>
-                        </a:defRPr>
-                      </a:lvl9pPr>
-                    </a:lstStyle>
-                    <a:p>
-                      <a:pPr algn="ctr"/>
-                      <a:r>
-                        <a:rPr lang="en-US" dirty="0">
-                          <a:latin typeface="+mn-lt"/>
-                        </a:rPr>
-                        <a:t>10</a:t>
-                      </a:r>
-                    </a:p>
-                  </a:txBody>
-                  <a:tcPr anchor="ctr"/>
-                </a:tc>
-                <a:tc>
-                  <a:txBody>
-                    <a:bodyPr/>
-                    <a:lstStyle>
-                      <a:lvl1pPr marL="0" algn="l" defTabSz="914400" rtl="0" eaLnBrk="1" latinLnBrk="0" hangingPunct="1">
-                        <a:defRPr sz="1800" kern="1200">
-                          <a:solidFill>
-                            <a:schemeClr val="dk1"/>
-                          </a:solidFill>
-                          <a:latin typeface="Tenorite "/>
-                        </a:defRPr>
-                      </a:lvl1pPr>
-                      <a:lvl2pPr marL="457200" algn="l" defTabSz="914400" rtl="0" eaLnBrk="1" latinLnBrk="0" hangingPunct="1">
-                        <a:defRPr sz="1800" kern="1200">
-                          <a:solidFill>
-                            <a:schemeClr val="dk1"/>
-                          </a:solidFill>
-                          <a:latin typeface="Tenorite "/>
-                        </a:defRPr>
-                      </a:lvl2pPr>
-                      <a:lvl3pPr marL="914400" algn="l" defTabSz="914400" rtl="0" eaLnBrk="1" latinLnBrk="0" hangingPunct="1">
-                        <a:defRPr sz="1800" kern="1200">
-                          <a:solidFill>
-                            <a:schemeClr val="dk1"/>
-                          </a:solidFill>
-                          <a:latin typeface="Tenorite "/>
-                        </a:defRPr>
-                      </a:lvl3pPr>
-                      <a:lvl4pPr marL="1371600" algn="l" defTabSz="914400" rtl="0" eaLnBrk="1" latinLnBrk="0" hangingPunct="1">
-                        <a:defRPr sz="1800" kern="1200">
-                          <a:solidFill>
-                            <a:schemeClr val="dk1"/>
-                          </a:solidFill>
-                          <a:latin typeface="Tenorite "/>
-                        </a:defRPr>
-                      </a:lvl4pPr>
-                      <a:lvl5pPr marL="1828800" algn="l" defTabSz="914400" rtl="0" eaLnBrk="1" latinLnBrk="0" hangingPunct="1">
-                        <a:defRPr sz="1800" kern="1200">
-                          <a:solidFill>
-                            <a:schemeClr val="dk1"/>
-                          </a:solidFill>
-                          <a:latin typeface="Tenorite "/>
-                        </a:defRPr>
-                      </a:lvl5pPr>
-                      <a:lvl6pPr marL="2286000" algn="l" defTabSz="914400" rtl="0" eaLnBrk="1" latinLnBrk="0" hangingPunct="1">
-                        <a:defRPr sz="1800" kern="1200">
-                          <a:solidFill>
-                            <a:schemeClr val="dk1"/>
-                          </a:solidFill>
-                          <a:latin typeface="Tenorite "/>
-                        </a:defRPr>
-                      </a:lvl6pPr>
-                      <a:lvl7pPr marL="2743200" algn="l" defTabSz="914400" rtl="0" eaLnBrk="1" latinLnBrk="0" hangingPunct="1">
-                        <a:defRPr sz="1800" kern="1200">
-                          <a:solidFill>
-                            <a:schemeClr val="dk1"/>
-                          </a:solidFill>
-                          <a:latin typeface="Tenorite "/>
-                        </a:defRPr>
-                      </a:lvl7pPr>
-                      <a:lvl8pPr marL="3200400" algn="l" defTabSz="914400" rtl="0" eaLnBrk="1" latinLnBrk="0" hangingPunct="1">
-                        <a:defRPr sz="1800" kern="1200">
-                          <a:solidFill>
-                            <a:schemeClr val="dk1"/>
-                          </a:solidFill>
-                          <a:latin typeface="Tenorite "/>
-                        </a:defRPr>
-                      </a:lvl8pPr>
-                      <a:lvl9pPr marL="3657600" algn="l" defTabSz="914400" rtl="0" eaLnBrk="1" latinLnBrk="0" hangingPunct="1">
-                        <a:defRPr sz="1800" kern="1200">
-                          <a:solidFill>
-                            <a:schemeClr val="dk1"/>
-                          </a:solidFill>
-                          <a:latin typeface="Tenorite "/>
-                        </a:defRPr>
-                      </a:lvl9pPr>
-                    </a:lstStyle>
-                    <a:p>
-                      <a:pPr algn="ctr"/>
-                      <a:r>
-                        <a:rPr lang="en-US" dirty="0">
-                          <a:latin typeface="+mn-lt"/>
-                        </a:rPr>
-                        <a:t>15</a:t>
-                      </a:r>
-                    </a:p>
-                  </a:txBody>
-                  <a:tcPr anchor="ctr"/>
-                </a:tc>
-                <a:extLst>
-                  <a:ext uri="{0D108BD9-81ED-4DB2-BD59-A6C34878D82A}">
-                    <a16:rowId xmlns:a16="http://schemas.microsoft.com/office/drawing/2014/main" val="4061031278"/>
-                  </a:ext>
-                </a:extLst>
-              </a:tr>
-              <a:tr h="1015099">
-                <a:tc>
-                  <a:txBody>
-                    <a:bodyPr/>
-                    <a:lstStyle>
-                      <a:lvl1pPr marL="0" algn="l" defTabSz="914400" rtl="0" eaLnBrk="1" latinLnBrk="0" hangingPunct="1">
-                        <a:defRPr sz="1800" kern="1200">
-                          <a:solidFill>
-                            <a:schemeClr val="dk1"/>
-                          </a:solidFill>
-                          <a:latin typeface="Tenorite "/>
-                        </a:defRPr>
-                      </a:lvl1pPr>
-                      <a:lvl2pPr marL="457200" algn="l" defTabSz="914400" rtl="0" eaLnBrk="1" latinLnBrk="0" hangingPunct="1">
-                        <a:defRPr sz="1800" kern="1200">
-                          <a:solidFill>
-                            <a:schemeClr val="dk1"/>
-                          </a:solidFill>
-                          <a:latin typeface="Tenorite "/>
-                        </a:defRPr>
-                      </a:lvl2pPr>
-                      <a:lvl3pPr marL="914400" algn="l" defTabSz="914400" rtl="0" eaLnBrk="1" latinLnBrk="0" hangingPunct="1">
-                        <a:defRPr sz="1800" kern="1200">
-                          <a:solidFill>
-                            <a:schemeClr val="dk1"/>
-                          </a:solidFill>
-                          <a:latin typeface="Tenorite "/>
-                        </a:defRPr>
-                      </a:lvl3pPr>
-                      <a:lvl4pPr marL="1371600" algn="l" defTabSz="914400" rtl="0" eaLnBrk="1" latinLnBrk="0" hangingPunct="1">
-                        <a:defRPr sz="1800" kern="1200">
-                          <a:solidFill>
-                            <a:schemeClr val="dk1"/>
-                          </a:solidFill>
-                          <a:latin typeface="Tenorite "/>
-                        </a:defRPr>
-                      </a:lvl4pPr>
-                      <a:lvl5pPr marL="1828800" algn="l" defTabSz="914400" rtl="0" eaLnBrk="1" latinLnBrk="0" hangingPunct="1">
-                        <a:defRPr sz="1800" kern="1200">
-                          <a:solidFill>
-                            <a:schemeClr val="dk1"/>
-                          </a:solidFill>
-                          <a:latin typeface="Tenorite "/>
-                        </a:defRPr>
-                      </a:lvl5pPr>
-                      <a:lvl6pPr marL="2286000" algn="l" defTabSz="914400" rtl="0" eaLnBrk="1" latinLnBrk="0" hangingPunct="1">
-                        <a:defRPr sz="1800" kern="1200">
-                          <a:solidFill>
-                            <a:schemeClr val="dk1"/>
-                          </a:solidFill>
-                          <a:latin typeface="Tenorite "/>
-                        </a:defRPr>
-                      </a:lvl6pPr>
-                      <a:lvl7pPr marL="2743200" algn="l" defTabSz="914400" rtl="0" eaLnBrk="1" latinLnBrk="0" hangingPunct="1">
-                        <a:defRPr sz="1800" kern="1200">
-                          <a:solidFill>
-                            <a:schemeClr val="dk1"/>
-                          </a:solidFill>
-                          <a:latin typeface="Tenorite "/>
-                        </a:defRPr>
-                      </a:lvl7pPr>
-                      <a:lvl8pPr marL="3200400" algn="l" defTabSz="914400" rtl="0" eaLnBrk="1" latinLnBrk="0" hangingPunct="1">
-                        <a:defRPr sz="1800" kern="1200">
-                          <a:solidFill>
-                            <a:schemeClr val="dk1"/>
-                          </a:solidFill>
-                          <a:latin typeface="Tenorite "/>
-                        </a:defRPr>
-                      </a:lvl8pPr>
-                      <a:lvl9pPr marL="3657600" algn="l" defTabSz="914400" rtl="0" eaLnBrk="1" latinLnBrk="0" hangingPunct="1">
-                        <a:defRPr sz="1800" kern="1200">
-                          <a:solidFill>
-                            <a:schemeClr val="dk1"/>
-                          </a:solidFill>
-                          <a:latin typeface="Tenorite "/>
-                        </a:defRPr>
-                      </a:lvl9pPr>
-                    </a:lstStyle>
-                    <a:p>
-                      <a:pPr algn="ctr"/>
-                      <a:r>
-                        <a:rPr lang="en-US" dirty="0">
-                          <a:latin typeface="+mn-lt"/>
-                        </a:rPr>
-                        <a:t>Positive feedback</a:t>
-                      </a:r>
-                    </a:p>
-                  </a:txBody>
-                  <a:tcPr anchor="ctr"/>
-                </a:tc>
-                <a:tc>
-                  <a:txBody>
-                    <a:bodyPr/>
-                    <a:lstStyle>
-                      <a:lvl1pPr marL="0" algn="l" defTabSz="914400" rtl="0" eaLnBrk="1" latinLnBrk="0" hangingPunct="1">
-                        <a:defRPr sz="1800" kern="1200">
-                          <a:solidFill>
-                            <a:schemeClr val="dk1"/>
-                          </a:solidFill>
-                          <a:latin typeface="Tenorite "/>
-                        </a:defRPr>
-                      </a:lvl1pPr>
-                      <a:lvl2pPr marL="457200" algn="l" defTabSz="914400" rtl="0" eaLnBrk="1" latinLnBrk="0" hangingPunct="1">
-                        <a:defRPr sz="1800" kern="1200">
-                          <a:solidFill>
-                            <a:schemeClr val="dk1"/>
-                          </a:solidFill>
-                          <a:latin typeface="Tenorite "/>
-                        </a:defRPr>
-                      </a:lvl2pPr>
-                      <a:lvl3pPr marL="914400" algn="l" defTabSz="914400" rtl="0" eaLnBrk="1" latinLnBrk="0" hangingPunct="1">
-                        <a:defRPr sz="1800" kern="1200">
-                          <a:solidFill>
-                            <a:schemeClr val="dk1"/>
-                          </a:solidFill>
-                          <a:latin typeface="Tenorite "/>
-                        </a:defRPr>
-                      </a:lvl3pPr>
-                      <a:lvl4pPr marL="1371600" algn="l" defTabSz="914400" rtl="0" eaLnBrk="1" latinLnBrk="0" hangingPunct="1">
-                        <a:defRPr sz="1800" kern="1200">
-                          <a:solidFill>
-                            <a:schemeClr val="dk1"/>
-                          </a:solidFill>
-                          <a:latin typeface="Tenorite "/>
-                        </a:defRPr>
-                      </a:lvl4pPr>
-                      <a:lvl5pPr marL="1828800" algn="l" defTabSz="914400" rtl="0" eaLnBrk="1" latinLnBrk="0" hangingPunct="1">
-                        <a:defRPr sz="1800" kern="1200">
-                          <a:solidFill>
-                            <a:schemeClr val="dk1"/>
-                          </a:solidFill>
-                          <a:latin typeface="Tenorite "/>
-                        </a:defRPr>
-                      </a:lvl5pPr>
-                      <a:lvl6pPr marL="2286000" algn="l" defTabSz="914400" rtl="0" eaLnBrk="1" latinLnBrk="0" hangingPunct="1">
-                        <a:defRPr sz="1800" kern="1200">
-                          <a:solidFill>
-                            <a:schemeClr val="dk1"/>
-                          </a:solidFill>
-                          <a:latin typeface="Tenorite "/>
-                        </a:defRPr>
-                      </a:lvl6pPr>
-                      <a:lvl7pPr marL="2743200" algn="l" defTabSz="914400" rtl="0" eaLnBrk="1" latinLnBrk="0" hangingPunct="1">
-                        <a:defRPr sz="1800" kern="1200">
-                          <a:solidFill>
-                            <a:schemeClr val="dk1"/>
-                          </a:solidFill>
-                          <a:latin typeface="Tenorite "/>
-                        </a:defRPr>
-                      </a:lvl7pPr>
-                      <a:lvl8pPr marL="3200400" algn="l" defTabSz="914400" rtl="0" eaLnBrk="1" latinLnBrk="0" hangingPunct="1">
-                        <a:defRPr sz="1800" kern="1200">
-                          <a:solidFill>
-                            <a:schemeClr val="dk1"/>
-                          </a:solidFill>
-                          <a:latin typeface="Tenorite "/>
-                        </a:defRPr>
-                      </a:lvl8pPr>
-                      <a:lvl9pPr marL="3657600" algn="l" defTabSz="914400" rtl="0" eaLnBrk="1" latinLnBrk="0" hangingPunct="1">
-                        <a:defRPr sz="1800" kern="1200">
-                          <a:solidFill>
-                            <a:schemeClr val="dk1"/>
-                          </a:solidFill>
-                          <a:latin typeface="Tenorite "/>
-                        </a:defRPr>
-                      </a:lvl9pPr>
-                    </a:lstStyle>
-                    <a:p>
-                      <a:pPr algn="ctr"/>
-                      <a:r>
-                        <a:rPr lang="en-US" dirty="0">
-                          <a:latin typeface="+mn-lt"/>
-                        </a:rPr>
-                        <a:t>Percentage (%)</a:t>
-                      </a:r>
-                    </a:p>
-                  </a:txBody>
-                  <a:tcPr anchor="ctr"/>
-                </a:tc>
-                <a:tc>
-                  <a:txBody>
-                    <a:bodyPr/>
-                    <a:lstStyle>
-                      <a:lvl1pPr marL="0" algn="l" defTabSz="914400" rtl="0" eaLnBrk="1" latinLnBrk="0" hangingPunct="1">
-                        <a:defRPr sz="1800" kern="1200">
-                          <a:solidFill>
-                            <a:schemeClr val="dk1"/>
-                          </a:solidFill>
-                          <a:latin typeface="Tenorite "/>
-                        </a:defRPr>
-                      </a:lvl1pPr>
-                      <a:lvl2pPr marL="457200" algn="l" defTabSz="914400" rtl="0" eaLnBrk="1" latinLnBrk="0" hangingPunct="1">
-                        <a:defRPr sz="1800" kern="1200">
-                          <a:solidFill>
-                            <a:schemeClr val="dk1"/>
-                          </a:solidFill>
-                          <a:latin typeface="Tenorite "/>
-                        </a:defRPr>
-                      </a:lvl2pPr>
-                      <a:lvl3pPr marL="914400" algn="l" defTabSz="914400" rtl="0" eaLnBrk="1" latinLnBrk="0" hangingPunct="1">
-                        <a:defRPr sz="1800" kern="1200">
-                          <a:solidFill>
-                            <a:schemeClr val="dk1"/>
-                          </a:solidFill>
-                          <a:latin typeface="Tenorite "/>
-                        </a:defRPr>
-                      </a:lvl3pPr>
-                      <a:lvl4pPr marL="1371600" algn="l" defTabSz="914400" rtl="0" eaLnBrk="1" latinLnBrk="0" hangingPunct="1">
-                        <a:defRPr sz="1800" kern="1200">
-                          <a:solidFill>
-                            <a:schemeClr val="dk1"/>
-                          </a:solidFill>
-                          <a:latin typeface="Tenorite "/>
-                        </a:defRPr>
-                      </a:lvl4pPr>
-                      <a:lvl5pPr marL="1828800" algn="l" defTabSz="914400" rtl="0" eaLnBrk="1" latinLnBrk="0" hangingPunct="1">
-                        <a:defRPr sz="1800" kern="1200">
-                          <a:solidFill>
-                            <a:schemeClr val="dk1"/>
-                          </a:solidFill>
-                          <a:latin typeface="Tenorite "/>
-                        </a:defRPr>
-                      </a:lvl5pPr>
-                      <a:lvl6pPr marL="2286000" algn="l" defTabSz="914400" rtl="0" eaLnBrk="1" latinLnBrk="0" hangingPunct="1">
-                        <a:defRPr sz="1800" kern="1200">
-                          <a:solidFill>
-                            <a:schemeClr val="dk1"/>
-                          </a:solidFill>
-                          <a:latin typeface="Tenorite "/>
-                        </a:defRPr>
-                      </a:lvl6pPr>
-                      <a:lvl7pPr marL="2743200" algn="l" defTabSz="914400" rtl="0" eaLnBrk="1" latinLnBrk="0" hangingPunct="1">
-                        <a:defRPr sz="1800" kern="1200">
-                          <a:solidFill>
-                            <a:schemeClr val="dk1"/>
-                          </a:solidFill>
-                          <a:latin typeface="Tenorite "/>
-                        </a:defRPr>
-                      </a:lvl7pPr>
-                      <a:lvl8pPr marL="3200400" algn="l" defTabSz="914400" rtl="0" eaLnBrk="1" latinLnBrk="0" hangingPunct="1">
-                        <a:defRPr sz="1800" kern="1200">
-                          <a:solidFill>
-                            <a:schemeClr val="dk1"/>
-                          </a:solidFill>
-                          <a:latin typeface="Tenorite "/>
-                        </a:defRPr>
-                      </a:lvl8pPr>
-                      <a:lvl9pPr marL="3657600" algn="l" defTabSz="914400" rtl="0" eaLnBrk="1" latinLnBrk="0" hangingPunct="1">
-                        <a:defRPr sz="1800" kern="1200">
-                          <a:solidFill>
-                            <a:schemeClr val="dk1"/>
-                          </a:solidFill>
-                          <a:latin typeface="Tenorite "/>
-                        </a:defRPr>
-                      </a:lvl9pPr>
-                    </a:lstStyle>
-                    <a:p>
-                      <a:pPr algn="ctr"/>
-                      <a:r>
-                        <a:rPr lang="en-US" dirty="0">
-                          <a:latin typeface="+mn-lt"/>
-                        </a:rPr>
-                        <a:t>90</a:t>
-                      </a:r>
-                    </a:p>
-                  </a:txBody>
-                  <a:tcPr anchor="ctr"/>
-                </a:tc>
-                <a:tc>
-                  <a:txBody>
-                    <a:bodyPr/>
-                    <a:lstStyle>
-                      <a:lvl1pPr marL="0" algn="l" defTabSz="914400" rtl="0" eaLnBrk="1" latinLnBrk="0" hangingPunct="1">
-                        <a:defRPr sz="1800" kern="1200">
-                          <a:solidFill>
-                            <a:schemeClr val="dk1"/>
-                          </a:solidFill>
-                          <a:latin typeface="Tenorite "/>
-                        </a:defRPr>
-                      </a:lvl1pPr>
-                      <a:lvl2pPr marL="457200" algn="l" defTabSz="914400" rtl="0" eaLnBrk="1" latinLnBrk="0" hangingPunct="1">
-                        <a:defRPr sz="1800" kern="1200">
-                          <a:solidFill>
-                            <a:schemeClr val="dk1"/>
-                          </a:solidFill>
-                          <a:latin typeface="Tenorite "/>
-                        </a:defRPr>
-                      </a:lvl2pPr>
-                      <a:lvl3pPr marL="914400" algn="l" defTabSz="914400" rtl="0" eaLnBrk="1" latinLnBrk="0" hangingPunct="1">
-                        <a:defRPr sz="1800" kern="1200">
-                          <a:solidFill>
-                            <a:schemeClr val="dk1"/>
-                          </a:solidFill>
-                          <a:latin typeface="Tenorite "/>
-                        </a:defRPr>
-                      </a:lvl3pPr>
-                      <a:lvl4pPr marL="1371600" algn="l" defTabSz="914400" rtl="0" eaLnBrk="1" latinLnBrk="0" hangingPunct="1">
-                        <a:defRPr sz="1800" kern="1200">
-                          <a:solidFill>
-                            <a:schemeClr val="dk1"/>
-                          </a:solidFill>
-                          <a:latin typeface="Tenorite "/>
-                        </a:defRPr>
-                      </a:lvl4pPr>
-                      <a:lvl5pPr marL="1828800" algn="l" defTabSz="914400" rtl="0" eaLnBrk="1" latinLnBrk="0" hangingPunct="1">
-                        <a:defRPr sz="1800" kern="1200">
-                          <a:solidFill>
-                            <a:schemeClr val="dk1"/>
-                          </a:solidFill>
-                          <a:latin typeface="Tenorite "/>
-                        </a:defRPr>
-                      </a:lvl5pPr>
-                      <a:lvl6pPr marL="2286000" algn="l" defTabSz="914400" rtl="0" eaLnBrk="1" latinLnBrk="0" hangingPunct="1">
-                        <a:defRPr sz="1800" kern="1200">
-                          <a:solidFill>
-                            <a:schemeClr val="dk1"/>
-                          </a:solidFill>
-                          <a:latin typeface="Tenorite "/>
-                        </a:defRPr>
-                      </a:lvl6pPr>
-                      <a:lvl7pPr marL="2743200" algn="l" defTabSz="914400" rtl="0" eaLnBrk="1" latinLnBrk="0" hangingPunct="1">
-                        <a:defRPr sz="1800" kern="1200">
-                          <a:solidFill>
-                            <a:schemeClr val="dk1"/>
-                          </a:solidFill>
-                          <a:latin typeface="Tenorite "/>
-                        </a:defRPr>
-                      </a:lvl7pPr>
-                      <a:lvl8pPr marL="3200400" algn="l" defTabSz="914400" rtl="0" eaLnBrk="1" latinLnBrk="0" hangingPunct="1">
-                        <a:defRPr sz="1800" kern="1200">
-                          <a:solidFill>
-                            <a:schemeClr val="dk1"/>
-                          </a:solidFill>
-                          <a:latin typeface="Tenorite "/>
-                        </a:defRPr>
-                      </a:lvl8pPr>
-                      <a:lvl9pPr marL="3657600" algn="l" defTabSz="914400" rtl="0" eaLnBrk="1" latinLnBrk="0" hangingPunct="1">
-                        <a:defRPr sz="1800" kern="1200">
-                          <a:solidFill>
-                            <a:schemeClr val="dk1"/>
-                          </a:solidFill>
-                          <a:latin typeface="Tenorite "/>
-                        </a:defRPr>
-                      </a:lvl9pPr>
-                    </a:lstStyle>
-                    <a:p>
-                      <a:pPr algn="ctr"/>
-                      <a:r>
-                        <a:rPr lang="en-US" dirty="0">
-                          <a:latin typeface="+mn-lt"/>
-                        </a:rPr>
-                        <a:t>95</a:t>
-                      </a:r>
-                    </a:p>
-                  </a:txBody>
-                  <a:tcPr anchor="ctr"/>
-                </a:tc>
-                <a:extLst>
-                  <a:ext uri="{0D108BD9-81ED-4DB2-BD59-A6C34878D82A}">
-                    <a16:rowId xmlns:a16="http://schemas.microsoft.com/office/drawing/2014/main" val="3591840781"/>
-                  </a:ext>
-                </a:extLst>
-              </a:tr>
-              <a:tr h="1064844">
-                <a:tc>
-                  <a:txBody>
-                    <a:bodyPr/>
-                    <a:lstStyle>
-                      <a:lvl1pPr marL="0" algn="l" defTabSz="914400" rtl="0" eaLnBrk="1" latinLnBrk="0" hangingPunct="1">
-                        <a:defRPr sz="1800" kern="1200">
-                          <a:solidFill>
-                            <a:schemeClr val="dk1"/>
-                          </a:solidFill>
-                          <a:latin typeface="Tenorite "/>
-                        </a:defRPr>
-                      </a:lvl1pPr>
-                      <a:lvl2pPr marL="457200" algn="l" defTabSz="914400" rtl="0" eaLnBrk="1" latinLnBrk="0" hangingPunct="1">
-                        <a:defRPr sz="1800" kern="1200">
-                          <a:solidFill>
-                            <a:schemeClr val="dk1"/>
-                          </a:solidFill>
-                          <a:latin typeface="Tenorite "/>
-                        </a:defRPr>
-                      </a:lvl2pPr>
-                      <a:lvl3pPr marL="914400" algn="l" defTabSz="914400" rtl="0" eaLnBrk="1" latinLnBrk="0" hangingPunct="1">
-                        <a:defRPr sz="1800" kern="1200">
-                          <a:solidFill>
-                            <a:schemeClr val="dk1"/>
-                          </a:solidFill>
-                          <a:latin typeface="Tenorite "/>
-                        </a:defRPr>
-                      </a:lvl3pPr>
-                      <a:lvl4pPr marL="1371600" algn="l" defTabSz="914400" rtl="0" eaLnBrk="1" latinLnBrk="0" hangingPunct="1">
-                        <a:defRPr sz="1800" kern="1200">
-                          <a:solidFill>
-                            <a:schemeClr val="dk1"/>
-                          </a:solidFill>
-                          <a:latin typeface="Tenorite "/>
-                        </a:defRPr>
-                      </a:lvl4pPr>
-                      <a:lvl5pPr marL="1828800" algn="l" defTabSz="914400" rtl="0" eaLnBrk="1" latinLnBrk="0" hangingPunct="1">
-                        <a:defRPr sz="1800" kern="1200">
-                          <a:solidFill>
-                            <a:schemeClr val="dk1"/>
-                          </a:solidFill>
-                          <a:latin typeface="Tenorite "/>
-                        </a:defRPr>
-                      </a:lvl5pPr>
-                      <a:lvl6pPr marL="2286000" algn="l" defTabSz="914400" rtl="0" eaLnBrk="1" latinLnBrk="0" hangingPunct="1">
-                        <a:defRPr sz="1800" kern="1200">
-                          <a:solidFill>
-                            <a:schemeClr val="dk1"/>
-                          </a:solidFill>
-                          <a:latin typeface="Tenorite "/>
-                        </a:defRPr>
-                      </a:lvl6pPr>
-                      <a:lvl7pPr marL="2743200" algn="l" defTabSz="914400" rtl="0" eaLnBrk="1" latinLnBrk="0" hangingPunct="1">
-                        <a:defRPr sz="1800" kern="1200">
-                          <a:solidFill>
-                            <a:schemeClr val="dk1"/>
-                          </a:solidFill>
-                          <a:latin typeface="Tenorite "/>
-                        </a:defRPr>
-                      </a:lvl7pPr>
-                      <a:lvl8pPr marL="3200400" algn="l" defTabSz="914400" rtl="0" eaLnBrk="1" latinLnBrk="0" hangingPunct="1">
-                        <a:defRPr sz="1800" kern="1200">
-                          <a:solidFill>
-                            <a:schemeClr val="dk1"/>
-                          </a:solidFill>
-                          <a:latin typeface="Tenorite "/>
-                        </a:defRPr>
-                      </a:lvl8pPr>
-                      <a:lvl9pPr marL="3657600" algn="l" defTabSz="914400" rtl="0" eaLnBrk="1" latinLnBrk="0" hangingPunct="1">
-                        <a:defRPr sz="1800" kern="1200">
-                          <a:solidFill>
-                            <a:schemeClr val="dk1"/>
-                          </a:solidFill>
-                          <a:latin typeface="Tenorite "/>
-                        </a:defRPr>
-                      </a:lvl9pPr>
-                    </a:lstStyle>
-                    <a:p>
-                      <a:pPr algn="ctr"/>
-                      <a:r>
-                        <a:rPr lang="en-US" dirty="0">
-                          <a:latin typeface="+mn-lt"/>
-                        </a:rPr>
-                        <a:t>Rate of information retention</a:t>
-                      </a:r>
-                    </a:p>
-                  </a:txBody>
-                  <a:tcPr anchor="ctr"/>
-                </a:tc>
-                <a:tc>
-                  <a:txBody>
-                    <a:bodyPr/>
-                    <a:lstStyle>
-                      <a:lvl1pPr marL="0" algn="l" defTabSz="914400" rtl="0" eaLnBrk="1" latinLnBrk="0" hangingPunct="1">
-                        <a:defRPr sz="1800" kern="1200">
-                          <a:solidFill>
-                            <a:schemeClr val="dk1"/>
-                          </a:solidFill>
-                          <a:latin typeface="Tenorite "/>
-                        </a:defRPr>
-                      </a:lvl1pPr>
-                      <a:lvl2pPr marL="457200" algn="l" defTabSz="914400" rtl="0" eaLnBrk="1" latinLnBrk="0" hangingPunct="1">
-                        <a:defRPr sz="1800" kern="1200">
-                          <a:solidFill>
-                            <a:schemeClr val="dk1"/>
-                          </a:solidFill>
-                          <a:latin typeface="Tenorite "/>
-                        </a:defRPr>
-                      </a:lvl2pPr>
-                      <a:lvl3pPr marL="914400" algn="l" defTabSz="914400" rtl="0" eaLnBrk="1" latinLnBrk="0" hangingPunct="1">
-                        <a:defRPr sz="1800" kern="1200">
-                          <a:solidFill>
-                            <a:schemeClr val="dk1"/>
-                          </a:solidFill>
-                          <a:latin typeface="Tenorite "/>
-                        </a:defRPr>
-                      </a:lvl3pPr>
-                      <a:lvl4pPr marL="1371600" algn="l" defTabSz="914400" rtl="0" eaLnBrk="1" latinLnBrk="0" hangingPunct="1">
-                        <a:defRPr sz="1800" kern="1200">
-                          <a:solidFill>
-                            <a:schemeClr val="dk1"/>
-                          </a:solidFill>
-                          <a:latin typeface="Tenorite "/>
-                        </a:defRPr>
-                      </a:lvl4pPr>
-                      <a:lvl5pPr marL="1828800" algn="l" defTabSz="914400" rtl="0" eaLnBrk="1" latinLnBrk="0" hangingPunct="1">
-                        <a:defRPr sz="1800" kern="1200">
-                          <a:solidFill>
-                            <a:schemeClr val="dk1"/>
-                          </a:solidFill>
-                          <a:latin typeface="Tenorite "/>
-                        </a:defRPr>
-                      </a:lvl5pPr>
-                      <a:lvl6pPr marL="2286000" algn="l" defTabSz="914400" rtl="0" eaLnBrk="1" latinLnBrk="0" hangingPunct="1">
-                        <a:defRPr sz="1800" kern="1200">
-                          <a:solidFill>
-                            <a:schemeClr val="dk1"/>
-                          </a:solidFill>
-                          <a:latin typeface="Tenorite "/>
-                        </a:defRPr>
-                      </a:lvl6pPr>
-                      <a:lvl7pPr marL="2743200" algn="l" defTabSz="914400" rtl="0" eaLnBrk="1" latinLnBrk="0" hangingPunct="1">
-                        <a:defRPr sz="1800" kern="1200">
-                          <a:solidFill>
-                            <a:schemeClr val="dk1"/>
-                          </a:solidFill>
-                          <a:latin typeface="Tenorite "/>
-                        </a:defRPr>
-                      </a:lvl7pPr>
-                      <a:lvl8pPr marL="3200400" algn="l" defTabSz="914400" rtl="0" eaLnBrk="1" latinLnBrk="0" hangingPunct="1">
-                        <a:defRPr sz="1800" kern="1200">
-                          <a:solidFill>
-                            <a:schemeClr val="dk1"/>
-                          </a:solidFill>
-                          <a:latin typeface="Tenorite "/>
-                        </a:defRPr>
-                      </a:lvl8pPr>
-                      <a:lvl9pPr marL="3657600" algn="l" defTabSz="914400" rtl="0" eaLnBrk="1" latinLnBrk="0" hangingPunct="1">
-                        <a:defRPr sz="1800" kern="1200">
-                          <a:solidFill>
-                            <a:schemeClr val="dk1"/>
-                          </a:solidFill>
-                          <a:latin typeface="Tenorite "/>
-                        </a:defRPr>
-                      </a:lvl9pPr>
-                    </a:lstStyle>
-                    <a:p>
-                      <a:pPr algn="ctr"/>
-                      <a:r>
-                        <a:rPr lang="en-US" dirty="0">
-                          <a:latin typeface="+mn-lt"/>
-                        </a:rPr>
-                        <a:t>Percentage (%)</a:t>
-                      </a:r>
-                    </a:p>
-                  </a:txBody>
-                  <a:tcPr anchor="ctr"/>
-                </a:tc>
-                <a:tc>
-                  <a:txBody>
-                    <a:bodyPr/>
-                    <a:lstStyle>
-                      <a:lvl1pPr marL="0" algn="l" defTabSz="914400" rtl="0" eaLnBrk="1" latinLnBrk="0" hangingPunct="1">
-                        <a:defRPr sz="1800" kern="1200">
-                          <a:solidFill>
-                            <a:schemeClr val="dk1"/>
-                          </a:solidFill>
-                          <a:latin typeface="Tenorite "/>
-                        </a:defRPr>
-                      </a:lvl1pPr>
-                      <a:lvl2pPr marL="457200" algn="l" defTabSz="914400" rtl="0" eaLnBrk="1" latinLnBrk="0" hangingPunct="1">
-                        <a:defRPr sz="1800" kern="1200">
-                          <a:solidFill>
-                            <a:schemeClr val="dk1"/>
-                          </a:solidFill>
-                          <a:latin typeface="Tenorite "/>
-                        </a:defRPr>
-                      </a:lvl2pPr>
-                      <a:lvl3pPr marL="914400" algn="l" defTabSz="914400" rtl="0" eaLnBrk="1" latinLnBrk="0" hangingPunct="1">
-                        <a:defRPr sz="1800" kern="1200">
-                          <a:solidFill>
-                            <a:schemeClr val="dk1"/>
-                          </a:solidFill>
-                          <a:latin typeface="Tenorite "/>
-                        </a:defRPr>
-                      </a:lvl3pPr>
-                      <a:lvl4pPr marL="1371600" algn="l" defTabSz="914400" rtl="0" eaLnBrk="1" latinLnBrk="0" hangingPunct="1">
-                        <a:defRPr sz="1800" kern="1200">
-                          <a:solidFill>
-                            <a:schemeClr val="dk1"/>
-                          </a:solidFill>
-                          <a:latin typeface="Tenorite "/>
-                        </a:defRPr>
-                      </a:lvl4pPr>
-                      <a:lvl5pPr marL="1828800" algn="l" defTabSz="914400" rtl="0" eaLnBrk="1" latinLnBrk="0" hangingPunct="1">
-                        <a:defRPr sz="1800" kern="1200">
-                          <a:solidFill>
-                            <a:schemeClr val="dk1"/>
-                          </a:solidFill>
-                          <a:latin typeface="Tenorite "/>
-                        </a:defRPr>
-                      </a:lvl5pPr>
-                      <a:lvl6pPr marL="2286000" algn="l" defTabSz="914400" rtl="0" eaLnBrk="1" latinLnBrk="0" hangingPunct="1">
-                        <a:defRPr sz="1800" kern="1200">
-                          <a:solidFill>
-                            <a:schemeClr val="dk1"/>
-                          </a:solidFill>
-                          <a:latin typeface="Tenorite "/>
-                        </a:defRPr>
-                      </a:lvl6pPr>
-                      <a:lvl7pPr marL="2743200" algn="l" defTabSz="914400" rtl="0" eaLnBrk="1" latinLnBrk="0" hangingPunct="1">
-                        <a:defRPr sz="1800" kern="1200">
-                          <a:solidFill>
-                            <a:schemeClr val="dk1"/>
-                          </a:solidFill>
-                          <a:latin typeface="Tenorite "/>
-                        </a:defRPr>
-                      </a:lvl7pPr>
-                      <a:lvl8pPr marL="3200400" algn="l" defTabSz="914400" rtl="0" eaLnBrk="1" latinLnBrk="0" hangingPunct="1">
-                        <a:defRPr sz="1800" kern="1200">
-                          <a:solidFill>
-                            <a:schemeClr val="dk1"/>
-                          </a:solidFill>
-                          <a:latin typeface="Tenorite "/>
-                        </a:defRPr>
-                      </a:lvl8pPr>
-                      <a:lvl9pPr marL="3657600" algn="l" defTabSz="914400" rtl="0" eaLnBrk="1" latinLnBrk="0" hangingPunct="1">
-                        <a:defRPr sz="1800" kern="1200">
-                          <a:solidFill>
-                            <a:schemeClr val="dk1"/>
-                          </a:solidFill>
-                          <a:latin typeface="Tenorite "/>
-                        </a:defRPr>
-                      </a:lvl9pPr>
-                    </a:lstStyle>
-                    <a:p>
-                      <a:pPr algn="ctr"/>
-                      <a:r>
-                        <a:rPr lang="en-US" dirty="0">
-                          <a:latin typeface="+mn-lt"/>
-                        </a:rPr>
-                        <a:t>80</a:t>
-                      </a:r>
-                    </a:p>
-                  </a:txBody>
-                  <a:tcPr anchor="ctr"/>
-                </a:tc>
-                <a:tc>
-                  <a:txBody>
-                    <a:bodyPr/>
-                    <a:lstStyle>
-                      <a:lvl1pPr marL="0" algn="l" defTabSz="914400" rtl="0" eaLnBrk="1" latinLnBrk="0" hangingPunct="1">
-                        <a:defRPr sz="1800" kern="1200">
-                          <a:solidFill>
-                            <a:schemeClr val="dk1"/>
-                          </a:solidFill>
-                          <a:latin typeface="Tenorite "/>
-                        </a:defRPr>
-                      </a:lvl1pPr>
-                      <a:lvl2pPr marL="457200" algn="l" defTabSz="914400" rtl="0" eaLnBrk="1" latinLnBrk="0" hangingPunct="1">
-                        <a:defRPr sz="1800" kern="1200">
-                          <a:solidFill>
-                            <a:schemeClr val="dk1"/>
-                          </a:solidFill>
-                          <a:latin typeface="Tenorite "/>
-                        </a:defRPr>
-                      </a:lvl2pPr>
-                      <a:lvl3pPr marL="914400" algn="l" defTabSz="914400" rtl="0" eaLnBrk="1" latinLnBrk="0" hangingPunct="1">
-                        <a:defRPr sz="1800" kern="1200">
-                          <a:solidFill>
-                            <a:schemeClr val="dk1"/>
-                          </a:solidFill>
-                          <a:latin typeface="Tenorite "/>
-                        </a:defRPr>
-                      </a:lvl3pPr>
-                      <a:lvl4pPr marL="1371600" algn="l" defTabSz="914400" rtl="0" eaLnBrk="1" latinLnBrk="0" hangingPunct="1">
-                        <a:defRPr sz="1800" kern="1200">
-                          <a:solidFill>
-                            <a:schemeClr val="dk1"/>
-                          </a:solidFill>
-                          <a:latin typeface="Tenorite "/>
-                        </a:defRPr>
-                      </a:lvl4pPr>
-                      <a:lvl5pPr marL="1828800" algn="l" defTabSz="914400" rtl="0" eaLnBrk="1" latinLnBrk="0" hangingPunct="1">
-                        <a:defRPr sz="1800" kern="1200">
-                          <a:solidFill>
-                            <a:schemeClr val="dk1"/>
-                          </a:solidFill>
-                          <a:latin typeface="Tenorite "/>
-                        </a:defRPr>
-                      </a:lvl5pPr>
-                      <a:lvl6pPr marL="2286000" algn="l" defTabSz="914400" rtl="0" eaLnBrk="1" latinLnBrk="0" hangingPunct="1">
-                        <a:defRPr sz="1800" kern="1200">
-                          <a:solidFill>
-                            <a:schemeClr val="dk1"/>
-                          </a:solidFill>
-                          <a:latin typeface="Tenorite "/>
-                        </a:defRPr>
-                      </a:lvl6pPr>
-                      <a:lvl7pPr marL="2743200" algn="l" defTabSz="914400" rtl="0" eaLnBrk="1" latinLnBrk="0" hangingPunct="1">
-                        <a:defRPr sz="1800" kern="1200">
-                          <a:solidFill>
-                            <a:schemeClr val="dk1"/>
-                          </a:solidFill>
-                          <a:latin typeface="Tenorite "/>
-                        </a:defRPr>
-                      </a:lvl7pPr>
-                      <a:lvl8pPr marL="3200400" algn="l" defTabSz="914400" rtl="0" eaLnBrk="1" latinLnBrk="0" hangingPunct="1">
-                        <a:defRPr sz="1800" kern="1200">
-                          <a:solidFill>
-                            <a:schemeClr val="dk1"/>
-                          </a:solidFill>
-                          <a:latin typeface="Tenorite "/>
-                        </a:defRPr>
-                      </a:lvl8pPr>
-                      <a:lvl9pPr marL="3657600" algn="l" defTabSz="914400" rtl="0" eaLnBrk="1" latinLnBrk="0" hangingPunct="1">
-                        <a:defRPr sz="1800" kern="1200">
-                          <a:solidFill>
-                            <a:schemeClr val="dk1"/>
-                          </a:solidFill>
-                          <a:latin typeface="Tenorite "/>
-                        </a:defRPr>
-                      </a:lvl9pPr>
-                    </a:lstStyle>
-                    <a:p>
-                      <a:pPr algn="ctr"/>
-                      <a:r>
-                        <a:rPr lang="en-US" dirty="0">
-                          <a:latin typeface="+mn-lt"/>
-                        </a:rPr>
-                        <a:t>85</a:t>
-                      </a:r>
-                    </a:p>
-                  </a:txBody>
-                  <a:tcPr anchor="ctr"/>
-                </a:tc>
-                <a:extLst>
-                  <a:ext uri="{0D108BD9-81ED-4DB2-BD59-A6C34878D82A}">
-                    <a16:rowId xmlns:a16="http://schemas.microsoft.com/office/drawing/2014/main" val="335389741"/>
-                  </a:ext>
-                </a:extLst>
-              </a:tr>
-            </a:tbl>
-          </a:graphicData>
-        </a:graphic>
-      </p:graphicFrame>
-    </p:spTree>
-    <p:extLst>
-      <p:ext uri="{BB962C8B-B14F-4D97-AF65-F5344CB8AC3E}">
-        <p14:creationId xmlns:p14="http://schemas.microsoft.com/office/powerpoint/2010/main" val="2170071140"/>
-      </p:ext>
-    </p:extLst>
-  </p:cSld>
-  <p:clrMapOvr>
-    <a:masterClrMapping/>
-  </p:clrMapOvr>
-</p:sld>
-</file>
-
-<file path=ppt/slides/slide13.xml><?xml version="1.0" encoding="utf-8"?>
-<p:sld xmlns:a="http://schemas.openxmlformats.org/drawingml/2006/main" xmlns:r="http://schemas.openxmlformats.org/officeDocument/2006/relationships" xmlns:p="http://schemas.openxmlformats.org/presentationml/2006/main">
-  <p:cSld>
-    <p:spTree>
-      <p:nvGrpSpPr>
-        <p:cNvPr id="1" name=""/>
-        <p:cNvGrpSpPr/>
-        <p:nvPr/>
-      </p:nvGrpSpPr>
-      <p:grpSpPr>
-        <a:xfrm>
-          <a:off x="0" y="0"/>
-          <a:ext cx="0" cy="0"/>
-          <a:chOff x="0" y="0"/>
-          <a:chExt cx="0" cy="0"/>
-        </a:xfrm>
-      </p:grpSpPr>
-      <p:sp>
-        <p:nvSpPr>
-          <p:cNvPr id="2" name="Title 1">
-            <a:extLst>
-              <a:ext uri="{FF2B5EF4-FFF2-40B4-BE49-F238E27FC236}">
-                <a16:creationId xmlns:a16="http://schemas.microsoft.com/office/drawing/2014/main" id="{A2DE810E-8E37-1D8A-245B-020E4E4C0B9F}"/>
-              </a:ext>
-            </a:extLst>
-          </p:cNvPr>
-          <p:cNvSpPr>
-            <a:spLocks noGrp="1"/>
-          </p:cNvSpPr>
-          <p:nvPr>
-            <p:ph type="title"/>
-          </p:nvPr>
-        </p:nvSpPr>
-        <p:spPr>
-          <a:xfrm>
-            <a:off x="733562" y="433906"/>
-            <a:ext cx="10515601" cy="1327464"/>
-          </a:xfrm>
-        </p:spPr>
-        <p:txBody>
-          <a:bodyPr/>
-          <a:lstStyle/>
-          <a:p>
-            <a:r>
-              <a:rPr lang="en-US" dirty="0"/>
-              <a:t>FINAL TIPS &amp; TAKEAWAYS</a:t>
-            </a:r>
-          </a:p>
-        </p:txBody>
-      </p:sp>
-      <p:sp>
-        <p:nvSpPr>
-          <p:cNvPr id="3" name="Content Placeholder 2">
-            <a:extLst>
-              <a:ext uri="{FF2B5EF4-FFF2-40B4-BE49-F238E27FC236}">
-                <a16:creationId xmlns:a16="http://schemas.microsoft.com/office/drawing/2014/main" id="{7D7CECA3-144C-CD4B-9246-81B4F2E65466}"/>
-              </a:ext>
-            </a:extLst>
-          </p:cNvPr>
-          <p:cNvSpPr>
-            <a:spLocks noGrp="1"/>
-          </p:cNvSpPr>
-          <p:nvPr>
-            <p:ph sz="quarter" idx="36"/>
-          </p:nvPr>
-        </p:nvSpPr>
-        <p:spPr>
-          <a:xfrm>
-            <a:off x="814302" y="2465535"/>
-            <a:ext cx="7303538" cy="3427265"/>
-          </a:xfrm>
-        </p:spPr>
-        <p:txBody>
-          <a:bodyPr/>
-          <a:lstStyle/>
-          <a:p>
-            <a:r>
-              <a:rPr lang="en-US" dirty="0"/>
-              <a:t>Consistent rehearsal</a:t>
-            </a:r>
-          </a:p>
-          <a:p>
-            <a:pPr lvl="1"/>
-            <a:r>
-              <a:rPr lang="en-US" dirty="0"/>
-              <a:t>Strengthen your familiarity</a:t>
-            </a:r>
-          </a:p>
-          <a:p>
-            <a:r>
-              <a:rPr lang="en-US" dirty="0"/>
-              <a:t>Refine delivery style</a:t>
-            </a:r>
-          </a:p>
-          <a:p>
-            <a:pPr lvl="1"/>
-            <a:r>
-              <a:rPr lang="en-US" dirty="0"/>
-              <a:t>Pacing, tone, and emphasis</a:t>
-            </a:r>
-          </a:p>
-          <a:p>
-            <a:r>
-              <a:rPr lang="en-US" dirty="0"/>
-              <a:t>Timing and transitions</a:t>
-            </a:r>
-          </a:p>
-          <a:p>
-            <a:pPr lvl="1"/>
-            <a:r>
-              <a:rPr lang="en-US" dirty="0"/>
-              <a:t>Aim for seamless, professional delivery</a:t>
-            </a:r>
-          </a:p>
-          <a:p>
-            <a:r>
-              <a:rPr lang="en-US" dirty="0"/>
-              <a:t>Practice audience</a:t>
-            </a:r>
-          </a:p>
-          <a:p>
-            <a:pPr lvl="1"/>
-            <a:r>
-              <a:rPr lang="en-US" dirty="0"/>
-              <a:t>Enlist colleagues to listen &amp; provide feedback</a:t>
-            </a:r>
-          </a:p>
-        </p:txBody>
-      </p:sp>
-      <p:sp>
-        <p:nvSpPr>
-          <p:cNvPr id="5" name="Content Placeholder 4">
-            <a:extLst>
-              <a:ext uri="{FF2B5EF4-FFF2-40B4-BE49-F238E27FC236}">
-                <a16:creationId xmlns:a16="http://schemas.microsoft.com/office/drawing/2014/main" id="{A33D1544-95D3-8A05-6E1B-C08C307C55D4}"/>
-              </a:ext>
-            </a:extLst>
-          </p:cNvPr>
-          <p:cNvSpPr>
-            <a:spLocks noGrp="1"/>
-          </p:cNvSpPr>
-          <p:nvPr>
-            <p:ph sz="quarter" idx="37"/>
-          </p:nvPr>
-        </p:nvSpPr>
-        <p:spPr>
-          <a:xfrm>
-            <a:off x="8392160" y="2465388"/>
-            <a:ext cx="2856865" cy="3427412"/>
-          </a:xfrm>
-        </p:spPr>
-        <p:txBody>
-          <a:bodyPr/>
-          <a:lstStyle/>
-          <a:p>
-            <a:r>
-              <a:rPr lang="en-US" dirty="0"/>
-              <a:t>Seek feedback</a:t>
-            </a:r>
-          </a:p>
-          <a:p>
-            <a:r>
-              <a:rPr lang="en-US" dirty="0"/>
-              <a:t>Reflect on performance</a:t>
-            </a:r>
-          </a:p>
-          <a:p>
-            <a:r>
-              <a:rPr lang="en-US" dirty="0"/>
-              <a:t>Explore new techniques</a:t>
-            </a:r>
-          </a:p>
-          <a:p>
-            <a:r>
-              <a:rPr lang="en-US" dirty="0"/>
-              <a:t>Set personal goals</a:t>
-            </a:r>
-          </a:p>
-          <a:p>
-            <a:r>
-              <a:rPr lang="en-US" dirty="0"/>
-              <a:t>Iterate and adapt</a:t>
-            </a:r>
-          </a:p>
-        </p:txBody>
-      </p:sp>
-      <p:sp>
-        <p:nvSpPr>
-          <p:cNvPr id="4" name="Slide Number Placeholder 3">
-            <a:extLst>
-              <a:ext uri="{FF2B5EF4-FFF2-40B4-BE49-F238E27FC236}">
-                <a16:creationId xmlns:a16="http://schemas.microsoft.com/office/drawing/2014/main" id="{FD1E69EA-A9E8-C521-7C62-DA1F24879918}"/>
-              </a:ext>
-            </a:extLst>
-          </p:cNvPr>
-          <p:cNvSpPr>
-            <a:spLocks noGrp="1"/>
-          </p:cNvSpPr>
-          <p:nvPr>
-            <p:ph type="sldNum" sz="quarter" idx="12"/>
-          </p:nvPr>
-        </p:nvSpPr>
-        <p:spPr>
-          <a:xfrm>
-            <a:off x="9140971" y="6226198"/>
-            <a:ext cx="2743200" cy="365125"/>
-          </a:xfrm>
-        </p:spPr>
-        <p:txBody>
-          <a:bodyPr/>
-          <a:lstStyle/>
-          <a:p>
-            <a:fld id="{FE024F78-56A6-7740-B68D-8D4D026EDF3F}" type="slidenum">
-              <a:rPr lang="en-US" smtClean="0"/>
-              <a:pPr/>
-              <a:t>13</a:t>
-            </a:fld>
-            <a:endParaRPr lang="en-US" dirty="0"/>
-          </a:p>
-        </p:txBody>
-      </p:sp>
-    </p:spTree>
-    <p:extLst>
-      <p:ext uri="{BB962C8B-B14F-4D97-AF65-F5344CB8AC3E}">
-        <p14:creationId xmlns:p14="http://schemas.microsoft.com/office/powerpoint/2010/main" val="79695288"/>
-      </p:ext>
-    </p:extLst>
-  </p:cSld>
-  <p:clrMapOvr>
-    <a:masterClrMapping/>
-  </p:clrMapOvr>
-</p:sld>
-</file>
-
-<file path=ppt/slides/slide14.xml><?xml version="1.0" encoding="utf-8"?>
-<p:sld xmlns:a="http://schemas.openxmlformats.org/drawingml/2006/main" xmlns:r="http://schemas.openxmlformats.org/officeDocument/2006/relationships" xmlns:p="http://schemas.openxmlformats.org/presentationml/2006/main">
-  <p:cSld>
-    <p:spTree>
-      <p:nvGrpSpPr>
-        <p:cNvPr id="1" name=""/>
-        <p:cNvGrpSpPr/>
-        <p:nvPr/>
-      </p:nvGrpSpPr>
-      <p:grpSpPr>
-        <a:xfrm>
-          <a:off x="0" y="0"/>
-          <a:ext cx="0" cy="0"/>
-          <a:chOff x="0" y="0"/>
-          <a:chExt cx="0" cy="0"/>
-        </a:xfrm>
-      </p:grpSpPr>
-      <p:sp>
-        <p:nvSpPr>
-          <p:cNvPr id="3" name="Title 2">
-            <a:extLst>
-              <a:ext uri="{FF2B5EF4-FFF2-40B4-BE49-F238E27FC236}">
-                <a16:creationId xmlns:a16="http://schemas.microsoft.com/office/drawing/2014/main" id="{EEF125C3-99F8-5ABF-1328-0370F112121B}"/>
-              </a:ext>
-            </a:extLst>
-          </p:cNvPr>
-          <p:cNvSpPr>
-            <a:spLocks noGrp="1"/>
-          </p:cNvSpPr>
-          <p:nvPr>
-            <p:ph type="title"/>
-          </p:nvPr>
-        </p:nvSpPr>
-        <p:spPr>
-          <a:xfrm>
-            <a:off x="835370" y="643842"/>
-            <a:ext cx="10515601" cy="1140849"/>
-          </a:xfrm>
-        </p:spPr>
-        <p:txBody>
-          <a:bodyPr/>
-          <a:lstStyle/>
-          <a:p>
-            <a:r>
-              <a:rPr lang="en-US" dirty="0"/>
-              <a:t>SPEAKING ENGAGEMENT METRICS</a:t>
-            </a:r>
-          </a:p>
-        </p:txBody>
-      </p:sp>
-      <p:graphicFrame>
-        <p:nvGraphicFramePr>
-          <p:cNvPr id="5" name="Table Placeholder 2">
-            <a:extLst>
-              <a:ext uri="{FF2B5EF4-FFF2-40B4-BE49-F238E27FC236}">
-                <a16:creationId xmlns:a16="http://schemas.microsoft.com/office/drawing/2014/main" id="{8EEA5630-8504-C8C7-2F0C-EE6D53FDDCC5}"/>
-              </a:ext>
-            </a:extLst>
-          </p:cNvPr>
-          <p:cNvGraphicFramePr>
-            <a:graphicFrameLocks noGrp="1"/>
-          </p:cNvGraphicFramePr>
-          <p:nvPr>
-            <p:ph type="tbl" sz="quarter" idx="13"/>
-            <p:extLst>
-              <p:ext uri="{D42A27DB-BD31-4B8C-83A1-F6EECF244321}">
-                <p14:modId xmlns:p14="http://schemas.microsoft.com/office/powerpoint/2010/main" val="3050753078"/>
-              </p:ext>
-            </p:extLst>
-          </p:nvPr>
-        </p:nvGraphicFramePr>
-        <p:xfrm>
-          <a:off x="835025" y="2560638"/>
-          <a:ext cx="10515601" cy="3477156"/>
-        </p:xfrm>
-        <a:graphic>
-          <a:graphicData uri="http://schemas.openxmlformats.org/drawingml/2006/table">
-            <a:tbl>
-              <a:tblPr firstRow="1" bandRow="1">
-                <a:tableStyleId>{10A1B5D5-9B99-4C35-A422-299274C87663}</a:tableStyleId>
-              </a:tblPr>
-              <a:tblGrid>
-                <a:gridCol w="3433998">
-                  <a:extLst>
-                    <a:ext uri="{9D8B030D-6E8A-4147-A177-3AD203B41FA5}">
-                      <a16:colId xmlns:a16="http://schemas.microsoft.com/office/drawing/2014/main" val="127040821"/>
-                    </a:ext>
-                  </a:extLst>
-                </a:gridCol>
-                <a:gridCol w="2450892">
-                  <a:extLst>
-                    <a:ext uri="{9D8B030D-6E8A-4147-A177-3AD203B41FA5}">
-                      <a16:colId xmlns:a16="http://schemas.microsoft.com/office/drawing/2014/main" val="149845700"/>
-                    </a:ext>
-                  </a:extLst>
-                </a:gridCol>
-                <a:gridCol w="2375942">
-                  <a:extLst>
-                    <a:ext uri="{9D8B030D-6E8A-4147-A177-3AD203B41FA5}">
-                      <a16:colId xmlns:a16="http://schemas.microsoft.com/office/drawing/2014/main" val="3119692462"/>
-                    </a:ext>
-                  </a:extLst>
-                </a:gridCol>
-                <a:gridCol w="2254769">
-                  <a:extLst>
-                    <a:ext uri="{9D8B030D-6E8A-4147-A177-3AD203B41FA5}">
-                      <a16:colId xmlns:a16="http://schemas.microsoft.com/office/drawing/2014/main" val="3472639139"/>
-                    </a:ext>
-                  </a:extLst>
-                </a:gridCol>
-              </a:tblGrid>
-              <a:tr h="579526">
-                <a:tc>
-                  <a:txBody>
-                    <a:bodyPr/>
-                    <a:lstStyle/>
-                    <a:p>
-                      <a:pPr algn="ctr"/>
-                      <a:r>
-                        <a:rPr lang="en-US" dirty="0"/>
-                        <a:t>IMPACT FACTOR</a:t>
-                      </a:r>
-                      <a:endParaRPr lang="en-US" b="0" dirty="0"/>
-                    </a:p>
-                  </a:txBody>
-                  <a:tcPr anchor="ctr"/>
-                </a:tc>
-                <a:tc>
-                  <a:txBody>
-                    <a:bodyPr/>
-                    <a:lstStyle/>
-                    <a:p>
-                      <a:pPr algn="ctr"/>
-                      <a:r>
-                        <a:rPr lang="en-US" dirty="0"/>
-                        <a:t>MEASUREMENT</a:t>
-                      </a:r>
-                      <a:endParaRPr lang="en-US" b="0" dirty="0"/>
-                    </a:p>
-                  </a:txBody>
-                  <a:tcPr anchor="ctr"/>
-                </a:tc>
-                <a:tc>
-                  <a:txBody>
-                    <a:bodyPr/>
-                    <a:lstStyle/>
-                    <a:p>
-                      <a:pPr algn="ctr"/>
-                      <a:r>
-                        <a:rPr lang="en-US" dirty="0"/>
-                        <a:t>TARGET</a:t>
-                      </a:r>
-                      <a:endParaRPr lang="en-US" b="0" dirty="0"/>
-                    </a:p>
-                  </a:txBody>
-                  <a:tcPr anchor="ctr"/>
-                </a:tc>
-                <a:tc>
-                  <a:txBody>
-                    <a:bodyPr/>
-                    <a:lstStyle/>
-                    <a:p>
-                      <a:pPr algn="ctr"/>
-                      <a:r>
-                        <a:rPr lang="en-US" dirty="0"/>
-                        <a:t>ACHIEVED</a:t>
-                      </a:r>
-                      <a:endParaRPr lang="en-US" b="0" dirty="0"/>
-                    </a:p>
-                  </a:txBody>
-                  <a:tcPr anchor="ctr"/>
-                </a:tc>
-                <a:extLst>
-                  <a:ext uri="{0D108BD9-81ED-4DB2-BD59-A6C34878D82A}">
-                    <a16:rowId xmlns:a16="http://schemas.microsoft.com/office/drawing/2014/main" val="3298013591"/>
-                  </a:ext>
-                </a:extLst>
-              </a:tr>
-              <a:tr h="579526">
-                <a:tc>
-                  <a:txBody>
-                    <a:bodyPr/>
-                    <a:lstStyle/>
-                    <a:p>
-                      <a:pPr algn="ctr"/>
-                      <a:r>
-                        <a:rPr lang="en-US" dirty="0"/>
-                        <a:t>Audience interaction</a:t>
-                      </a:r>
-                    </a:p>
-                  </a:txBody>
-                  <a:tcPr anchor="ctr"/>
-                </a:tc>
-                <a:tc>
-                  <a:txBody>
-                    <a:bodyPr/>
-                    <a:lstStyle/>
-                    <a:p>
-                      <a:pPr algn="ctr"/>
-                      <a:r>
-                        <a:rPr lang="en-US" dirty="0"/>
-                        <a:t>Percentage (%)</a:t>
-                      </a:r>
-                    </a:p>
-                  </a:txBody>
-                  <a:tcPr anchor="ctr"/>
-                </a:tc>
-                <a:tc>
-                  <a:txBody>
-                    <a:bodyPr/>
-                    <a:lstStyle/>
-                    <a:p>
-                      <a:pPr algn="ctr"/>
-                      <a:r>
-                        <a:rPr lang="en-US" dirty="0"/>
-                        <a:t>85</a:t>
-                      </a:r>
-                    </a:p>
-                  </a:txBody>
-                  <a:tcPr anchor="ctr"/>
-                </a:tc>
-                <a:tc>
-                  <a:txBody>
-                    <a:bodyPr/>
-                    <a:lstStyle/>
-                    <a:p>
-                      <a:pPr algn="ctr"/>
-                      <a:r>
-                        <a:rPr lang="en-US" dirty="0"/>
-                        <a:t>88</a:t>
-                      </a:r>
-                    </a:p>
-                  </a:txBody>
-                  <a:tcPr anchor="ctr"/>
-                </a:tc>
-                <a:extLst>
-                  <a:ext uri="{0D108BD9-81ED-4DB2-BD59-A6C34878D82A}">
-                    <a16:rowId xmlns:a16="http://schemas.microsoft.com/office/drawing/2014/main" val="3873867931"/>
-                  </a:ext>
-                </a:extLst>
-              </a:tr>
-              <a:tr h="579526">
-                <a:tc>
-                  <a:txBody>
-                    <a:bodyPr/>
-                    <a:lstStyle/>
-                    <a:p>
-                      <a:pPr algn="ctr"/>
-                      <a:r>
-                        <a:rPr lang="en-US" dirty="0"/>
-                        <a:t>Knowledge retention</a:t>
-                      </a:r>
-                    </a:p>
-                  </a:txBody>
-                  <a:tcPr anchor="ctr"/>
-                </a:tc>
-                <a:tc>
-                  <a:txBody>
-                    <a:bodyPr/>
-                    <a:lstStyle/>
-                    <a:p>
-                      <a:pPr algn="ctr"/>
-                      <a:r>
-                        <a:rPr lang="en-US" dirty="0"/>
-                        <a:t>Percentage (%)</a:t>
-                      </a:r>
-                    </a:p>
-                  </a:txBody>
-                  <a:tcPr anchor="ctr"/>
-                </a:tc>
-                <a:tc>
-                  <a:txBody>
-                    <a:bodyPr/>
-                    <a:lstStyle/>
-                    <a:p>
-                      <a:pPr algn="ctr"/>
-                      <a:r>
-                        <a:rPr lang="en-US" dirty="0"/>
-                        <a:t>75</a:t>
-                      </a:r>
-                    </a:p>
-                  </a:txBody>
-                  <a:tcPr anchor="ctr"/>
-                </a:tc>
-                <a:tc>
-                  <a:txBody>
-                    <a:bodyPr/>
-                    <a:lstStyle/>
-                    <a:p>
-                      <a:pPr algn="ctr"/>
-                      <a:r>
-                        <a:rPr lang="en-US" dirty="0"/>
-                        <a:t>80</a:t>
-                      </a:r>
-                    </a:p>
-                  </a:txBody>
-                  <a:tcPr anchor="ctr"/>
-                </a:tc>
-                <a:extLst>
-                  <a:ext uri="{0D108BD9-81ED-4DB2-BD59-A6C34878D82A}">
-                    <a16:rowId xmlns:a16="http://schemas.microsoft.com/office/drawing/2014/main" val="85209771"/>
-                  </a:ext>
-                </a:extLst>
-              </a:tr>
-              <a:tr h="579526">
-                <a:tc>
-                  <a:txBody>
-                    <a:bodyPr/>
-                    <a:lstStyle/>
-                    <a:p>
-                      <a:pPr algn="ctr"/>
-                      <a:r>
-                        <a:rPr lang="en-US" dirty="0"/>
-                        <a:t>Post-presentation surveys</a:t>
-                      </a:r>
-                    </a:p>
-                  </a:txBody>
-                  <a:tcPr anchor="ctr"/>
-                </a:tc>
-                <a:tc>
-                  <a:txBody>
-                    <a:bodyPr/>
-                    <a:lstStyle/>
-                    <a:p>
-                      <a:pPr algn="ctr"/>
-                      <a:r>
-                        <a:rPr lang="en-US" dirty="0"/>
-                        <a:t>Average rating</a:t>
-                      </a:r>
-                    </a:p>
-                  </a:txBody>
-                  <a:tcPr anchor="ctr"/>
-                </a:tc>
-                <a:tc>
-                  <a:txBody>
-                    <a:bodyPr/>
-                    <a:lstStyle/>
-                    <a:p>
-                      <a:pPr algn="ctr"/>
-                      <a:r>
-                        <a:rPr lang="en-US" dirty="0"/>
-                        <a:t>4.2</a:t>
-                      </a:r>
-                    </a:p>
-                  </a:txBody>
-                  <a:tcPr anchor="ctr"/>
-                </a:tc>
-                <a:tc>
-                  <a:txBody>
-                    <a:bodyPr/>
-                    <a:lstStyle/>
-                    <a:p>
-                      <a:pPr algn="ctr"/>
-                      <a:r>
-                        <a:rPr lang="en-US" dirty="0"/>
-                        <a:t>4.5</a:t>
-                      </a:r>
-                    </a:p>
-                  </a:txBody>
-                  <a:tcPr anchor="ctr"/>
-                </a:tc>
-                <a:extLst>
-                  <a:ext uri="{0D108BD9-81ED-4DB2-BD59-A6C34878D82A}">
-                    <a16:rowId xmlns:a16="http://schemas.microsoft.com/office/drawing/2014/main" val="4061031278"/>
-                  </a:ext>
-                </a:extLst>
-              </a:tr>
-              <a:tr h="579526">
-                <a:tc>
-                  <a:txBody>
-                    <a:bodyPr/>
-                    <a:lstStyle/>
-                    <a:p>
-                      <a:pPr algn="ctr"/>
-                      <a:r>
-                        <a:rPr lang="en-US" dirty="0"/>
-                        <a:t>Referral rate</a:t>
-                      </a:r>
-                    </a:p>
-                  </a:txBody>
-                  <a:tcPr anchor="ctr"/>
-                </a:tc>
-                <a:tc>
-                  <a:txBody>
-                    <a:bodyPr/>
-                    <a:lstStyle/>
-                    <a:p>
-                      <a:pPr algn="ctr"/>
-                      <a:r>
-                        <a:rPr lang="en-US" dirty="0"/>
-                        <a:t>Percentage (%)</a:t>
-                      </a:r>
-                    </a:p>
-                  </a:txBody>
-                  <a:tcPr anchor="ctr"/>
-                </a:tc>
-                <a:tc>
-                  <a:txBody>
-                    <a:bodyPr/>
-                    <a:lstStyle/>
-                    <a:p>
-                      <a:pPr algn="ctr"/>
-                      <a:r>
-                        <a:rPr lang="en-US" dirty="0"/>
-                        <a:t>10</a:t>
-                      </a:r>
-                    </a:p>
-                  </a:txBody>
-                  <a:tcPr anchor="ctr"/>
-                </a:tc>
-                <a:tc>
-                  <a:txBody>
-                    <a:bodyPr/>
-                    <a:lstStyle/>
-                    <a:p>
-                      <a:pPr algn="ctr"/>
-                      <a:r>
-                        <a:rPr lang="en-US" dirty="0"/>
-                        <a:t>12</a:t>
-                      </a:r>
-                    </a:p>
-                  </a:txBody>
-                  <a:tcPr anchor="ctr"/>
-                </a:tc>
-                <a:extLst>
-                  <a:ext uri="{0D108BD9-81ED-4DB2-BD59-A6C34878D82A}">
-                    <a16:rowId xmlns:a16="http://schemas.microsoft.com/office/drawing/2014/main" val="3591840781"/>
-                  </a:ext>
-                </a:extLst>
-              </a:tr>
-              <a:tr h="579526">
-                <a:tc>
-                  <a:txBody>
-                    <a:bodyPr/>
-                    <a:lstStyle/>
-                    <a:p>
-                      <a:pPr algn="ctr"/>
-                      <a:r>
-                        <a:rPr lang="en-US" dirty="0"/>
-                        <a:t>Collaboration opportunities</a:t>
-                      </a:r>
-                    </a:p>
-                  </a:txBody>
-                  <a:tcPr anchor="ctr"/>
-                </a:tc>
-                <a:tc>
-                  <a:txBody>
-                    <a:bodyPr/>
-                    <a:lstStyle/>
-                    <a:p>
-                      <a:pPr algn="ctr"/>
-                      <a:r>
-                        <a:rPr lang="en-US" dirty="0"/>
-                        <a:t># of opportunities</a:t>
-                      </a:r>
-                    </a:p>
-                  </a:txBody>
-                  <a:tcPr anchor="ctr"/>
-                </a:tc>
-                <a:tc>
-                  <a:txBody>
-                    <a:bodyPr/>
-                    <a:lstStyle/>
-                    <a:p>
-                      <a:pPr algn="ctr"/>
-                      <a:r>
-                        <a:rPr lang="en-US" dirty="0"/>
-                        <a:t>8</a:t>
-                      </a:r>
-                    </a:p>
-                  </a:txBody>
-                  <a:tcPr anchor="ctr"/>
-                </a:tc>
-                <a:tc>
-                  <a:txBody>
-                    <a:bodyPr/>
-                    <a:lstStyle/>
-                    <a:p>
-                      <a:pPr algn="ctr"/>
-                      <a:r>
-                        <a:rPr lang="en-US" dirty="0"/>
-                        <a:t>10</a:t>
-                      </a:r>
-                    </a:p>
-                  </a:txBody>
-                  <a:tcPr anchor="ctr"/>
-                </a:tc>
-                <a:extLst>
-                  <a:ext uri="{0D108BD9-81ED-4DB2-BD59-A6C34878D82A}">
-                    <a16:rowId xmlns:a16="http://schemas.microsoft.com/office/drawing/2014/main" val="335389741"/>
-                  </a:ext>
-                </a:extLst>
-              </a:tr>
-            </a:tbl>
-          </a:graphicData>
-        </a:graphic>
-      </p:graphicFrame>
-      <p:sp>
-        <p:nvSpPr>
-          <p:cNvPr id="4" name="Slide Number Placeholder 3">
-            <a:extLst>
-              <a:ext uri="{FF2B5EF4-FFF2-40B4-BE49-F238E27FC236}">
-                <a16:creationId xmlns:a16="http://schemas.microsoft.com/office/drawing/2014/main" id="{48EA189C-8A41-5C63-2470-06541519CBCD}"/>
-              </a:ext>
-            </a:extLst>
-          </p:cNvPr>
-          <p:cNvSpPr>
-            <a:spLocks noGrp="1"/>
-          </p:cNvSpPr>
-          <p:nvPr>
-            <p:ph type="sldNum" sz="quarter" idx="12"/>
-          </p:nvPr>
-        </p:nvSpPr>
-        <p:spPr>
-          <a:xfrm>
-            <a:off x="9140971" y="6226198"/>
-            <a:ext cx="2743200" cy="365125"/>
-          </a:xfrm>
-        </p:spPr>
-        <p:txBody>
-          <a:bodyPr/>
-          <a:lstStyle/>
-          <a:p>
-            <a:fld id="{FE024F78-56A6-7740-B68D-8D4D026EDF3F}" type="slidenum">
-              <a:rPr lang="en-US" smtClean="0"/>
-              <a:pPr/>
-              <a:t>14</a:t>
-            </a:fld>
-            <a:endParaRPr lang="en-US" dirty="0"/>
-          </a:p>
-        </p:txBody>
-      </p:sp>
-    </p:spTree>
-    <p:extLst>
-      <p:ext uri="{BB962C8B-B14F-4D97-AF65-F5344CB8AC3E}">
-        <p14:creationId xmlns:p14="http://schemas.microsoft.com/office/powerpoint/2010/main" val="3304068007"/>
-      </p:ext>
-    </p:extLst>
-  </p:cSld>
-  <p:clrMapOvr>
-    <a:masterClrMapping/>
-  </p:clrMapOvr>
-</p:sld>
-</file>
-
-<file path=ppt/slides/slide15.xml><?xml version="1.0" encoding="utf-8"?>
-<p:sld xmlns:a="http://schemas.openxmlformats.org/drawingml/2006/main" xmlns:r="http://schemas.openxmlformats.org/officeDocument/2006/relationships" xmlns:p="http://schemas.openxmlformats.org/presentationml/2006/main">
-  <p:cSld>
-    <p:bg>
-      <p:bgPr>
-        <a:gradFill>
-          <a:gsLst>
-            <a:gs pos="78000">
-              <a:schemeClr val="accent6">
-                <a:lumMod val="50000"/>
-              </a:schemeClr>
-            </a:gs>
-            <a:gs pos="35040">
-              <a:srgbClr val="020B11"/>
-            </a:gs>
-            <a:gs pos="11979">
-              <a:schemeClr val="accent4">
-                <a:lumMod val="50000"/>
-              </a:schemeClr>
-            </a:gs>
-            <a:gs pos="0">
-              <a:schemeClr val="accent4"/>
-            </a:gs>
-            <a:gs pos="99000">
-              <a:schemeClr val="tx2">
-                <a:lumMod val="50000"/>
-              </a:schemeClr>
-            </a:gs>
-          </a:gsLst>
-          <a:lin ang="7800000" scaled="0"/>
-        </a:gradFill>
-        <a:effectLst/>
-      </p:bgPr>
-    </p:bg>
-    <p:spTree>
-      <p:nvGrpSpPr>
-        <p:cNvPr id="1" name=""/>
-        <p:cNvGrpSpPr/>
-        <p:nvPr/>
-      </p:nvGrpSpPr>
-      <p:grpSpPr>
-        <a:xfrm>
-          <a:off x="0" y="0"/>
-          <a:ext cx="0" cy="0"/>
-          <a:chOff x="0" y="0"/>
-          <a:chExt cx="0" cy="0"/>
-        </a:xfrm>
-      </p:grpSpPr>
-      <p:sp>
-        <p:nvSpPr>
-          <p:cNvPr id="24" name="Title 1">
-            <a:extLst>
-              <a:ext uri="{FF2B5EF4-FFF2-40B4-BE49-F238E27FC236}">
-                <a16:creationId xmlns:a16="http://schemas.microsoft.com/office/drawing/2014/main" id="{CE1ABEC8-43FD-4F21-A7D2-70200D86263C}"/>
-              </a:ext>
-            </a:extLst>
-          </p:cNvPr>
-          <p:cNvSpPr>
-            <a:spLocks noGrp="1"/>
-          </p:cNvSpPr>
-          <p:nvPr>
-            <p:ph type="title"/>
-          </p:nvPr>
-        </p:nvSpPr>
-        <p:spPr>
-          <a:xfrm>
-            <a:off x="835831" y="173735"/>
-            <a:ext cx="4409514" cy="2203704"/>
-          </a:xfrm>
-        </p:spPr>
-        <p:txBody>
-          <a:bodyPr/>
-          <a:lstStyle/>
-          <a:p>
-            <a:r>
-              <a:rPr lang="en-US" dirty="0"/>
-              <a:t>THANK YOU</a:t>
-            </a:r>
-          </a:p>
-        </p:txBody>
-      </p:sp>
-      <p:sp>
-        <p:nvSpPr>
-          <p:cNvPr id="14" name="Text Placeholder 2">
-            <a:extLst>
-              <a:ext uri="{FF2B5EF4-FFF2-40B4-BE49-F238E27FC236}">
-                <a16:creationId xmlns:a16="http://schemas.microsoft.com/office/drawing/2014/main" id="{AE5F2E56-9F77-E1C2-EC04-EA959822CA61}"/>
-              </a:ext>
-            </a:extLst>
-          </p:cNvPr>
-          <p:cNvSpPr>
-            <a:spLocks noGrp="1"/>
-          </p:cNvSpPr>
-          <p:nvPr>
-            <p:ph sz="quarter" idx="14"/>
-          </p:nvPr>
-        </p:nvSpPr>
-        <p:spPr>
-          <a:xfrm>
-            <a:off x="831850" y="3079119"/>
-            <a:ext cx="4413250" cy="2752725"/>
-          </a:xfrm>
-        </p:spPr>
-        <p:txBody>
-          <a:bodyPr/>
-          <a:lstStyle/>
-          <a:p>
-            <a:r>
-              <a:rPr lang="en-US" dirty="0"/>
-              <a:t>Mirjam Nilsson​</a:t>
-            </a:r>
-          </a:p>
-          <a:p>
-            <a:r>
-              <a:rPr lang="en-US" dirty="0"/>
-              <a:t>206-555-0146</a:t>
-            </a:r>
-          </a:p>
-          <a:p>
-            <a:r>
-              <a:rPr lang="en-US" dirty="0"/>
-              <a:t>mirjam@contoso.com</a:t>
-            </a:r>
-          </a:p>
-          <a:p>
-            <a:r>
-              <a:rPr lang="en-US" dirty="0"/>
-              <a:t>www.contoso.com</a:t>
-            </a:r>
-          </a:p>
-        </p:txBody>
-      </p:sp>
-    </p:spTree>
-    <p:extLst>
-      <p:ext uri="{BB962C8B-B14F-4D97-AF65-F5344CB8AC3E}">
-        <p14:creationId xmlns:p14="http://schemas.microsoft.com/office/powerpoint/2010/main" val="2395464980"/>
-      </p:ext>
-    </p:extLst>
-  </p:cSld>
-  <p:clrMapOvr>
-    <a:masterClrMapping/>
-  </p:clrMapOvr>
-</p:sld>
-</file>
-
 <file path=ppt/slides/slide2.xml><?xml version="1.0" encoding="utf-8"?>
 <p:sld xmlns:a="http://schemas.openxmlformats.org/drawingml/2006/main" xmlns:r="http://schemas.openxmlformats.org/officeDocument/2006/relationships" xmlns:p="http://schemas.openxmlformats.org/presentationml/2006/main">
   <p:cSld>
@@ -14794,1097 +9887,6 @@
     <p:extLst>
       <p:ext uri="{BB962C8B-B14F-4D97-AF65-F5344CB8AC3E}">
         <p14:creationId xmlns:p14="http://schemas.microsoft.com/office/powerpoint/2010/main" val="3788230501"/>
-      </p:ext>
-    </p:extLst>
-  </p:cSld>
-  <p:clrMapOvr>
-    <a:masterClrMapping/>
-  </p:clrMapOvr>
-</p:sld>
-</file>
-
-<file path=ppt/slides/slide3.xml><?xml version="1.0" encoding="utf-8"?>
-<p:sld xmlns:a="http://schemas.openxmlformats.org/drawingml/2006/main" xmlns:r="http://schemas.openxmlformats.org/officeDocument/2006/relationships" xmlns:p="http://schemas.openxmlformats.org/presentationml/2006/main">
-  <p:cSld>
-    <p:spTree>
-      <p:nvGrpSpPr>
-        <p:cNvPr id="1" name="">
-          <a:extLst>
-            <a:ext uri="{FF2B5EF4-FFF2-40B4-BE49-F238E27FC236}">
-              <a16:creationId xmlns:a16="http://schemas.microsoft.com/office/drawing/2014/main" id="{B6ECA4CE-81EB-799C-0981-3093794F0162}"/>
-            </a:ext>
-          </a:extLst>
-        </p:cNvPr>
-        <p:cNvGrpSpPr/>
-        <p:nvPr/>
-      </p:nvGrpSpPr>
-      <p:grpSpPr>
-        <a:xfrm>
-          <a:off x="0" y="0"/>
-          <a:ext cx="0" cy="0"/>
-          <a:chOff x="0" y="0"/>
-          <a:chExt cx="0" cy="0"/>
-        </a:xfrm>
-      </p:grpSpPr>
-      <p:sp>
-        <p:nvSpPr>
-          <p:cNvPr id="12" name="Title 1">
-            <a:extLst>
-              <a:ext uri="{FF2B5EF4-FFF2-40B4-BE49-F238E27FC236}">
-                <a16:creationId xmlns:a16="http://schemas.microsoft.com/office/drawing/2014/main" id="{59F82FB3-9128-684A-EBE7-9DEFB0474286}"/>
-              </a:ext>
-            </a:extLst>
-          </p:cNvPr>
-          <p:cNvSpPr>
-            <a:spLocks noGrp="1"/>
-          </p:cNvSpPr>
-          <p:nvPr>
-            <p:ph type="title"/>
-          </p:nvPr>
-        </p:nvSpPr>
-        <p:spPr>
-          <a:xfrm>
-            <a:off x="0" y="304799"/>
-            <a:ext cx="12191998" cy="3215641"/>
-          </a:xfrm>
-        </p:spPr>
-        <p:txBody>
-          <a:bodyPr anchor="b"/>
-          <a:lstStyle/>
-          <a:p>
-            <a:r>
-              <a:rPr lang="en-US" dirty="0"/>
-              <a:t>BASIC</a:t>
-            </a:r>
-          </a:p>
-        </p:txBody>
-      </p:sp>
-      <p:sp>
-        <p:nvSpPr>
-          <p:cNvPr id="9" name="Subtitle 3">
-            <a:extLst>
-              <a:ext uri="{FF2B5EF4-FFF2-40B4-BE49-F238E27FC236}">
-                <a16:creationId xmlns:a16="http://schemas.microsoft.com/office/drawing/2014/main" id="{4E72A84D-A39B-5B15-E5AD-9892DEF02D7F}"/>
-              </a:ext>
-            </a:extLst>
-          </p:cNvPr>
-          <p:cNvSpPr>
-            <a:spLocks noGrp="1"/>
-          </p:cNvSpPr>
-          <p:nvPr>
-            <p:ph type="subTitle" idx="1"/>
-          </p:nvPr>
-        </p:nvSpPr>
-        <p:spPr>
-          <a:xfrm>
-            <a:off x="3" y="3670628"/>
-            <a:ext cx="12191997" cy="2577772"/>
-          </a:xfrm>
-        </p:spPr>
-        <p:txBody>
-          <a:bodyPr/>
-          <a:lstStyle/>
-          <a:p>
-            <a:r>
-              <a:rPr lang="en-US" dirty="0"/>
-              <a:t>PRESENTATION</a:t>
-            </a:r>
-          </a:p>
-        </p:txBody>
-      </p:sp>
-    </p:spTree>
-    <p:extLst>
-      <p:ext uri="{BB962C8B-B14F-4D97-AF65-F5344CB8AC3E}">
-        <p14:creationId xmlns:p14="http://schemas.microsoft.com/office/powerpoint/2010/main" val="2643002943"/>
-      </p:ext>
-    </p:extLst>
-  </p:cSld>
-  <p:clrMapOvr>
-    <a:masterClrMapping/>
-  </p:clrMapOvr>
-</p:sld>
-</file>
-
-<file path=ppt/slides/slide4.xml><?xml version="1.0" encoding="utf-8"?>
-<p:sld xmlns:a="http://schemas.openxmlformats.org/drawingml/2006/main" xmlns:r="http://schemas.openxmlformats.org/officeDocument/2006/relationships" xmlns:p="http://schemas.openxmlformats.org/presentationml/2006/main">
-  <p:cSld>
-    <p:bg>
-      <p:bgPr>
-        <a:gradFill flip="none" rotWithShape="1">
-          <a:gsLst>
-            <a:gs pos="100000">
-              <a:schemeClr val="tx2"/>
-            </a:gs>
-            <a:gs pos="81000">
-              <a:schemeClr val="accent6"/>
-            </a:gs>
-            <a:gs pos="55000">
-              <a:srgbClr val="02090E"/>
-            </a:gs>
-            <a:gs pos="14000">
-              <a:schemeClr val="accent4">
-                <a:lumMod val="75000"/>
-              </a:schemeClr>
-            </a:gs>
-            <a:gs pos="0">
-              <a:schemeClr val="accent4"/>
-            </a:gs>
-          </a:gsLst>
-          <a:lin ang="2700000" scaled="1"/>
-          <a:tileRect/>
-        </a:gradFill>
-        <a:effectLst/>
-      </p:bgPr>
-    </p:bg>
-    <p:spTree>
-      <p:nvGrpSpPr>
-        <p:cNvPr id="1" name=""/>
-        <p:cNvGrpSpPr/>
-        <p:nvPr/>
-      </p:nvGrpSpPr>
-      <p:grpSpPr>
-        <a:xfrm>
-          <a:off x="0" y="0"/>
-          <a:ext cx="0" cy="0"/>
-          <a:chOff x="0" y="0"/>
-          <a:chExt cx="0" cy="0"/>
-        </a:xfrm>
-      </p:grpSpPr>
-      <p:sp>
-        <p:nvSpPr>
-          <p:cNvPr id="7" name="Title 6">
-            <a:extLst>
-              <a:ext uri="{FF2B5EF4-FFF2-40B4-BE49-F238E27FC236}">
-                <a16:creationId xmlns:a16="http://schemas.microsoft.com/office/drawing/2014/main" id="{1A2458FF-0D0C-4ACC-C6FB-103BC0BADCCD}"/>
-              </a:ext>
-            </a:extLst>
-          </p:cNvPr>
-          <p:cNvSpPr>
-            <a:spLocks noGrp="1"/>
-          </p:cNvSpPr>
-          <p:nvPr>
-            <p:ph type="title"/>
-          </p:nvPr>
-        </p:nvSpPr>
-        <p:spPr>
-          <a:xfrm>
-            <a:off x="838201" y="365125"/>
-            <a:ext cx="4466502" cy="1936866"/>
-          </a:xfrm>
-        </p:spPr>
-        <p:txBody>
-          <a:bodyPr/>
-          <a:lstStyle/>
-          <a:p>
-            <a:r>
-              <a:rPr lang="en-US" dirty="0"/>
-              <a:t>Agenda</a:t>
-            </a:r>
-          </a:p>
-        </p:txBody>
-      </p:sp>
-      <p:sp>
-        <p:nvSpPr>
-          <p:cNvPr id="31" name="Text Placeholder 3">
-            <a:extLst>
-              <a:ext uri="{FF2B5EF4-FFF2-40B4-BE49-F238E27FC236}">
-                <a16:creationId xmlns:a16="http://schemas.microsoft.com/office/drawing/2014/main" id="{F1239C0E-3F39-787D-0FC3-6B7C9BA37E8F}"/>
-              </a:ext>
-            </a:extLst>
-          </p:cNvPr>
-          <p:cNvSpPr>
-            <a:spLocks noGrp="1"/>
-          </p:cNvSpPr>
-          <p:nvPr>
-            <p:ph sz="quarter" idx="10"/>
-          </p:nvPr>
-        </p:nvSpPr>
-        <p:spPr>
-          <a:xfrm>
-            <a:off x="838201" y="3097848"/>
-            <a:ext cx="4466504" cy="3405187"/>
-          </a:xfrm>
-        </p:spPr>
-        <p:txBody>
-          <a:bodyPr anchor="t"/>
-          <a:lstStyle/>
-          <a:p>
-            <a:r>
-              <a:rPr lang="en-US" dirty="0"/>
-              <a:t>Introduction</a:t>
-            </a:r>
-          </a:p>
-          <a:p>
-            <a:r>
-              <a:rPr lang="en-US" dirty="0"/>
-              <a:t>Building confidence</a:t>
-            </a:r>
-          </a:p>
-          <a:p>
-            <a:r>
-              <a:rPr lang="en-US" dirty="0"/>
-              <a:t>Engaging the audience</a:t>
-            </a:r>
-          </a:p>
-          <a:p>
-            <a:r>
-              <a:rPr lang="en-US" dirty="0"/>
-              <a:t>Visual aids</a:t>
-            </a:r>
-          </a:p>
-          <a:p>
-            <a:r>
-              <a:rPr lang="en-US" dirty="0"/>
-              <a:t>Final tips &amp; takeaways</a:t>
-            </a:r>
-          </a:p>
-        </p:txBody>
-      </p:sp>
-    </p:spTree>
-    <p:extLst>
-      <p:ext uri="{BB962C8B-B14F-4D97-AF65-F5344CB8AC3E}">
-        <p14:creationId xmlns:p14="http://schemas.microsoft.com/office/powerpoint/2010/main" val="1460159330"/>
-      </p:ext>
-    </p:extLst>
-  </p:cSld>
-  <p:clrMapOvr>
-    <a:masterClrMapping/>
-  </p:clrMapOvr>
-</p:sld>
-</file>
-
-<file path=ppt/slides/slide5.xml><?xml version="1.0" encoding="utf-8"?>
-<p:sld xmlns:a="http://schemas.openxmlformats.org/drawingml/2006/main" xmlns:r="http://schemas.openxmlformats.org/officeDocument/2006/relationships" xmlns:p="http://schemas.openxmlformats.org/presentationml/2006/main">
-  <p:cSld>
-    <p:spTree>
-      <p:nvGrpSpPr>
-        <p:cNvPr id="1" name=""/>
-        <p:cNvGrpSpPr/>
-        <p:nvPr/>
-      </p:nvGrpSpPr>
-      <p:grpSpPr>
-        <a:xfrm>
-          <a:off x="0" y="0"/>
-          <a:ext cx="0" cy="0"/>
-          <a:chOff x="0" y="0"/>
-          <a:chExt cx="0" cy="0"/>
-        </a:xfrm>
-      </p:grpSpPr>
-      <p:sp>
-        <p:nvSpPr>
-          <p:cNvPr id="2" name="Title 1">
-            <a:extLst>
-              <a:ext uri="{FF2B5EF4-FFF2-40B4-BE49-F238E27FC236}">
-                <a16:creationId xmlns:a16="http://schemas.microsoft.com/office/drawing/2014/main" id="{E117F7C5-CBA2-9823-0CBA-5BD773998046}"/>
-              </a:ext>
-            </a:extLst>
-          </p:cNvPr>
-          <p:cNvSpPr>
-            <a:spLocks noGrp="1"/>
-          </p:cNvSpPr>
-          <p:nvPr>
-            <p:ph type="title"/>
-          </p:nvPr>
-        </p:nvSpPr>
-        <p:spPr>
-          <a:xfrm>
-            <a:off x="321869" y="579120"/>
-            <a:ext cx="11548261" cy="2733306"/>
-          </a:xfrm>
-        </p:spPr>
-        <p:txBody>
-          <a:bodyPr/>
-          <a:lstStyle/>
-          <a:p>
-            <a:r>
-              <a:rPr lang="en-US" dirty="0"/>
-              <a:t>The Power of</a:t>
-            </a:r>
-          </a:p>
-        </p:txBody>
-      </p:sp>
-      <p:sp>
-        <p:nvSpPr>
-          <p:cNvPr id="4" name="Subtitle 3">
-            <a:extLst>
-              <a:ext uri="{FF2B5EF4-FFF2-40B4-BE49-F238E27FC236}">
-                <a16:creationId xmlns:a16="http://schemas.microsoft.com/office/drawing/2014/main" id="{260D053B-A40A-3228-B6D5-3371B9EE2E56}"/>
-              </a:ext>
-            </a:extLst>
-          </p:cNvPr>
-          <p:cNvSpPr>
-            <a:spLocks noGrp="1"/>
-          </p:cNvSpPr>
-          <p:nvPr>
-            <p:ph type="subTitle" idx="1"/>
-          </p:nvPr>
-        </p:nvSpPr>
-        <p:spPr>
-          <a:xfrm>
-            <a:off x="321868" y="3484615"/>
-            <a:ext cx="11562303" cy="2387865"/>
-          </a:xfrm>
-        </p:spPr>
-        <p:txBody>
-          <a:bodyPr/>
-          <a:lstStyle/>
-          <a:p>
-            <a:r>
-              <a:rPr lang="en-US" dirty="0"/>
-              <a:t>Communication</a:t>
-            </a:r>
-          </a:p>
-        </p:txBody>
-      </p:sp>
-      <p:sp>
-        <p:nvSpPr>
-          <p:cNvPr id="3" name="Slide Number Placeholder 2">
-            <a:extLst>
-              <a:ext uri="{FF2B5EF4-FFF2-40B4-BE49-F238E27FC236}">
-                <a16:creationId xmlns:a16="http://schemas.microsoft.com/office/drawing/2014/main" id="{A6A971A9-0C5C-DDFC-67F9-2E5A55F12F67}"/>
-              </a:ext>
-            </a:extLst>
-          </p:cNvPr>
-          <p:cNvSpPr>
-            <a:spLocks noGrp="1"/>
-          </p:cNvSpPr>
-          <p:nvPr>
-            <p:ph type="sldNum" sz="quarter" idx="12"/>
-          </p:nvPr>
-        </p:nvSpPr>
-        <p:spPr>
-          <a:xfrm>
-            <a:off x="9140971" y="6226198"/>
-            <a:ext cx="2743200" cy="365125"/>
-          </a:xfrm>
-        </p:spPr>
-        <p:txBody>
-          <a:bodyPr/>
-          <a:lstStyle/>
-          <a:p>
-            <a:fld id="{FE024F78-56A6-7740-B68D-8D4D026EDF3F}" type="slidenum">
-              <a:rPr lang="en-US" smtClean="0"/>
-              <a:pPr/>
-              <a:t>5</a:t>
-            </a:fld>
-            <a:endParaRPr lang="en-US" dirty="0"/>
-          </a:p>
-        </p:txBody>
-      </p:sp>
-    </p:spTree>
-    <p:extLst>
-      <p:ext uri="{BB962C8B-B14F-4D97-AF65-F5344CB8AC3E}">
-        <p14:creationId xmlns:p14="http://schemas.microsoft.com/office/powerpoint/2010/main" val="1397193754"/>
-      </p:ext>
-    </p:extLst>
-  </p:cSld>
-  <p:clrMapOvr>
-    <a:masterClrMapping/>
-  </p:clrMapOvr>
-</p:sld>
-</file>
-
-<file path=ppt/slides/slide6.xml><?xml version="1.0" encoding="utf-8"?>
-<p:sld xmlns:a="http://schemas.openxmlformats.org/drawingml/2006/main" xmlns:r="http://schemas.openxmlformats.org/officeDocument/2006/relationships" xmlns:p="http://schemas.openxmlformats.org/presentationml/2006/main">
-  <p:cSld>
-    <p:bg>
-      <p:bgPr>
-        <a:gradFill>
-          <a:gsLst>
-            <a:gs pos="100000">
-              <a:schemeClr val="tx2"/>
-            </a:gs>
-            <a:gs pos="79000">
-              <a:schemeClr val="accent6"/>
-            </a:gs>
-            <a:gs pos="31000">
-              <a:srgbClr val="02090E"/>
-            </a:gs>
-            <a:gs pos="14000">
-              <a:schemeClr val="accent4">
-                <a:lumMod val="75000"/>
-              </a:schemeClr>
-            </a:gs>
-            <a:gs pos="0">
-              <a:schemeClr val="accent4"/>
-            </a:gs>
-          </a:gsLst>
-          <a:lin ang="5400000" scaled="0"/>
-        </a:gradFill>
-        <a:effectLst/>
-      </p:bgPr>
-    </p:bg>
-    <p:spTree>
-      <p:nvGrpSpPr>
-        <p:cNvPr id="1" name=""/>
-        <p:cNvGrpSpPr/>
-        <p:nvPr/>
-      </p:nvGrpSpPr>
-      <p:grpSpPr>
-        <a:xfrm>
-          <a:off x="0" y="0"/>
-          <a:ext cx="0" cy="0"/>
-          <a:chOff x="0" y="0"/>
-          <a:chExt cx="0" cy="0"/>
-        </a:xfrm>
-      </p:grpSpPr>
-      <p:sp>
-        <p:nvSpPr>
-          <p:cNvPr id="3" name="Title 2">
-            <a:extLst>
-              <a:ext uri="{FF2B5EF4-FFF2-40B4-BE49-F238E27FC236}">
-                <a16:creationId xmlns:a16="http://schemas.microsoft.com/office/drawing/2014/main" id="{3FEFE388-CD0B-9671-4D4E-D6D8004C8851}"/>
-              </a:ext>
-            </a:extLst>
-          </p:cNvPr>
-          <p:cNvSpPr>
-            <a:spLocks noGrp="1"/>
-          </p:cNvSpPr>
-          <p:nvPr>
-            <p:ph type="title"/>
-          </p:nvPr>
-        </p:nvSpPr>
-        <p:spPr>
-          <a:xfrm>
-            <a:off x="799891" y="511762"/>
-            <a:ext cx="4960830" cy="2785158"/>
-          </a:xfrm>
-        </p:spPr>
-        <p:txBody>
-          <a:bodyPr/>
-          <a:lstStyle/>
-          <a:p>
-            <a:r>
-              <a:rPr lang="en-US" dirty="0"/>
-              <a:t>Overcoming </a:t>
-            </a:r>
-          </a:p>
-        </p:txBody>
-      </p:sp>
-      <p:sp>
-        <p:nvSpPr>
-          <p:cNvPr id="5" name="Subtitle 4">
-            <a:extLst>
-              <a:ext uri="{FF2B5EF4-FFF2-40B4-BE49-F238E27FC236}">
-                <a16:creationId xmlns:a16="http://schemas.microsoft.com/office/drawing/2014/main" id="{BE4E0F37-0AD5-833C-CBE5-EAE02EC46069}"/>
-              </a:ext>
-            </a:extLst>
-          </p:cNvPr>
-          <p:cNvSpPr>
-            <a:spLocks noGrp="1"/>
-          </p:cNvSpPr>
-          <p:nvPr>
-            <p:ph type="subTitle" idx="1"/>
-          </p:nvPr>
-        </p:nvSpPr>
-        <p:spPr>
-          <a:xfrm>
-            <a:off x="802640" y="3484615"/>
-            <a:ext cx="4958081" cy="2387865"/>
-          </a:xfrm>
-        </p:spPr>
-        <p:txBody>
-          <a:bodyPr/>
-          <a:lstStyle/>
-          <a:p>
-            <a:r>
-              <a:rPr lang="en-US" dirty="0"/>
-              <a:t>Nervousness</a:t>
-            </a:r>
-          </a:p>
-        </p:txBody>
-      </p:sp>
-      <p:pic>
-        <p:nvPicPr>
-          <p:cNvPr id="8" name="Picture Placeholder 7" descr="A blue and purple spirals">
-            <a:extLst>
-              <a:ext uri="{FF2B5EF4-FFF2-40B4-BE49-F238E27FC236}">
-                <a16:creationId xmlns:a16="http://schemas.microsoft.com/office/drawing/2014/main" id="{E1DBD4C7-D952-4426-40FD-8799F80F821F}"/>
-              </a:ext>
-            </a:extLst>
-          </p:cNvPr>
-          <p:cNvPicPr>
-            <a:picLocks noGrp="1" noChangeAspect="1"/>
-          </p:cNvPicPr>
-          <p:nvPr>
-            <p:ph type="pic" sz="quarter" idx="13"/>
-          </p:nvPr>
-        </p:nvPicPr>
-        <p:blipFill>
-          <a:blip r:embed="rId3"/>
-          <a:srcRect t="31" b="31"/>
-          <a:stretch/>
-        </p:blipFill>
-        <p:spPr>
-          <a:xfrm>
-            <a:off x="6497638" y="336550"/>
-            <a:ext cx="5322887" cy="6184900"/>
-          </a:xfrm>
-        </p:spPr>
-      </p:pic>
-      <p:sp>
-        <p:nvSpPr>
-          <p:cNvPr id="4" name="Slide Number Placeholder 3">
-            <a:extLst>
-              <a:ext uri="{FF2B5EF4-FFF2-40B4-BE49-F238E27FC236}">
-                <a16:creationId xmlns:a16="http://schemas.microsoft.com/office/drawing/2014/main" id="{67D6EA54-3083-FB0D-9011-2353791B0495}"/>
-              </a:ext>
-            </a:extLst>
-          </p:cNvPr>
-          <p:cNvSpPr>
-            <a:spLocks noGrp="1"/>
-          </p:cNvSpPr>
-          <p:nvPr>
-            <p:ph type="sldNum" sz="quarter" idx="12"/>
-          </p:nvPr>
-        </p:nvSpPr>
-        <p:spPr>
-          <a:xfrm>
-            <a:off x="9140971" y="6226198"/>
-            <a:ext cx="2743200" cy="365125"/>
-          </a:xfrm>
-        </p:spPr>
-        <p:txBody>
-          <a:bodyPr/>
-          <a:lstStyle/>
-          <a:p>
-            <a:fld id="{FE024F78-56A6-7740-B68D-8D4D026EDF3F}" type="slidenum">
-              <a:rPr lang="en-US" smtClean="0"/>
-              <a:pPr/>
-              <a:t>6</a:t>
-            </a:fld>
-            <a:endParaRPr lang="en-US" dirty="0"/>
-          </a:p>
-        </p:txBody>
-      </p:sp>
-    </p:spTree>
-    <p:extLst>
-      <p:ext uri="{BB962C8B-B14F-4D97-AF65-F5344CB8AC3E}">
-        <p14:creationId xmlns:p14="http://schemas.microsoft.com/office/powerpoint/2010/main" val="598144966"/>
-      </p:ext>
-    </p:extLst>
-  </p:cSld>
-  <p:clrMapOvr>
-    <a:masterClrMapping/>
-  </p:clrMapOvr>
-</p:sld>
-</file>
-
-<file path=ppt/slides/slide7.xml><?xml version="1.0" encoding="utf-8"?>
-<p:sld xmlns:a="http://schemas.openxmlformats.org/drawingml/2006/main" xmlns:r="http://schemas.openxmlformats.org/officeDocument/2006/relationships" xmlns:p="http://schemas.openxmlformats.org/presentationml/2006/main">
-  <p:cSld>
-    <p:spTree>
-      <p:nvGrpSpPr>
-        <p:cNvPr id="1" name=""/>
-        <p:cNvGrpSpPr/>
-        <p:nvPr/>
-      </p:nvGrpSpPr>
-      <p:grpSpPr>
-        <a:xfrm>
-          <a:off x="0" y="0"/>
-          <a:ext cx="0" cy="0"/>
-          <a:chOff x="0" y="0"/>
-          <a:chExt cx="0" cy="0"/>
-        </a:xfrm>
-      </p:grpSpPr>
-      <p:sp>
-        <p:nvSpPr>
-          <p:cNvPr id="2" name="Title 1">
-            <a:extLst>
-              <a:ext uri="{FF2B5EF4-FFF2-40B4-BE49-F238E27FC236}">
-                <a16:creationId xmlns:a16="http://schemas.microsoft.com/office/drawing/2014/main" id="{D9F60903-003B-273E-3584-5312F76C3EF3}"/>
-              </a:ext>
-            </a:extLst>
-          </p:cNvPr>
-          <p:cNvSpPr>
-            <a:spLocks noGrp="1"/>
-          </p:cNvSpPr>
-          <p:nvPr>
-            <p:ph type="title"/>
-          </p:nvPr>
-        </p:nvSpPr>
-        <p:spPr>
-          <a:xfrm>
-            <a:off x="3305669" y="113097"/>
-            <a:ext cx="7420819" cy="1656304"/>
-          </a:xfrm>
-        </p:spPr>
-        <p:txBody>
-          <a:bodyPr/>
-          <a:lstStyle/>
-          <a:p>
-            <a:r>
-              <a:rPr lang="en-US" dirty="0"/>
-              <a:t>ENGAGING THE AUDIENCE</a:t>
-            </a:r>
-          </a:p>
-        </p:txBody>
-      </p:sp>
-      <p:sp>
-        <p:nvSpPr>
-          <p:cNvPr id="4" name="Content Placeholder 3">
-            <a:extLst>
-              <a:ext uri="{FF2B5EF4-FFF2-40B4-BE49-F238E27FC236}">
-                <a16:creationId xmlns:a16="http://schemas.microsoft.com/office/drawing/2014/main" id="{74160DFF-2E7E-7A22-819A-C011020DFF01}"/>
-              </a:ext>
-            </a:extLst>
-          </p:cNvPr>
-          <p:cNvSpPr>
-            <a:spLocks noGrp="1"/>
-          </p:cNvSpPr>
-          <p:nvPr>
-            <p:ph sz="quarter" idx="31"/>
-          </p:nvPr>
-        </p:nvSpPr>
-        <p:spPr>
-          <a:xfrm>
-            <a:off x="3305669" y="2470150"/>
-            <a:ext cx="7420819" cy="3676649"/>
-          </a:xfrm>
-        </p:spPr>
-        <p:txBody>
-          <a:bodyPr/>
-          <a:lstStyle/>
-          <a:p>
-            <a:r>
-              <a:rPr lang="en-US" dirty="0"/>
-              <a:t>Make eye contact with your audience to create a sense of intimacy and involvement</a:t>
-            </a:r>
-          </a:p>
-          <a:p>
-            <a:r>
-              <a:rPr lang="en-US" dirty="0"/>
-              <a:t>Weave relatable stories into your presentation using narratives that make your message memorable and impactful</a:t>
-            </a:r>
-          </a:p>
-          <a:p>
-            <a:r>
-              <a:rPr lang="en-US" dirty="0"/>
-              <a:t>Encourage questions and provide thoughtful responses to enhance audience participation</a:t>
-            </a:r>
-          </a:p>
-          <a:p>
-            <a:r>
-              <a:rPr lang="en-US" dirty="0"/>
-              <a:t>Use live polls or surveys to gather audience opinions, promoting engagement and making sure the audience feel involved</a:t>
-            </a:r>
-          </a:p>
-        </p:txBody>
-      </p:sp>
-      <p:sp>
-        <p:nvSpPr>
-          <p:cNvPr id="3" name="Slide Number Placeholder 2">
-            <a:extLst>
-              <a:ext uri="{FF2B5EF4-FFF2-40B4-BE49-F238E27FC236}">
-                <a16:creationId xmlns:a16="http://schemas.microsoft.com/office/drawing/2014/main" id="{64347AE7-D6A2-42FB-3D58-6297742FC352}"/>
-              </a:ext>
-            </a:extLst>
-          </p:cNvPr>
-          <p:cNvSpPr>
-            <a:spLocks noGrp="1"/>
-          </p:cNvSpPr>
-          <p:nvPr>
-            <p:ph type="sldNum" sz="quarter" idx="12"/>
-          </p:nvPr>
-        </p:nvSpPr>
-        <p:spPr>
-          <a:xfrm>
-            <a:off x="9140971" y="6226198"/>
-            <a:ext cx="2743200" cy="365125"/>
-          </a:xfrm>
-        </p:spPr>
-        <p:txBody>
-          <a:bodyPr/>
-          <a:lstStyle/>
-          <a:p>
-            <a:fld id="{FE024F78-56A6-7740-B68D-8D4D026EDF3F}" type="slidenum">
-              <a:rPr lang="en-US" smtClean="0"/>
-              <a:pPr/>
-              <a:t>7</a:t>
-            </a:fld>
-            <a:endParaRPr lang="en-US" dirty="0"/>
-          </a:p>
-        </p:txBody>
-      </p:sp>
-    </p:spTree>
-    <p:extLst>
-      <p:ext uri="{BB962C8B-B14F-4D97-AF65-F5344CB8AC3E}">
-        <p14:creationId xmlns:p14="http://schemas.microsoft.com/office/powerpoint/2010/main" val="1962637282"/>
-      </p:ext>
-    </p:extLst>
-  </p:cSld>
-  <p:clrMapOvr>
-    <a:masterClrMapping/>
-  </p:clrMapOvr>
-</p:sld>
-</file>
-
-<file path=ppt/slides/slide8.xml><?xml version="1.0" encoding="utf-8"?>
-<p:sld xmlns:a="http://schemas.openxmlformats.org/drawingml/2006/main" xmlns:r="http://schemas.openxmlformats.org/officeDocument/2006/relationships" xmlns:p="http://schemas.openxmlformats.org/presentationml/2006/main">
-  <p:cSld>
-    <p:spTree>
-      <p:nvGrpSpPr>
-        <p:cNvPr id="1" name=""/>
-        <p:cNvGrpSpPr/>
-        <p:nvPr/>
-      </p:nvGrpSpPr>
-      <p:grpSpPr>
-        <a:xfrm>
-          <a:off x="0" y="0"/>
-          <a:ext cx="0" cy="0"/>
-          <a:chOff x="0" y="0"/>
-          <a:chExt cx="0" cy="0"/>
-        </a:xfrm>
-      </p:grpSpPr>
-      <p:sp>
-        <p:nvSpPr>
-          <p:cNvPr id="3" name="Rectangle 2" hidden="1">
-            <a:extLst>
-              <a:ext uri="{FF2B5EF4-FFF2-40B4-BE49-F238E27FC236}">
-                <a16:creationId xmlns:a16="http://schemas.microsoft.com/office/drawing/2014/main" id="{8692FC88-DAD7-F5AD-7831-DE54322108F6}"/>
-              </a:ext>
-              <a:ext uri="{C183D7F6-B498-43B3-948B-1728B52AA6E4}">
-                <adec:decorative xmlns:adec="http://schemas.microsoft.com/office/drawing/2017/decorative" val="1"/>
-              </a:ext>
-            </a:extLst>
-          </p:cNvPr>
-          <p:cNvSpPr/>
-          <p:nvPr/>
-        </p:nvSpPr>
-        <p:spPr>
-          <a:xfrm>
-            <a:off x="1" y="2"/>
-            <a:ext cx="12227942" cy="6857997"/>
-          </a:xfrm>
-          <a:prstGeom prst="rect">
-            <a:avLst/>
-          </a:prstGeom>
-          <a:solidFill>
-            <a:schemeClr val="tx1">
-              <a:alpha val="70000"/>
-            </a:schemeClr>
-          </a:solidFill>
-          <a:ln>
-            <a:noFill/>
-          </a:ln>
-        </p:spPr>
-        <p:style>
-          <a:lnRef idx="2">
-            <a:schemeClr val="accent1">
-              <a:shade val="50000"/>
-            </a:schemeClr>
-          </a:lnRef>
-          <a:fillRef idx="1">
-            <a:schemeClr val="accent1"/>
-          </a:fillRef>
-          <a:effectRef idx="0">
-            <a:schemeClr val="accent1"/>
-          </a:effectRef>
-          <a:fontRef idx="minor">
-            <a:schemeClr val="lt1"/>
-          </a:fontRef>
-        </p:style>
-        <p:txBody>
-          <a:bodyPr rtlCol="0" anchor="ctr">
-            <a:noAutofit/>
-          </a:bodyPr>
-          <a:lstStyle/>
-          <a:p>
-            <a:pPr algn="ctr"/>
-            <a:endParaRPr lang="en-US" dirty="0"/>
-          </a:p>
-        </p:txBody>
-      </p:sp>
-      <p:sp>
-        <p:nvSpPr>
-          <p:cNvPr id="9" name="Title 1">
-            <a:extLst>
-              <a:ext uri="{FF2B5EF4-FFF2-40B4-BE49-F238E27FC236}">
-                <a16:creationId xmlns:a16="http://schemas.microsoft.com/office/drawing/2014/main" id="{0FD6A3FE-1BF6-4C1A-0553-EBD497A69F2D}"/>
-              </a:ext>
-            </a:extLst>
-          </p:cNvPr>
-          <p:cNvSpPr>
-            <a:spLocks noGrp="1"/>
-          </p:cNvSpPr>
-          <p:nvPr>
-            <p:ph type="title"/>
-          </p:nvPr>
-        </p:nvSpPr>
-        <p:spPr>
-          <a:xfrm>
-            <a:off x="2932448" y="264160"/>
-            <a:ext cx="6327105" cy="3373973"/>
-          </a:xfrm>
-        </p:spPr>
-        <p:txBody>
-          <a:bodyPr anchor="b"/>
-          <a:lstStyle/>
-          <a:p>
-            <a:r>
-              <a:rPr lang="en-US" dirty="0"/>
-              <a:t>SELECTING</a:t>
-            </a:r>
-            <a:br>
-              <a:rPr lang="en-US" dirty="0"/>
-            </a:br>
-            <a:r>
-              <a:rPr lang="en-US" dirty="0"/>
-              <a:t>VISUAL AIDS</a:t>
-            </a:r>
-          </a:p>
-        </p:txBody>
-      </p:sp>
-      <p:sp>
-        <p:nvSpPr>
-          <p:cNvPr id="6" name="Subtitle 5">
-            <a:extLst>
-              <a:ext uri="{FF2B5EF4-FFF2-40B4-BE49-F238E27FC236}">
-                <a16:creationId xmlns:a16="http://schemas.microsoft.com/office/drawing/2014/main" id="{C15774B0-D971-67D7-27EB-FDB82B3A58CD}"/>
-              </a:ext>
-            </a:extLst>
-          </p:cNvPr>
-          <p:cNvSpPr>
-            <a:spLocks noGrp="1"/>
-          </p:cNvSpPr>
-          <p:nvPr>
-            <p:ph type="subTitle" idx="1"/>
-          </p:nvPr>
-        </p:nvSpPr>
-        <p:spPr>
-          <a:xfrm>
-            <a:off x="2932448" y="3962135"/>
-            <a:ext cx="6327105" cy="2653771"/>
-          </a:xfrm>
-        </p:spPr>
-        <p:txBody>
-          <a:bodyPr/>
-          <a:lstStyle/>
-          <a:p>
-            <a:r>
-              <a:rPr lang="en-US" dirty="0"/>
-              <a:t>ENHANCING YOUR PRESENTATION</a:t>
-            </a:r>
-          </a:p>
-        </p:txBody>
-      </p:sp>
-    </p:spTree>
-    <p:extLst>
-      <p:ext uri="{BB962C8B-B14F-4D97-AF65-F5344CB8AC3E}">
-        <p14:creationId xmlns:p14="http://schemas.microsoft.com/office/powerpoint/2010/main" val="1330733909"/>
-      </p:ext>
-    </p:extLst>
-  </p:cSld>
-  <p:clrMapOvr>
-    <a:masterClrMapping/>
-  </p:clrMapOvr>
-</p:sld>
-</file>
-
-<file path=ppt/slides/slide9.xml><?xml version="1.0" encoding="utf-8"?>
-<p:sld xmlns:a="http://schemas.openxmlformats.org/drawingml/2006/main" xmlns:r="http://schemas.openxmlformats.org/officeDocument/2006/relationships" xmlns:p="http://schemas.openxmlformats.org/presentationml/2006/main">
-  <p:cSld>
-    <p:spTree>
-      <p:nvGrpSpPr>
-        <p:cNvPr id="1" name=""/>
-        <p:cNvGrpSpPr/>
-        <p:nvPr/>
-      </p:nvGrpSpPr>
-      <p:grpSpPr>
-        <a:xfrm>
-          <a:off x="0" y="0"/>
-          <a:ext cx="0" cy="0"/>
-          <a:chOff x="0" y="0"/>
-          <a:chExt cx="0" cy="0"/>
-        </a:xfrm>
-      </p:grpSpPr>
-      <p:sp>
-        <p:nvSpPr>
-          <p:cNvPr id="2" name="Title 1">
-            <a:extLst>
-              <a:ext uri="{FF2B5EF4-FFF2-40B4-BE49-F238E27FC236}">
-                <a16:creationId xmlns:a16="http://schemas.microsoft.com/office/drawing/2014/main" id="{6CCA29A4-AAFD-04EE-0732-0671E83D5EF1}"/>
-              </a:ext>
-            </a:extLst>
-          </p:cNvPr>
-          <p:cNvSpPr>
-            <a:spLocks noGrp="1"/>
-          </p:cNvSpPr>
-          <p:nvPr>
-            <p:ph type="title"/>
-          </p:nvPr>
-        </p:nvSpPr>
-        <p:spPr>
-          <a:xfrm>
-            <a:off x="2399620" y="162560"/>
-            <a:ext cx="8843050" cy="1616904"/>
-          </a:xfrm>
-        </p:spPr>
-        <p:txBody>
-          <a:bodyPr/>
-          <a:lstStyle/>
-          <a:p>
-            <a:r>
-              <a:rPr lang="en-US" dirty="0"/>
-              <a:t>EFFECTIVE DELIVERY TECHNIQUES</a:t>
-            </a:r>
-          </a:p>
-        </p:txBody>
-      </p:sp>
-      <p:sp>
-        <p:nvSpPr>
-          <p:cNvPr id="3" name="Content Placeholder 2">
-            <a:extLst>
-              <a:ext uri="{FF2B5EF4-FFF2-40B4-BE49-F238E27FC236}">
-                <a16:creationId xmlns:a16="http://schemas.microsoft.com/office/drawing/2014/main" id="{F09FEE91-E849-1CB0-9E51-A58B99C631C5}"/>
-              </a:ext>
-            </a:extLst>
-          </p:cNvPr>
-          <p:cNvSpPr>
-            <a:spLocks noGrp="1"/>
-          </p:cNvSpPr>
-          <p:nvPr>
-            <p:ph sz="quarter" idx="35"/>
-          </p:nvPr>
-        </p:nvSpPr>
-        <p:spPr>
-          <a:xfrm>
-            <a:off x="2373002" y="2474811"/>
-            <a:ext cx="4015098" cy="3528397"/>
-          </a:xfrm>
-        </p:spPr>
-        <p:txBody>
-          <a:bodyPr/>
-          <a:lstStyle/>
-          <a:p>
-            <a:r>
-              <a:rPr lang="en-US" dirty="0"/>
-              <a:t>This is a powerful tool in public speaking. It involves varying pitch, tone, and volume to convey emotion, emphasize points, and maintain interest.</a:t>
-            </a:r>
-          </a:p>
-          <a:p>
-            <a:pPr lvl="1"/>
-            <a:r>
-              <a:rPr lang="en-US" dirty="0"/>
-              <a:t>Pitch variation</a:t>
-            </a:r>
-          </a:p>
-          <a:p>
-            <a:pPr lvl="1"/>
-            <a:r>
-              <a:rPr lang="en-US" dirty="0"/>
-              <a:t>Tone inflection</a:t>
-            </a:r>
-          </a:p>
-          <a:p>
-            <a:pPr lvl="1"/>
-            <a:r>
-              <a:rPr lang="en-US" dirty="0"/>
-              <a:t>Volume control</a:t>
-            </a:r>
-          </a:p>
-        </p:txBody>
-      </p:sp>
-      <p:sp>
-        <p:nvSpPr>
-          <p:cNvPr id="4" name="Content Placeholder 3">
-            <a:extLst>
-              <a:ext uri="{FF2B5EF4-FFF2-40B4-BE49-F238E27FC236}">
-                <a16:creationId xmlns:a16="http://schemas.microsoft.com/office/drawing/2014/main" id="{9B774F1A-D233-C240-B22D-F82C6161FAC1}"/>
-              </a:ext>
-            </a:extLst>
-          </p:cNvPr>
-          <p:cNvSpPr>
-            <a:spLocks noGrp="1"/>
-          </p:cNvSpPr>
-          <p:nvPr>
-            <p:ph sz="quarter" idx="36"/>
-          </p:nvPr>
-        </p:nvSpPr>
-        <p:spPr>
-          <a:xfrm>
-            <a:off x="6995159" y="2474811"/>
-            <a:ext cx="4227332" cy="3528397"/>
-          </a:xfrm>
-        </p:spPr>
-        <p:txBody>
-          <a:bodyPr/>
-          <a:lstStyle/>
-          <a:p>
-            <a:r>
-              <a:rPr lang="en-US" dirty="0"/>
-              <a:t>Effective body language enhances your message, making it more impactful and memorable.</a:t>
-            </a:r>
-          </a:p>
-          <a:p>
-            <a:pPr lvl="1"/>
-            <a:r>
-              <a:rPr lang="en-US" dirty="0"/>
-              <a:t>Meaningful eye contact</a:t>
-            </a:r>
-          </a:p>
-          <a:p>
-            <a:pPr lvl="1"/>
-            <a:r>
-              <a:rPr lang="en-US" dirty="0"/>
-              <a:t>Purposeful gestures</a:t>
-            </a:r>
-          </a:p>
-          <a:p>
-            <a:pPr lvl="1"/>
-            <a:r>
-              <a:rPr lang="en-US" dirty="0"/>
-              <a:t>Maintain good posture</a:t>
-            </a:r>
-          </a:p>
-          <a:p>
-            <a:pPr lvl="1"/>
-            <a:r>
-              <a:rPr lang="en-US" dirty="0"/>
-              <a:t>Control your expressions</a:t>
-            </a:r>
-          </a:p>
-        </p:txBody>
-      </p:sp>
-      <p:sp>
-        <p:nvSpPr>
-          <p:cNvPr id="5" name="Slide Number Placeholder 4">
-            <a:extLst>
-              <a:ext uri="{FF2B5EF4-FFF2-40B4-BE49-F238E27FC236}">
-                <a16:creationId xmlns:a16="http://schemas.microsoft.com/office/drawing/2014/main" id="{23E23533-91C6-420C-B7D7-4977ACF73ACF}"/>
-              </a:ext>
-            </a:extLst>
-          </p:cNvPr>
-          <p:cNvSpPr>
-            <a:spLocks noGrp="1"/>
-          </p:cNvSpPr>
-          <p:nvPr>
-            <p:ph type="sldNum" sz="quarter" idx="12"/>
-          </p:nvPr>
-        </p:nvSpPr>
-        <p:spPr>
-          <a:xfrm>
-            <a:off x="9140971" y="6226198"/>
-            <a:ext cx="2743200" cy="365125"/>
-          </a:xfrm>
-        </p:spPr>
-        <p:txBody>
-          <a:bodyPr/>
-          <a:lstStyle/>
-          <a:p>
-            <a:fld id="{FE024F78-56A6-7740-B68D-8D4D026EDF3F}" type="slidenum">
-              <a:rPr lang="en-US" smtClean="0"/>
-              <a:pPr/>
-              <a:t>9</a:t>
-            </a:fld>
-            <a:endParaRPr lang="en-US" dirty="0"/>
-          </a:p>
-        </p:txBody>
-      </p:sp>
-    </p:spTree>
-    <p:extLst>
-      <p:ext uri="{BB962C8B-B14F-4D97-AF65-F5344CB8AC3E}">
-        <p14:creationId xmlns:p14="http://schemas.microsoft.com/office/powerpoint/2010/main" val="1073601555"/>
       </p:ext>
     </p:extLst>
   </p:cSld>
